--- a/Final Presentation.pptx
+++ b/Final Presentation.pptx
@@ -19,21 +19,23 @@
     <p:sldId id="264" r:id="rId15"/>
     <p:sldId id="265" r:id="rId16"/>
     <p:sldId id="266" r:id="rId17"/>
+    <p:sldId id="267" r:id="rId18"/>
+    <p:sldId id="268" r:id="rId19"/>
   </p:sldIdLst>
   <p:sldSz cy="5143500" cx="9144000"/>
   <p:notesSz cx="6858000" cy="9144000"/>
   <p:embeddedFontLst>
     <p:embeddedFont>
       <p:font typeface="Nunito"/>
-      <p:regular r:id="rId18"/>
-      <p:bold r:id="rId19"/>
-      <p:italic r:id="rId20"/>
-      <p:boldItalic r:id="rId21"/>
+      <p:regular r:id="rId20"/>
+      <p:bold r:id="rId21"/>
+      <p:italic r:id="rId22"/>
+      <p:boldItalic r:id="rId23"/>
     </p:embeddedFont>
     <p:embeddedFont>
       <p:font typeface="Maven Pro"/>
-      <p:regular r:id="rId22"/>
-      <p:bold r:id="rId23"/>
+      <p:regular r:id="rId24"/>
+      <p:bold r:id="rId25"/>
     </p:embeddedFont>
   </p:embeddedFontLst>
   <p:defaultTextStyle>
@@ -815,7 +817,7 @@
   <p:cSld>
     <p:spTree>
       <p:nvGrpSpPr>
-        <p:cNvPr id="335" name="Shape 335"/>
+        <p:cNvPr id="334" name="Shape 334"/>
         <p:cNvGrpSpPr/>
         <p:nvPr/>
       </p:nvGrpSpPr>
@@ -829,7 +831,7 @@
       </p:grpSpPr>
       <p:sp>
         <p:nvSpPr>
-          <p:cNvPr id="336" name="Google Shape;336;g31f3f8f27d7_1_15:notes"/>
+          <p:cNvPr id="335" name="Google Shape;335;g31d5c889b26_0_11:notes"/>
           <p:cNvSpPr/>
           <p:nvPr>
             <p:ph idx="2" type="sldImg"/>
@@ -864,7 +866,7 @@
       </p:sp>
       <p:sp>
         <p:nvSpPr>
-          <p:cNvPr id="337" name="Google Shape;337;g31f3f8f27d7_1_15:notes"/>
+          <p:cNvPr id="336" name="Google Shape;336;g31d5c889b26_0_11:notes"/>
           <p:cNvSpPr txBox="1"/>
           <p:nvPr>
             <p:ph idx="1" type="body"/>
@@ -885,6 +887,316 @@
           </a:bodyPr>
           <a:lstStyle/>
           <a:p>
+            <a:pPr indent="-311150" lvl="0" marL="457200" rtl="0" algn="l">
+              <a:lnSpc>
+                <a:spcPct val="115000"/>
+              </a:lnSpc>
+              <a:spcBef>
+                <a:spcPts val="0"/>
+              </a:spcBef>
+              <a:spcAft>
+                <a:spcPts val="0"/>
+              </a:spcAft>
+              <a:buClr>
+                <a:srgbClr val="424242"/>
+              </a:buClr>
+              <a:buSzPts val="1300"/>
+              <a:buFont typeface="Nunito"/>
+              <a:buChar char="-"/>
+            </a:pPr>
+            <a:r>
+              <a:rPr lang="en" sz="1300">
+                <a:solidFill>
+                  <a:srgbClr val="424242"/>
+                </a:solidFill>
+                <a:latin typeface="Nunito"/>
+                <a:ea typeface="Nunito"/>
+                <a:cs typeface="Nunito"/>
+                <a:sym typeface="Nunito"/>
+              </a:rPr>
+              <a:t>So how does the model work?</a:t>
+            </a:r>
+            <a:endParaRPr sz="1300">
+              <a:solidFill>
+                <a:srgbClr val="424242"/>
+              </a:solidFill>
+              <a:latin typeface="Nunito"/>
+              <a:ea typeface="Nunito"/>
+              <a:cs typeface="Nunito"/>
+              <a:sym typeface="Nunito"/>
+            </a:endParaRPr>
+          </a:p>
+          <a:p>
+            <a:pPr indent="457200" lvl="0" marL="0" rtl="0" algn="l">
+              <a:lnSpc>
+                <a:spcPct val="115000"/>
+              </a:lnSpc>
+              <a:spcBef>
+                <a:spcPts val="1200"/>
+              </a:spcBef>
+              <a:spcAft>
+                <a:spcPts val="0"/>
+              </a:spcAft>
+              <a:buNone/>
+            </a:pPr>
+            <a:r>
+              <a:rPr lang="en" sz="1300">
+                <a:solidFill>
+                  <a:srgbClr val="424242"/>
+                </a:solidFill>
+                <a:latin typeface="Nunito"/>
+                <a:ea typeface="Nunito"/>
+                <a:cs typeface="Nunito"/>
+                <a:sym typeface="Nunito"/>
+              </a:rPr>
+              <a:t>…</a:t>
+            </a:r>
+            <a:endParaRPr sz="1300">
+              <a:solidFill>
+                <a:srgbClr val="424242"/>
+              </a:solidFill>
+              <a:latin typeface="Nunito"/>
+              <a:ea typeface="Nunito"/>
+              <a:cs typeface="Nunito"/>
+              <a:sym typeface="Nunito"/>
+            </a:endParaRPr>
+          </a:p>
+          <a:p>
+            <a:pPr indent="0" lvl="0" marL="0" rtl="0" algn="l">
+              <a:lnSpc>
+                <a:spcPct val="115000"/>
+              </a:lnSpc>
+              <a:spcBef>
+                <a:spcPts val="1200"/>
+              </a:spcBef>
+              <a:spcAft>
+                <a:spcPts val="0"/>
+              </a:spcAft>
+              <a:buNone/>
+            </a:pPr>
+            <a:r>
+              <a:rPr lang="en" sz="1300">
+                <a:solidFill>
+                  <a:srgbClr val="424242"/>
+                </a:solidFill>
+                <a:latin typeface="Nunito"/>
+                <a:ea typeface="Nunito"/>
+                <a:cs typeface="Nunito"/>
+                <a:sym typeface="Nunito"/>
+              </a:rPr>
+              <a:t>Highlight for the lack of time..</a:t>
+            </a:r>
+            <a:endParaRPr sz="1300">
+              <a:solidFill>
+                <a:srgbClr val="424242"/>
+              </a:solidFill>
+              <a:latin typeface="Nunito"/>
+              <a:ea typeface="Nunito"/>
+              <a:cs typeface="Nunito"/>
+              <a:sym typeface="Nunito"/>
+            </a:endParaRPr>
+          </a:p>
+          <a:p>
+            <a:pPr indent="-311150" lvl="0" marL="457200" rtl="0" algn="l">
+              <a:lnSpc>
+                <a:spcPct val="115000"/>
+              </a:lnSpc>
+              <a:spcBef>
+                <a:spcPts val="1200"/>
+              </a:spcBef>
+              <a:spcAft>
+                <a:spcPts val="0"/>
+              </a:spcAft>
+              <a:buClr>
+                <a:srgbClr val="424242"/>
+              </a:buClr>
+              <a:buSzPts val="1300"/>
+              <a:buFont typeface="Nunito"/>
+              <a:buChar char="-"/>
+            </a:pPr>
+            <a:r>
+              <a:rPr lang="en" sz="1300">
+                <a:solidFill>
+                  <a:srgbClr val="424242"/>
+                </a:solidFill>
+                <a:latin typeface="Nunito"/>
+                <a:ea typeface="Nunito"/>
+                <a:cs typeface="Nunito"/>
+                <a:sym typeface="Nunito"/>
+              </a:rPr>
+              <a:t>Breaks script into smaller overlapping subdocuments. If two adjacent subdocuments each have a reference that’s shared in the overlapping region, then both are traced to the same character entity. With these overlapping regions, we can link references between all subdocuments.</a:t>
+            </a:r>
+            <a:endParaRPr sz="1300">
+              <a:solidFill>
+                <a:srgbClr val="424242"/>
+              </a:solidFill>
+              <a:latin typeface="Nunito"/>
+              <a:ea typeface="Nunito"/>
+              <a:cs typeface="Nunito"/>
+              <a:sym typeface="Nunito"/>
+            </a:endParaRPr>
+          </a:p>
+          <a:p>
+            <a:pPr indent="-311150" lvl="1" marL="914400" rtl="0" algn="l">
+              <a:lnSpc>
+                <a:spcPct val="115000"/>
+              </a:lnSpc>
+              <a:spcBef>
+                <a:spcPts val="0"/>
+              </a:spcBef>
+              <a:spcAft>
+                <a:spcPts val="0"/>
+              </a:spcAft>
+              <a:buClr>
+                <a:srgbClr val="424242"/>
+              </a:buClr>
+              <a:buSzPts val="1300"/>
+              <a:buFont typeface="Nunito"/>
+              <a:buChar char="-"/>
+            </a:pPr>
+            <a:r>
+              <a:rPr lang="en" sz="1300">
+                <a:solidFill>
+                  <a:srgbClr val="424242"/>
+                </a:solidFill>
+                <a:latin typeface="Nunito"/>
+                <a:ea typeface="Nunito"/>
+                <a:cs typeface="Nunito"/>
+                <a:sym typeface="Nunito"/>
+              </a:rPr>
+              <a:t>Advantages, lightweight, and it was the most performant of models in their research</a:t>
+            </a:r>
+            <a:endParaRPr sz="1300">
+              <a:solidFill>
+                <a:srgbClr val="424242"/>
+              </a:solidFill>
+              <a:latin typeface="Nunito"/>
+              <a:ea typeface="Nunito"/>
+              <a:cs typeface="Nunito"/>
+              <a:sym typeface="Nunito"/>
+            </a:endParaRPr>
+          </a:p>
+          <a:p>
+            <a:pPr indent="-311150" lvl="1" marL="914400" rtl="0" algn="l">
+              <a:lnSpc>
+                <a:spcPct val="115000"/>
+              </a:lnSpc>
+              <a:spcBef>
+                <a:spcPts val="0"/>
+              </a:spcBef>
+              <a:spcAft>
+                <a:spcPts val="0"/>
+              </a:spcAft>
+              <a:buClr>
+                <a:srgbClr val="424242"/>
+              </a:buClr>
+              <a:buSzPts val="1300"/>
+              <a:buFont typeface="Nunito"/>
+              <a:buChar char="-"/>
+            </a:pPr>
+            <a:r>
+              <a:rPr lang="en" sz="1300">
+                <a:solidFill>
+                  <a:srgbClr val="424242"/>
+                </a:solidFill>
+                <a:latin typeface="Nunito"/>
+                <a:ea typeface="Nunito"/>
+                <a:cs typeface="Nunito"/>
+                <a:sym typeface="Nunito"/>
+              </a:rPr>
+              <a:t>Disadvantages, if there isn’t a link in the overlap region between subdocuments then it can result in multiple cluster for the same entity.</a:t>
+            </a:r>
+            <a:endParaRPr sz="1300">
+              <a:solidFill>
+                <a:srgbClr val="424242"/>
+              </a:solidFill>
+              <a:latin typeface="Nunito"/>
+              <a:ea typeface="Nunito"/>
+              <a:cs typeface="Nunito"/>
+              <a:sym typeface="Nunito"/>
+            </a:endParaRPr>
+          </a:p>
+          <a:p>
+            <a:pPr indent="-311150" lvl="0" marL="457200" rtl="0" algn="l">
+              <a:lnSpc>
+                <a:spcPct val="115000"/>
+              </a:lnSpc>
+              <a:spcBef>
+                <a:spcPts val="0"/>
+              </a:spcBef>
+              <a:spcAft>
+                <a:spcPts val="0"/>
+              </a:spcAft>
+              <a:buClr>
+                <a:srgbClr val="424242"/>
+              </a:buClr>
+              <a:buSzPts val="1300"/>
+              <a:buFont typeface="Nunito"/>
+              <a:buChar char="-"/>
+            </a:pPr>
+            <a:r>
+              <a:rPr lang="en" sz="1300">
+                <a:solidFill>
+                  <a:srgbClr val="424242"/>
+                </a:solidFill>
+                <a:latin typeface="Nunito"/>
+                <a:ea typeface="Nunito"/>
+                <a:cs typeface="Nunito"/>
+                <a:sym typeface="Nunito"/>
+              </a:rPr>
+              <a:t>Ultimately this approach,</a:t>
+            </a:r>
+            <a:endParaRPr sz="1300">
+              <a:solidFill>
+                <a:srgbClr val="424242"/>
+              </a:solidFill>
+              <a:latin typeface="Nunito"/>
+              <a:ea typeface="Nunito"/>
+              <a:cs typeface="Nunito"/>
+              <a:sym typeface="Nunito"/>
+            </a:endParaRPr>
+          </a:p>
+          <a:p>
+            <a:pPr indent="-311150" lvl="1" marL="914400" rtl="0" algn="l">
+              <a:lnSpc>
+                <a:spcPct val="115000"/>
+              </a:lnSpc>
+              <a:spcBef>
+                <a:spcPts val="0"/>
+              </a:spcBef>
+              <a:spcAft>
+                <a:spcPts val="0"/>
+              </a:spcAft>
+              <a:buClr>
+                <a:srgbClr val="424242"/>
+              </a:buClr>
+              <a:buSzPts val="1300"/>
+              <a:buFont typeface="Nunito"/>
+              <a:buChar char="-"/>
+            </a:pPr>
+            <a:r>
+              <a:rPr lang="en">
+                <a:solidFill>
+                  <a:srgbClr val="424242"/>
+                </a:solidFill>
+                <a:latin typeface="Nunito"/>
+                <a:ea typeface="Nunito"/>
+                <a:cs typeface="Nunito"/>
+                <a:sym typeface="Nunito"/>
+              </a:rPr>
+              <a:t>Captures nuance details at a scene level</a:t>
+            </a:r>
+            <a:endParaRPr>
+              <a:solidFill>
+                <a:srgbClr val="424242"/>
+              </a:solidFill>
+              <a:latin typeface="Nunito"/>
+              <a:ea typeface="Nunito"/>
+              <a:cs typeface="Nunito"/>
+              <a:sym typeface="Nunito"/>
+            </a:endParaRPr>
+          </a:p>
+          <a:p>
             <a:pPr indent="-298450" lvl="1" marL="914400" rtl="0" algn="l">
               <a:lnSpc>
                 <a:spcPct val="115000"/>
@@ -912,7 +1224,46 @@
                 <a:cs typeface="Nunito"/>
                 <a:sym typeface="Nunito"/>
               </a:rPr>
-              <a:t>Notably, our approaches require no additional data points outside of the script, a departure from previous research (Agarwal 2014)</a:t>
+              <a:t>Overcomes long document size of screenplays</a:t>
+            </a:r>
+            <a:endParaRPr>
+              <a:solidFill>
+                <a:srgbClr val="424242"/>
+              </a:solidFill>
+              <a:latin typeface="Nunito"/>
+              <a:ea typeface="Nunito"/>
+              <a:cs typeface="Nunito"/>
+              <a:sym typeface="Nunito"/>
+            </a:endParaRPr>
+          </a:p>
+          <a:p>
+            <a:pPr indent="0" lvl="0" marL="0" rtl="0" algn="l">
+              <a:spcBef>
+                <a:spcPts val="1200"/>
+              </a:spcBef>
+              <a:spcAft>
+                <a:spcPts val="0"/>
+              </a:spcAft>
+              <a:buNone/>
+            </a:pPr>
+            <a:r>
+              <a:t/>
+            </a:r>
+            <a:endParaRPr/>
+          </a:p>
+          <a:p>
+            <a:pPr indent="0" lvl="0" marL="0" rtl="0" algn="l">
+              <a:spcBef>
+                <a:spcPts val="0"/>
+              </a:spcBef>
+              <a:spcAft>
+                <a:spcPts val="0"/>
+              </a:spcAft>
+              <a:buNone/>
+            </a:pPr>
+            <a:r>
+              <a:rPr lang="en"/>
+              <a:t>We use the weighted file due to resource constraints</a:t>
             </a:r>
             <a:endParaRPr/>
           </a:p>
@@ -931,7 +1282,7 @@
   <p:cSld>
     <p:spTree>
       <p:nvGrpSpPr>
-        <p:cNvPr id="341" name="Shape 341"/>
+        <p:cNvPr id="342" name="Shape 342"/>
         <p:cNvGrpSpPr/>
         <p:nvPr/>
       </p:nvGrpSpPr>
@@ -945,7 +1296,7 @@
       </p:grpSpPr>
       <p:sp>
         <p:nvSpPr>
-          <p:cNvPr id="342" name="Google Shape;342;g320df4f169b_0_4:notes"/>
+          <p:cNvPr id="343" name="Google Shape;343;g31f3f8f27d7_1_10:notes"/>
           <p:cNvSpPr/>
           <p:nvPr>
             <p:ph idx="2" type="sldImg"/>
@@ -980,7 +1331,319 @@
       </p:sp>
       <p:sp>
         <p:nvSpPr>
-          <p:cNvPr id="343" name="Google Shape;343;g320df4f169b_0_4:notes"/>
+          <p:cNvPr id="344" name="Google Shape;344;g31f3f8f27d7_1_10:notes"/>
+          <p:cNvSpPr txBox="1"/>
+          <p:nvPr>
+            <p:ph idx="1" type="body"/>
+          </p:nvPr>
+        </p:nvSpPr>
+        <p:spPr>
+          <a:xfrm>
+            <a:off x="685800" y="4343400"/>
+            <a:ext cx="5486400" cy="4114800"/>
+          </a:xfrm>
+          <a:prstGeom prst="rect">
+            <a:avLst/>
+          </a:prstGeom>
+        </p:spPr>
+        <p:txBody>
+          <a:bodyPr anchorCtr="0" anchor="t" bIns="91425" lIns="91425" spcFirstLastPara="1" rIns="91425" wrap="square" tIns="91425">
+            <a:noAutofit/>
+          </a:bodyPr>
+          <a:lstStyle/>
+          <a:p>
+            <a:pPr indent="0" lvl="0" marL="0" rtl="0" algn="l">
+              <a:spcBef>
+                <a:spcPts val="0"/>
+              </a:spcBef>
+              <a:spcAft>
+                <a:spcPts val="0"/>
+              </a:spcAft>
+              <a:buNone/>
+            </a:pPr>
+            <a:r>
+              <a:rPr lang="en">
+                <a:latin typeface="Nunito"/>
+                <a:ea typeface="Nunito"/>
+                <a:cs typeface="Nunito"/>
+                <a:sym typeface="Nunito"/>
+              </a:rPr>
+              <a:t>Here we have a table of show the results. For our baseline, we used the work of </a:t>
+            </a:r>
+            <a:r>
+              <a:rPr lang="en">
+                <a:solidFill>
+                  <a:schemeClr val="dk1"/>
+                </a:solidFill>
+                <a:latin typeface="Nunito"/>
+                <a:ea typeface="Nunito"/>
+                <a:cs typeface="Nunito"/>
+                <a:sym typeface="Nunito"/>
+              </a:rPr>
+              <a:t>Umairican and applied an LSTM to our dataset. We chose to use an F1 score as the primary metric due to an uneven dataset. Of the three BERT pretrained models, the bert base cased show the most improvement on F1. However, out of all the approaches we too, the coreference resolution model shows the greatest accuracy and F1. </a:t>
+            </a:r>
+            <a:endParaRPr>
+              <a:latin typeface="Nunito"/>
+              <a:ea typeface="Nunito"/>
+              <a:cs typeface="Nunito"/>
+              <a:sym typeface="Nunito"/>
+            </a:endParaRPr>
+          </a:p>
+        </p:txBody>
+      </p:sp>
+    </p:spTree>
+  </p:cSld>
+  <p:clrMapOvr>
+    <a:masterClrMapping/>
+  </p:clrMapOvr>
+</p:notes>
+</file>
+
+<file path=ppt/notesSlides/notesSlide12.xml><?xml version="1.0" encoding="utf-8"?>
+<p:notes xmlns:a="http://schemas.openxmlformats.org/drawingml/2006/main" xmlns:r="http://schemas.openxmlformats.org/officeDocument/2006/relationships" xmlns:mc="http://schemas.openxmlformats.org/markup-compatibility/2006" xmlns:mv="urn:schemas-microsoft-com:mac:vml" xmlns:p="http://schemas.openxmlformats.org/presentationml/2006/main" xmlns:c="http://schemas.openxmlformats.org/drawingml/2006/chart" xmlns:dgm="http://schemas.openxmlformats.org/drawingml/2006/diagram" xmlns:o="urn:schemas-microsoft-com:office:office" xmlns:v="urn:schemas-microsoft-com:vml" xmlns:pvml="urn:schemas-microsoft-com:office:powerpoint" xmlns:com="http://schemas.openxmlformats.org/drawingml/2006/compatibility" xmlns:p14="http://schemas.microsoft.com/office/powerpoint/2010/main" xmlns:p15="http://schemas.microsoft.com/office/powerpoint/2012/main" xmlns:ahyp="http://schemas.microsoft.com/office/drawing/2018/hyperlinkcolor" showMasterPhAnim="0" showMasterSp="0">
+  <p:cSld>
+    <p:spTree>
+      <p:nvGrpSpPr>
+        <p:cNvPr id="348" name="Shape 348"/>
+        <p:cNvGrpSpPr/>
+        <p:nvPr/>
+      </p:nvGrpSpPr>
+      <p:grpSpPr>
+        <a:xfrm>
+          <a:off x="0" y="0"/>
+          <a:ext cx="0" cy="0"/>
+          <a:chOff x="0" y="0"/>
+          <a:chExt cx="0" cy="0"/>
+        </a:xfrm>
+      </p:grpSpPr>
+      <p:sp>
+        <p:nvSpPr>
+          <p:cNvPr id="349" name="Google Shape;349;g31f3f8f27d7_1_15:notes"/>
+          <p:cNvSpPr/>
+          <p:nvPr>
+            <p:ph idx="2" type="sldImg"/>
+          </p:nvPr>
+        </p:nvSpPr>
+        <p:spPr>
+          <a:xfrm>
+            <a:off x="381300" y="685800"/>
+            <a:ext cx="6096000" cy="3429000"/>
+          </a:xfrm>
+          <a:custGeom>
+            <a:rect b="b" l="l" r="r" t="t"/>
+            <a:pathLst>
+              <a:path extrusionOk="0" h="120000" w="120000">
+                <a:moveTo>
+                  <a:pt x="0" y="0"/>
+                </a:moveTo>
+                <a:lnTo>
+                  <a:pt x="120000" y="0"/>
+                </a:lnTo>
+                <a:lnTo>
+                  <a:pt x="120000" y="120000"/>
+                </a:lnTo>
+                <a:lnTo>
+                  <a:pt x="0" y="120000"/>
+                </a:lnTo>
+                <a:close/>
+              </a:path>
+            </a:pathLst>
+          </a:custGeom>
+        </p:spPr>
+      </p:sp>
+      <p:sp>
+        <p:nvSpPr>
+          <p:cNvPr id="350" name="Google Shape;350;g31f3f8f27d7_1_15:notes"/>
+          <p:cNvSpPr txBox="1"/>
+          <p:nvPr>
+            <p:ph idx="1" type="body"/>
+          </p:nvPr>
+        </p:nvSpPr>
+        <p:spPr>
+          <a:xfrm>
+            <a:off x="685800" y="4343400"/>
+            <a:ext cx="5486400" cy="4114800"/>
+          </a:xfrm>
+          <a:prstGeom prst="rect">
+            <a:avLst/>
+          </a:prstGeom>
+        </p:spPr>
+        <p:txBody>
+          <a:bodyPr anchorCtr="0" anchor="t" bIns="91425" lIns="91425" spcFirstLastPara="1" rIns="91425" wrap="square" tIns="91425">
+            <a:noAutofit/>
+          </a:bodyPr>
+          <a:lstStyle/>
+          <a:p>
+            <a:pPr indent="-298450" lvl="1" marL="914400" rtl="0" algn="l">
+              <a:lnSpc>
+                <a:spcPct val="115000"/>
+              </a:lnSpc>
+              <a:spcBef>
+                <a:spcPts val="0"/>
+              </a:spcBef>
+              <a:spcAft>
+                <a:spcPts val="0"/>
+              </a:spcAft>
+              <a:buClr>
+                <a:srgbClr val="424242"/>
+              </a:buClr>
+              <a:buSzPts val="1100"/>
+              <a:buFont typeface="Nunito"/>
+              <a:buChar char="-"/>
+            </a:pPr>
+            <a:r>
+              <a:rPr lang="en">
+                <a:solidFill>
+                  <a:srgbClr val="424242"/>
+                </a:solidFill>
+                <a:latin typeface="Nunito"/>
+                <a:ea typeface="Nunito"/>
+                <a:cs typeface="Nunito"/>
+                <a:sym typeface="Nunito"/>
+              </a:rPr>
+              <a:t>Notably, our approaches require no additional data points outside of the script, a departure from previous research (Agarwal 2014)</a:t>
+            </a:r>
+            <a:endParaRPr>
+              <a:solidFill>
+                <a:srgbClr val="424242"/>
+              </a:solidFill>
+              <a:latin typeface="Nunito"/>
+              <a:ea typeface="Nunito"/>
+              <a:cs typeface="Nunito"/>
+              <a:sym typeface="Nunito"/>
+            </a:endParaRPr>
+          </a:p>
+          <a:p>
+            <a:pPr indent="0" lvl="0" marL="0" rtl="0" algn="l">
+              <a:lnSpc>
+                <a:spcPct val="115000"/>
+              </a:lnSpc>
+              <a:spcBef>
+                <a:spcPts val="1200"/>
+              </a:spcBef>
+              <a:spcAft>
+                <a:spcPts val="0"/>
+              </a:spcAft>
+              <a:buNone/>
+            </a:pPr>
+            <a:r>
+              <a:t/>
+            </a:r>
+            <a:endParaRPr>
+              <a:solidFill>
+                <a:srgbClr val="424242"/>
+              </a:solidFill>
+              <a:latin typeface="Nunito"/>
+              <a:ea typeface="Nunito"/>
+              <a:cs typeface="Nunito"/>
+              <a:sym typeface="Nunito"/>
+            </a:endParaRPr>
+          </a:p>
+          <a:p>
+            <a:pPr indent="-311150" lvl="0" marL="457200" rtl="0" algn="l">
+              <a:lnSpc>
+                <a:spcPct val="115000"/>
+              </a:lnSpc>
+              <a:spcBef>
+                <a:spcPts val="1200"/>
+              </a:spcBef>
+              <a:spcAft>
+                <a:spcPts val="0"/>
+              </a:spcAft>
+              <a:buClr>
+                <a:srgbClr val="424242"/>
+              </a:buClr>
+              <a:buSzPts val="1300"/>
+              <a:buFont typeface="Nunito"/>
+              <a:buChar char="-"/>
+            </a:pPr>
+            <a:r>
+              <a:rPr lang="en" sz="1300">
+                <a:solidFill>
+                  <a:srgbClr val="424242"/>
+                </a:solidFill>
+                <a:latin typeface="Nunito"/>
+                <a:ea typeface="Nunito"/>
+                <a:cs typeface="Nunito"/>
+                <a:sym typeface="Nunito"/>
+              </a:rPr>
+              <a:t>Rethink Dataset Design, More Data, More Resources!</a:t>
+            </a:r>
+            <a:endParaRPr>
+              <a:solidFill>
+                <a:srgbClr val="424242"/>
+              </a:solidFill>
+              <a:latin typeface="Nunito"/>
+              <a:ea typeface="Nunito"/>
+              <a:cs typeface="Nunito"/>
+              <a:sym typeface="Nunito"/>
+            </a:endParaRPr>
+          </a:p>
+        </p:txBody>
+      </p:sp>
+    </p:spTree>
+  </p:cSld>
+  <p:clrMapOvr>
+    <a:masterClrMapping/>
+  </p:clrMapOvr>
+</p:notes>
+</file>
+
+<file path=ppt/notesSlides/notesSlide13.xml><?xml version="1.0" encoding="utf-8"?>
+<p:notes xmlns:a="http://schemas.openxmlformats.org/drawingml/2006/main" xmlns:r="http://schemas.openxmlformats.org/officeDocument/2006/relationships" xmlns:mc="http://schemas.openxmlformats.org/markup-compatibility/2006" xmlns:mv="urn:schemas-microsoft-com:mac:vml" xmlns:p="http://schemas.openxmlformats.org/presentationml/2006/main" xmlns:c="http://schemas.openxmlformats.org/drawingml/2006/chart" xmlns:dgm="http://schemas.openxmlformats.org/drawingml/2006/diagram" xmlns:o="urn:schemas-microsoft-com:office:office" xmlns:v="urn:schemas-microsoft-com:vml" xmlns:pvml="urn:schemas-microsoft-com:office:powerpoint" xmlns:com="http://schemas.openxmlformats.org/drawingml/2006/compatibility" xmlns:p14="http://schemas.microsoft.com/office/powerpoint/2010/main" xmlns:p15="http://schemas.microsoft.com/office/powerpoint/2012/main" xmlns:ahyp="http://schemas.microsoft.com/office/drawing/2018/hyperlinkcolor" showMasterPhAnim="0" showMasterSp="0">
+  <p:cSld>
+    <p:spTree>
+      <p:nvGrpSpPr>
+        <p:cNvPr id="354" name="Shape 354"/>
+        <p:cNvGrpSpPr/>
+        <p:nvPr/>
+      </p:nvGrpSpPr>
+      <p:grpSpPr>
+        <a:xfrm>
+          <a:off x="0" y="0"/>
+          <a:ext cx="0" cy="0"/>
+          <a:chOff x="0" y="0"/>
+          <a:chExt cx="0" cy="0"/>
+        </a:xfrm>
+      </p:grpSpPr>
+      <p:sp>
+        <p:nvSpPr>
+          <p:cNvPr id="355" name="Google Shape;355;g320df4f169b_0_4:notes"/>
+          <p:cNvSpPr/>
+          <p:nvPr>
+            <p:ph idx="2" type="sldImg"/>
+          </p:nvPr>
+        </p:nvSpPr>
+        <p:spPr>
+          <a:xfrm>
+            <a:off x="381300" y="685800"/>
+            <a:ext cx="6096000" cy="3429000"/>
+          </a:xfrm>
+          <a:custGeom>
+            <a:rect b="b" l="l" r="r" t="t"/>
+            <a:pathLst>
+              <a:path extrusionOk="0" h="120000" w="120000">
+                <a:moveTo>
+                  <a:pt x="0" y="0"/>
+                </a:moveTo>
+                <a:lnTo>
+                  <a:pt x="120000" y="0"/>
+                </a:lnTo>
+                <a:lnTo>
+                  <a:pt x="120000" y="120000"/>
+                </a:lnTo>
+                <a:lnTo>
+                  <a:pt x="0" y="120000"/>
+                </a:lnTo>
+                <a:close/>
+              </a:path>
+            </a:pathLst>
+          </a:custGeom>
+        </p:spPr>
+      </p:sp>
+      <p:sp>
+        <p:nvSpPr>
+          <p:cNvPr id="356" name="Google Shape;356;g320df4f169b_0_4:notes"/>
           <p:cNvSpPr txBox="1"/>
           <p:nvPr>
             <p:ph idx="1" type="body"/>
@@ -1335,18 +1998,287 @@
           </a:bodyPr>
           <a:lstStyle/>
           <a:p>
+            <a:pPr indent="-311150" lvl="0" marL="914400" rtl="0" algn="l">
+              <a:lnSpc>
+                <a:spcPct val="115000"/>
+              </a:lnSpc>
+              <a:spcBef>
+                <a:spcPts val="0"/>
+              </a:spcBef>
+              <a:spcAft>
+                <a:spcPts val="0"/>
+              </a:spcAft>
+              <a:buClr>
+                <a:srgbClr val="424242"/>
+              </a:buClr>
+              <a:buSzPts val="1300"/>
+              <a:buFont typeface="Nunito"/>
+              <a:buAutoNum type="arabicPeriod"/>
+            </a:pPr>
+            <a:r>
+              <a:rPr lang="en" sz="1300">
+                <a:solidFill>
+                  <a:srgbClr val="424242"/>
+                </a:solidFill>
+                <a:latin typeface="Nunito"/>
+                <a:ea typeface="Nunito"/>
+                <a:cs typeface="Nunito"/>
+                <a:sym typeface="Nunito"/>
+              </a:rPr>
+              <a:t>Easy to Understand</a:t>
+            </a:r>
+            <a:endParaRPr sz="1300">
+              <a:solidFill>
+                <a:srgbClr val="424242"/>
+              </a:solidFill>
+              <a:latin typeface="Nunito"/>
+              <a:ea typeface="Nunito"/>
+              <a:cs typeface="Nunito"/>
+              <a:sym typeface="Nunito"/>
+            </a:endParaRPr>
+          </a:p>
+          <a:p>
+            <a:pPr indent="-311150" lvl="0" marL="914400" rtl="0" algn="l">
+              <a:lnSpc>
+                <a:spcPct val="115000"/>
+              </a:lnSpc>
+              <a:spcBef>
+                <a:spcPts val="0"/>
+              </a:spcBef>
+              <a:spcAft>
+                <a:spcPts val="0"/>
+              </a:spcAft>
+              <a:buClr>
+                <a:srgbClr val="424242"/>
+              </a:buClr>
+              <a:buSzPts val="1300"/>
+              <a:buFont typeface="Nunito"/>
+              <a:buAutoNum type="arabicPeriod"/>
+            </a:pPr>
+            <a:r>
+              <a:rPr lang="en" sz="1300">
+                <a:solidFill>
+                  <a:srgbClr val="424242"/>
+                </a:solidFill>
+                <a:latin typeface="Nunito"/>
+                <a:ea typeface="Nunito"/>
+                <a:cs typeface="Nunito"/>
+                <a:sym typeface="Nunito"/>
+              </a:rPr>
+              <a:t>Data shows that movies pass the bechdel test around that level, where research has also shown that Reverse Bechdel Test passes 95% (Appel, Gnambs (2023)) -&gt; big gap in men and women’s representation in film.</a:t>
+            </a:r>
+            <a:endParaRPr sz="1300">
+              <a:solidFill>
+                <a:srgbClr val="424242"/>
+              </a:solidFill>
+              <a:latin typeface="Nunito"/>
+              <a:ea typeface="Nunito"/>
+              <a:cs typeface="Nunito"/>
+              <a:sym typeface="Nunito"/>
+            </a:endParaRPr>
+          </a:p>
+          <a:p>
+            <a:pPr indent="-311150" lvl="0" marL="914400" rtl="0" algn="l">
+              <a:lnSpc>
+                <a:spcPct val="115000"/>
+              </a:lnSpc>
+              <a:spcBef>
+                <a:spcPts val="0"/>
+              </a:spcBef>
+              <a:spcAft>
+                <a:spcPts val="0"/>
+              </a:spcAft>
+              <a:buClr>
+                <a:srgbClr val="424242"/>
+              </a:buClr>
+              <a:buSzPts val="1300"/>
+              <a:buFont typeface="Nunito"/>
+              <a:buAutoNum type="arabicPeriod"/>
+            </a:pPr>
+            <a:r>
+              <a:rPr lang="en" sz="1300">
+                <a:solidFill>
+                  <a:srgbClr val="424242"/>
+                </a:solidFill>
+                <a:latin typeface="Nunito"/>
+                <a:ea typeface="Nunito"/>
+                <a:cs typeface="Nunito"/>
+                <a:sym typeface="Nunito"/>
+              </a:rPr>
+              <a:t>ROI + Box Office Performance Improvement - Hickey (2014) and Appel, Gnambs (2023) -&gt; Tool for advocacy, and can be used to help films understand the importance of gender equity to the public, reflected financially.</a:t>
+            </a:r>
+            <a:endParaRPr sz="1300">
+              <a:solidFill>
+                <a:srgbClr val="424242"/>
+              </a:solidFill>
+              <a:latin typeface="Nunito"/>
+              <a:ea typeface="Nunito"/>
+              <a:cs typeface="Nunito"/>
+              <a:sym typeface="Nunito"/>
+            </a:endParaRPr>
+          </a:p>
+          <a:p>
             <a:pPr indent="0" lvl="0" marL="0" rtl="0" algn="l">
-              <a:spcBef>
-                <a:spcPts val="0"/>
-              </a:spcBef>
-              <a:spcAft>
-                <a:spcPts val="0"/>
-              </a:spcAft>
-              <a:buNone/>
+              <a:lnSpc>
+                <a:spcPct val="115000"/>
+              </a:lnSpc>
+              <a:spcBef>
+                <a:spcPts val="1200"/>
+              </a:spcBef>
+              <a:spcAft>
+                <a:spcPts val="0"/>
+              </a:spcAft>
+              <a:buNone/>
+            </a:pPr>
+            <a:r>
+              <a:t/>
+            </a:r>
+            <a:endParaRPr sz="1300">
+              <a:solidFill>
+                <a:srgbClr val="424242"/>
+              </a:solidFill>
+              <a:latin typeface="Nunito"/>
+              <a:ea typeface="Nunito"/>
+              <a:cs typeface="Nunito"/>
+              <a:sym typeface="Nunito"/>
+            </a:endParaRPr>
+          </a:p>
+          <a:p>
+            <a:pPr indent="-311150" lvl="0" marL="914400" rtl="0" algn="l">
+              <a:lnSpc>
+                <a:spcPct val="115000"/>
+              </a:lnSpc>
+              <a:spcBef>
+                <a:spcPts val="1200"/>
+              </a:spcBef>
+              <a:spcAft>
+                <a:spcPts val="0"/>
+              </a:spcAft>
+              <a:buClr>
+                <a:srgbClr val="424242"/>
+              </a:buClr>
+              <a:buSzPts val="1300"/>
+              <a:buFont typeface="Nunito"/>
+              <a:buAutoNum type="arabicPeriod"/>
+            </a:pPr>
+            <a:r>
+              <a:rPr lang="en" sz="1300">
+                <a:solidFill>
+                  <a:srgbClr val="424242"/>
+                </a:solidFill>
+                <a:latin typeface="Nunito"/>
+                <a:ea typeface="Nunito"/>
+                <a:cs typeface="Nunito"/>
+                <a:sym typeface="Nunito"/>
+              </a:rPr>
+              <a:t>The test has so much potential, and can be better implemented (and improved) by automation through modern NLP techniques.</a:t>
+            </a:r>
+            <a:endParaRPr sz="1300">
+              <a:solidFill>
+                <a:srgbClr val="424242"/>
+              </a:solidFill>
+              <a:latin typeface="Nunito"/>
+              <a:ea typeface="Nunito"/>
+              <a:cs typeface="Nunito"/>
+              <a:sym typeface="Nunito"/>
+            </a:endParaRPr>
+          </a:p>
+          <a:p>
+            <a:pPr indent="0" lvl="0" marL="0" rtl="0" algn="l">
+              <a:lnSpc>
+                <a:spcPct val="115000"/>
+              </a:lnSpc>
+              <a:spcBef>
+                <a:spcPts val="1200"/>
+              </a:spcBef>
+              <a:spcAft>
+                <a:spcPts val="0"/>
+              </a:spcAft>
+              <a:buNone/>
+            </a:pPr>
+            <a:r>
+              <a:rPr lang="en" sz="1300">
+                <a:solidFill>
+                  <a:srgbClr val="424242"/>
+                </a:solidFill>
+                <a:latin typeface="Nunito"/>
+                <a:ea typeface="Nunito"/>
+                <a:cs typeface="Nunito"/>
+                <a:sym typeface="Nunito"/>
+              </a:rPr>
+              <a:t>Disclaimers</a:t>
+            </a:r>
+            <a:endParaRPr sz="1300">
+              <a:solidFill>
+                <a:srgbClr val="424242"/>
+              </a:solidFill>
+              <a:latin typeface="Nunito"/>
+              <a:ea typeface="Nunito"/>
+              <a:cs typeface="Nunito"/>
+              <a:sym typeface="Nunito"/>
+            </a:endParaRPr>
+          </a:p>
+          <a:p>
+            <a:pPr indent="-311150" lvl="0" marL="457200" rtl="0" algn="l">
+              <a:lnSpc>
+                <a:spcPct val="115000"/>
+              </a:lnSpc>
+              <a:spcBef>
+                <a:spcPts val="1200"/>
+              </a:spcBef>
+              <a:spcAft>
+                <a:spcPts val="0"/>
+              </a:spcAft>
+              <a:buClr>
+                <a:srgbClr val="424242"/>
+              </a:buClr>
+              <a:buSzPts val="1300"/>
+              <a:buFont typeface="Nunito"/>
+              <a:buAutoNum type="arabicPeriod"/>
+            </a:pPr>
+            <a:r>
+              <a:rPr lang="en" sz="1300">
+                <a:solidFill>
+                  <a:srgbClr val="424242"/>
+                </a:solidFill>
+                <a:latin typeface="Nunito"/>
+                <a:ea typeface="Nunito"/>
+                <a:cs typeface="Nunito"/>
+                <a:sym typeface="Nunito"/>
+              </a:rPr>
+              <a:t>This test categories gender into a binary, which is not representative of non-binary and other gender diverse individuals</a:t>
+            </a:r>
+            <a:endParaRPr sz="1300">
+              <a:solidFill>
+                <a:srgbClr val="424242"/>
+              </a:solidFill>
+              <a:latin typeface="Nunito"/>
+              <a:ea typeface="Nunito"/>
+              <a:cs typeface="Nunito"/>
+              <a:sym typeface="Nunito"/>
+            </a:endParaRPr>
+          </a:p>
+          <a:p>
+            <a:pPr indent="-311150" lvl="0" marL="457200" rtl="0" algn="l">
+              <a:lnSpc>
+                <a:spcPct val="115000"/>
+              </a:lnSpc>
+              <a:spcBef>
+                <a:spcPts val="0"/>
+              </a:spcBef>
+              <a:spcAft>
+                <a:spcPts val="0"/>
+              </a:spcAft>
+              <a:buClr>
+                <a:srgbClr val="424242"/>
+              </a:buClr>
+              <a:buSzPts val="1300"/>
+              <a:buFont typeface="Nunito"/>
+              <a:buAutoNum type="arabicPeriod"/>
             </a:pPr>
             <a:r>
               <a:rPr lang="en"/>
-              <a:t>Add visual</a:t>
+              <a:t>If it doesn’t pass the Bechdel Test, it doesn’t mean that a woman did not have a strong role in the film and if does, it doesn’t mean that the film is completely representative of gender equity.</a:t>
             </a:r>
             <a:endParaRPr/>
           </a:p>
@@ -1829,7 +2761,7 @@
   <p:cSld>
     <p:spTree>
       <p:nvGrpSpPr>
-        <p:cNvPr id="322" name="Shape 322"/>
+        <p:cNvPr id="321" name="Shape 321"/>
         <p:cNvGrpSpPr/>
         <p:nvPr/>
       </p:nvGrpSpPr>
@@ -1843,7 +2775,7 @@
       </p:grpSpPr>
       <p:sp>
         <p:nvSpPr>
-          <p:cNvPr id="323" name="Google Shape;323;g31f3f8f27d7_1_5:notes"/>
+          <p:cNvPr id="322" name="Google Shape;322;g31f3f8f27d7_1_5:notes"/>
           <p:cNvSpPr/>
           <p:nvPr>
             <p:ph idx="2" type="sldImg"/>
@@ -1878,7 +2810,7 @@
       </p:sp>
       <p:sp>
         <p:nvSpPr>
-          <p:cNvPr id="324" name="Google Shape;324;g31f3f8f27d7_1_5:notes"/>
+          <p:cNvPr id="323" name="Google Shape;323;g31f3f8f27d7_1_5:notes"/>
           <p:cNvSpPr txBox="1"/>
           <p:nvPr>
             <p:ph idx="1" type="body"/>
@@ -1899,18 +2831,508 @@
           </a:bodyPr>
           <a:lstStyle/>
           <a:p>
-            <a:pPr indent="0" lvl="0" marL="0" rtl="0" algn="l">
-              <a:spcBef>
-                <a:spcPts val="0"/>
-              </a:spcBef>
-              <a:spcAft>
-                <a:spcPts val="0"/>
-              </a:spcAft>
-              <a:buNone/>
+            <a:pPr indent="-311150" lvl="0" marL="457200" rtl="0" algn="l">
+              <a:lnSpc>
+                <a:spcPct val="115000"/>
+              </a:lnSpc>
+              <a:spcBef>
+                <a:spcPts val="0"/>
+              </a:spcBef>
+              <a:spcAft>
+                <a:spcPts val="0"/>
+              </a:spcAft>
+              <a:buClr>
+                <a:srgbClr val="424242"/>
+              </a:buClr>
+              <a:buSzPts val="1300"/>
+              <a:buFont typeface="Nunito"/>
+              <a:buChar char="-"/>
             </a:pPr>
             <a:r>
-              <a:rPr lang="en"/>
-              <a:t>Reduce! Contextualize with coreference example from Baruah paper </a:t>
+              <a:rPr lang="en" sz="1300">
+                <a:solidFill>
+                  <a:srgbClr val="424242"/>
+                </a:solidFill>
+                <a:latin typeface="Nunito"/>
+                <a:ea typeface="Nunito"/>
+                <a:cs typeface="Nunito"/>
+                <a:sym typeface="Nunito"/>
+              </a:rPr>
+              <a:t>Baruah et al (2023) - Coreference Resolution for Screenplay Format</a:t>
+            </a:r>
+            <a:endParaRPr sz="1300">
+              <a:solidFill>
+                <a:srgbClr val="424242"/>
+              </a:solidFill>
+              <a:latin typeface="Nunito"/>
+              <a:ea typeface="Nunito"/>
+              <a:cs typeface="Nunito"/>
+              <a:sym typeface="Nunito"/>
+            </a:endParaRPr>
+          </a:p>
+          <a:p>
+            <a:pPr indent="-298450" lvl="1" marL="914400" rtl="0" algn="l">
+              <a:lnSpc>
+                <a:spcPct val="115000"/>
+              </a:lnSpc>
+              <a:spcBef>
+                <a:spcPts val="0"/>
+              </a:spcBef>
+              <a:spcAft>
+                <a:spcPts val="0"/>
+              </a:spcAft>
+              <a:buClr>
+                <a:srgbClr val="424242"/>
+              </a:buClr>
+              <a:buSzPts val="1100"/>
+              <a:buFont typeface="Nunito"/>
+              <a:buChar char="-"/>
+            </a:pPr>
+            <a:r>
+              <a:rPr lang="en">
+                <a:solidFill>
+                  <a:srgbClr val="424242"/>
+                </a:solidFill>
+                <a:latin typeface="Nunito"/>
+                <a:ea typeface="Nunito"/>
+                <a:cs typeface="Nunito"/>
+                <a:sym typeface="Nunito"/>
+              </a:rPr>
+              <a:t>Use Coreference Resolution pre-trained on Onto Notes and fine-tuned to 6 screenplays (48 GB A40 NVIDIA GPUs)</a:t>
+            </a:r>
+            <a:endParaRPr>
+              <a:solidFill>
+                <a:srgbClr val="424242"/>
+              </a:solidFill>
+              <a:latin typeface="Nunito"/>
+              <a:ea typeface="Nunito"/>
+              <a:cs typeface="Nunito"/>
+              <a:sym typeface="Nunito"/>
+            </a:endParaRPr>
+          </a:p>
+          <a:p>
+            <a:pPr indent="-298450" lvl="1" marL="914400" rtl="0" algn="l">
+              <a:lnSpc>
+                <a:spcPct val="115000"/>
+              </a:lnSpc>
+              <a:spcBef>
+                <a:spcPts val="0"/>
+              </a:spcBef>
+              <a:spcAft>
+                <a:spcPts val="0"/>
+              </a:spcAft>
+              <a:buClr>
+                <a:srgbClr val="424242"/>
+              </a:buClr>
+              <a:buSzPts val="1100"/>
+              <a:buFont typeface="Nunito"/>
+              <a:buChar char="-"/>
+            </a:pPr>
+            <a:r>
+              <a:rPr lang="en">
+                <a:solidFill>
+                  <a:srgbClr val="424242"/>
+                </a:solidFill>
+                <a:latin typeface="Nunito"/>
+                <a:ea typeface="Nunito"/>
+                <a:cs typeface="Nunito"/>
+                <a:sym typeface="Nunito"/>
+              </a:rPr>
+              <a:t>Fusion-based approach that overcomes long document sizes</a:t>
+            </a:r>
+            <a:endParaRPr>
+              <a:solidFill>
+                <a:srgbClr val="424242"/>
+              </a:solidFill>
+              <a:latin typeface="Nunito"/>
+              <a:ea typeface="Nunito"/>
+              <a:cs typeface="Nunito"/>
+              <a:sym typeface="Nunito"/>
+            </a:endParaRPr>
+          </a:p>
+          <a:p>
+            <a:pPr indent="-298450" lvl="2" marL="1371600" rtl="0" algn="l">
+              <a:lnSpc>
+                <a:spcPct val="115000"/>
+              </a:lnSpc>
+              <a:spcBef>
+                <a:spcPts val="0"/>
+              </a:spcBef>
+              <a:spcAft>
+                <a:spcPts val="0"/>
+              </a:spcAft>
+              <a:buClr>
+                <a:srgbClr val="424242"/>
+              </a:buClr>
+              <a:buSzPts val="1100"/>
+              <a:buFont typeface="Nunito"/>
+              <a:buChar char="-"/>
+            </a:pPr>
+            <a:r>
+              <a:rPr lang="en">
+                <a:solidFill>
+                  <a:srgbClr val="424242"/>
+                </a:solidFill>
+                <a:latin typeface="Nunito"/>
+                <a:ea typeface="Nunito"/>
+                <a:cs typeface="Nunito"/>
+                <a:sym typeface="Nunito"/>
+              </a:rPr>
+              <a:t>Divide screenplay into overlapping subdocuments. </a:t>
+            </a:r>
+            <a:endParaRPr>
+              <a:solidFill>
+                <a:srgbClr val="424242"/>
+              </a:solidFill>
+              <a:latin typeface="Nunito"/>
+              <a:ea typeface="Nunito"/>
+              <a:cs typeface="Nunito"/>
+              <a:sym typeface="Nunito"/>
+            </a:endParaRPr>
+          </a:p>
+          <a:p>
+            <a:pPr indent="-298450" lvl="2" marL="1371600" rtl="0" algn="l">
+              <a:lnSpc>
+                <a:spcPct val="115000"/>
+              </a:lnSpc>
+              <a:spcBef>
+                <a:spcPts val="0"/>
+              </a:spcBef>
+              <a:spcAft>
+                <a:spcPts val="0"/>
+              </a:spcAft>
+              <a:buClr>
+                <a:srgbClr val="424242"/>
+              </a:buClr>
+              <a:buSzPts val="1100"/>
+              <a:buFont typeface="Nunito"/>
+              <a:buChar char="-"/>
+            </a:pPr>
+            <a:r>
+              <a:rPr lang="en">
+                <a:solidFill>
+                  <a:srgbClr val="424242"/>
+                </a:solidFill>
+                <a:latin typeface="Nunito"/>
+                <a:ea typeface="Nunito"/>
+                <a:cs typeface="Nunito"/>
+                <a:sym typeface="Nunito"/>
+              </a:rPr>
+              <a:t>Reference pairs connected to the overlapping region between adjacent documents are linked to form final clusters for character entities of a screenplay.</a:t>
+            </a:r>
+            <a:endParaRPr>
+              <a:solidFill>
+                <a:srgbClr val="424242"/>
+              </a:solidFill>
+              <a:latin typeface="Nunito"/>
+              <a:ea typeface="Nunito"/>
+              <a:cs typeface="Nunito"/>
+              <a:sym typeface="Nunito"/>
+            </a:endParaRPr>
+          </a:p>
+          <a:p>
+            <a:pPr indent="-298450" lvl="2" marL="1371600" rtl="0" algn="l">
+              <a:lnSpc>
+                <a:spcPct val="115000"/>
+              </a:lnSpc>
+              <a:spcBef>
+                <a:spcPts val="0"/>
+              </a:spcBef>
+              <a:spcAft>
+                <a:spcPts val="0"/>
+              </a:spcAft>
+              <a:buClr>
+                <a:srgbClr val="424242"/>
+              </a:buClr>
+              <a:buSzPts val="1100"/>
+              <a:buFont typeface="Nunito"/>
+              <a:buChar char="-"/>
+            </a:pPr>
+            <a:r>
+              <a:rPr lang="en">
+                <a:solidFill>
+                  <a:srgbClr val="424242"/>
+                </a:solidFill>
+                <a:latin typeface="Nunito"/>
+                <a:ea typeface="Nunito"/>
+                <a:cs typeface="Nunito"/>
+                <a:sym typeface="Nunito"/>
+              </a:rPr>
+              <a:t>Advantage : Lightweight yet most performant</a:t>
+            </a:r>
+            <a:endParaRPr>
+              <a:solidFill>
+                <a:srgbClr val="424242"/>
+              </a:solidFill>
+              <a:latin typeface="Nunito"/>
+              <a:ea typeface="Nunito"/>
+              <a:cs typeface="Nunito"/>
+              <a:sym typeface="Nunito"/>
+            </a:endParaRPr>
+          </a:p>
+          <a:p>
+            <a:pPr indent="-298450" lvl="2" marL="1371600" rtl="0" algn="l">
+              <a:lnSpc>
+                <a:spcPct val="115000"/>
+              </a:lnSpc>
+              <a:spcBef>
+                <a:spcPts val="0"/>
+              </a:spcBef>
+              <a:spcAft>
+                <a:spcPts val="0"/>
+              </a:spcAft>
+              <a:buClr>
+                <a:srgbClr val="424242"/>
+              </a:buClr>
+              <a:buSzPts val="1100"/>
+              <a:buFont typeface="Nunito"/>
+              <a:buChar char="-"/>
+            </a:pPr>
+            <a:r>
+              <a:rPr lang="en">
+                <a:solidFill>
+                  <a:srgbClr val="424242"/>
+                </a:solidFill>
+                <a:latin typeface="Nunito"/>
+                <a:ea typeface="Nunito"/>
+                <a:cs typeface="Nunito"/>
+                <a:sym typeface="Nunito"/>
+              </a:rPr>
+              <a:t>Disadvantage: Can result in broken cluster for the same entity.</a:t>
+            </a:r>
+            <a:endParaRPr>
+              <a:solidFill>
+                <a:srgbClr val="424242"/>
+              </a:solidFill>
+              <a:latin typeface="Nunito"/>
+              <a:ea typeface="Nunito"/>
+              <a:cs typeface="Nunito"/>
+              <a:sym typeface="Nunito"/>
+            </a:endParaRPr>
+          </a:p>
+          <a:p>
+            <a:pPr indent="-298450" lvl="1" marL="914400" rtl="0" algn="l">
+              <a:lnSpc>
+                <a:spcPct val="115000"/>
+              </a:lnSpc>
+              <a:spcBef>
+                <a:spcPts val="0"/>
+              </a:spcBef>
+              <a:spcAft>
+                <a:spcPts val="0"/>
+              </a:spcAft>
+              <a:buClr>
+                <a:srgbClr val="424242"/>
+              </a:buClr>
+              <a:buSzPts val="1100"/>
+              <a:buFont typeface="Nunito"/>
+              <a:buChar char="-"/>
+            </a:pPr>
+            <a:r>
+              <a:rPr lang="en">
+                <a:solidFill>
+                  <a:srgbClr val="424242"/>
+                </a:solidFill>
+                <a:latin typeface="Nunito"/>
+                <a:ea typeface="Nunito"/>
+                <a:cs typeface="Nunito"/>
+                <a:sym typeface="Nunito"/>
+              </a:rPr>
+              <a:t>Encode using RoBERTa Model and combined with POS, named entities, and screenplay structural tags embeddings, then fed into bi-directional RNN and FFNN  to give word representations character scores.</a:t>
+            </a:r>
+            <a:endParaRPr>
+              <a:solidFill>
+                <a:srgbClr val="424242"/>
+              </a:solidFill>
+              <a:latin typeface="Nunito"/>
+              <a:ea typeface="Nunito"/>
+              <a:cs typeface="Nunito"/>
+              <a:sym typeface="Nunito"/>
+            </a:endParaRPr>
+          </a:p>
+          <a:p>
+            <a:pPr indent="-298450" lvl="1" marL="914400" rtl="0" algn="l">
+              <a:lnSpc>
+                <a:spcPct val="115000"/>
+              </a:lnSpc>
+              <a:spcBef>
+                <a:spcPts val="0"/>
+              </a:spcBef>
+              <a:spcAft>
+                <a:spcPts val="0"/>
+              </a:spcAft>
+              <a:buClr>
+                <a:srgbClr val="424242"/>
+              </a:buClr>
+              <a:buSzPts val="1100"/>
+              <a:buFont typeface="Nunito"/>
+              <a:buChar char="-"/>
+            </a:pPr>
+            <a:r>
+              <a:rPr lang="en">
+                <a:solidFill>
+                  <a:srgbClr val="424242"/>
+                </a:solidFill>
+                <a:latin typeface="Nunito"/>
+                <a:ea typeface="Nunito"/>
+                <a:cs typeface="Nunito"/>
+                <a:sym typeface="Nunito"/>
+              </a:rPr>
+              <a:t>Antecedent with max pairing scores are calculated for each character reference in a subdocument and connected throughout screenplay.</a:t>
+            </a:r>
+            <a:br>
+              <a:rPr lang="en">
+                <a:solidFill>
+                  <a:srgbClr val="424242"/>
+                </a:solidFill>
+                <a:latin typeface="Nunito"/>
+                <a:ea typeface="Nunito"/>
+                <a:cs typeface="Nunito"/>
+                <a:sym typeface="Nunito"/>
+              </a:rPr>
+            </a:br>
+            <a:endParaRPr>
+              <a:solidFill>
+                <a:srgbClr val="424242"/>
+              </a:solidFill>
+              <a:latin typeface="Nunito"/>
+              <a:ea typeface="Nunito"/>
+              <a:cs typeface="Nunito"/>
+              <a:sym typeface="Nunito"/>
+            </a:endParaRPr>
+          </a:p>
+          <a:p>
+            <a:pPr indent="-311150" lvl="0" marL="457200" rtl="0" algn="l">
+              <a:lnSpc>
+                <a:spcPct val="115000"/>
+              </a:lnSpc>
+              <a:spcBef>
+                <a:spcPts val="0"/>
+              </a:spcBef>
+              <a:spcAft>
+                <a:spcPts val="0"/>
+              </a:spcAft>
+              <a:buClr>
+                <a:srgbClr val="424242"/>
+              </a:buClr>
+              <a:buSzPts val="1300"/>
+              <a:buFont typeface="Nunito"/>
+              <a:buChar char="-"/>
+            </a:pPr>
+            <a:r>
+              <a:rPr lang="en" sz="1300">
+                <a:solidFill>
+                  <a:srgbClr val="424242"/>
+                </a:solidFill>
+                <a:latin typeface="Nunito"/>
+                <a:ea typeface="Nunito"/>
+                <a:cs typeface="Nunito"/>
+                <a:sym typeface="Nunito"/>
+              </a:rPr>
+              <a:t>Combined with set of heuristics to determine conversation spans and the Bechdel Test passing criteria 2 and 3.</a:t>
+            </a:r>
+            <a:endParaRPr sz="1300">
+              <a:solidFill>
+                <a:srgbClr val="424242"/>
+              </a:solidFill>
+              <a:latin typeface="Nunito"/>
+              <a:ea typeface="Nunito"/>
+              <a:cs typeface="Nunito"/>
+              <a:sym typeface="Nunito"/>
+            </a:endParaRPr>
+          </a:p>
+          <a:p>
+            <a:pPr indent="-298450" lvl="1" marL="914400" rtl="0" algn="l">
+              <a:lnSpc>
+                <a:spcPct val="115000"/>
+              </a:lnSpc>
+              <a:spcBef>
+                <a:spcPts val="0"/>
+              </a:spcBef>
+              <a:spcAft>
+                <a:spcPts val="0"/>
+              </a:spcAft>
+              <a:buClr>
+                <a:srgbClr val="424242"/>
+              </a:buClr>
+              <a:buSzPts val="1100"/>
+              <a:buFont typeface="Nunito"/>
+              <a:buChar char="-"/>
+            </a:pPr>
+            <a:r>
+              <a:rPr lang="en">
+                <a:solidFill>
+                  <a:srgbClr val="424242"/>
+                </a:solidFill>
+                <a:latin typeface="Nunito"/>
+                <a:ea typeface="Nunito"/>
+                <a:cs typeface="Nunito"/>
+                <a:sym typeface="Nunito"/>
+              </a:rPr>
+              <a:t>Captures nuance details at a scene level</a:t>
+            </a:r>
+            <a:endParaRPr>
+              <a:solidFill>
+                <a:srgbClr val="424242"/>
+              </a:solidFill>
+              <a:latin typeface="Nunito"/>
+              <a:ea typeface="Nunito"/>
+              <a:cs typeface="Nunito"/>
+              <a:sym typeface="Nunito"/>
+            </a:endParaRPr>
+          </a:p>
+          <a:p>
+            <a:pPr indent="-298450" lvl="1" marL="914400" rtl="0" algn="l">
+              <a:lnSpc>
+                <a:spcPct val="115000"/>
+              </a:lnSpc>
+              <a:spcBef>
+                <a:spcPts val="0"/>
+              </a:spcBef>
+              <a:spcAft>
+                <a:spcPts val="0"/>
+              </a:spcAft>
+              <a:buClr>
+                <a:srgbClr val="424242"/>
+              </a:buClr>
+              <a:buSzPts val="1100"/>
+              <a:buFont typeface="Nunito"/>
+              <a:buChar char="-"/>
+            </a:pPr>
+            <a:r>
+              <a:rPr lang="en">
+                <a:solidFill>
+                  <a:srgbClr val="424242"/>
+                </a:solidFill>
+                <a:latin typeface="Nunito"/>
+                <a:ea typeface="Nunito"/>
+                <a:cs typeface="Nunito"/>
+                <a:sym typeface="Nunito"/>
+              </a:rPr>
+              <a:t>Approach overcomes long document size of screenplays</a:t>
+            </a:r>
+            <a:endParaRPr>
+              <a:solidFill>
+                <a:srgbClr val="424242"/>
+              </a:solidFill>
+              <a:latin typeface="Nunito"/>
+              <a:ea typeface="Nunito"/>
+              <a:cs typeface="Nunito"/>
+              <a:sym typeface="Nunito"/>
+            </a:endParaRPr>
+          </a:p>
+          <a:p>
+            <a:pPr indent="0" lvl="0" marL="0" rtl="0" algn="l">
+              <a:spcBef>
+                <a:spcPts val="1200"/>
+              </a:spcBef>
+              <a:spcAft>
+                <a:spcPts val="0"/>
+              </a:spcAft>
+              <a:buNone/>
+            </a:pPr>
+            <a:r>
+              <a:t/>
             </a:r>
             <a:endParaRPr/>
           </a:p>
@@ -1929,7 +3351,7 @@
   <p:cSld>
     <p:spTree>
       <p:nvGrpSpPr>
-        <p:cNvPr id="329" name="Shape 329"/>
+        <p:cNvPr id="327" name="Shape 327"/>
         <p:cNvGrpSpPr/>
         <p:nvPr/>
       </p:nvGrpSpPr>
@@ -1943,7 +3365,7 @@
       </p:grpSpPr>
       <p:sp>
         <p:nvSpPr>
-          <p:cNvPr id="330" name="Google Shape;330;g31f3f8f27d7_1_10:notes"/>
+          <p:cNvPr id="328" name="Google Shape;328;g31d5c889b26_0_5:notes"/>
           <p:cNvSpPr/>
           <p:nvPr>
             <p:ph idx="2" type="sldImg"/>
@@ -1978,7 +3400,7 @@
       </p:sp>
       <p:sp>
         <p:nvSpPr>
-          <p:cNvPr id="331" name="Google Shape;331;g31f3f8f27d7_1_10:notes"/>
+          <p:cNvPr id="329" name="Google Shape;329;g31d5c889b26_0_5:notes"/>
           <p:cNvSpPr txBox="1"/>
           <p:nvPr>
             <p:ph idx="1" type="body"/>
@@ -2009,27 +3431,224 @@
               <a:buNone/>
             </a:pPr>
             <a:r>
-              <a:rPr lang="en">
-                <a:latin typeface="Nunito"/>
-                <a:ea typeface="Nunito"/>
-                <a:cs typeface="Nunito"/>
-                <a:sym typeface="Nunito"/>
-              </a:rPr>
-              <a:t>Here we have a table of show the results. For our baseline, we used the work of </a:t>
-            </a:r>
-            <a:r>
-              <a:rPr lang="en">
+              <a:rPr lang="en" sz="1300">
                 <a:solidFill>
-                  <a:schemeClr val="dk1"/>
+                  <a:srgbClr val="424242"/>
                 </a:solidFill>
                 <a:latin typeface="Nunito"/>
                 <a:ea typeface="Nunito"/>
                 <a:cs typeface="Nunito"/>
                 <a:sym typeface="Nunito"/>
               </a:rPr>
-              <a:t>Umairican and applied an LSTM to our dataset. We chose to use an F1 score as the primary metric due to an uneven dataset. Of the three BERT pretrained models, the bert base cased show the most improvement on F1. However, out of all the approaches we too, the coreference resolution model shows the greatest accuracy and F1. </a:t>
+              <a:t>We combine coreference resolution and a set of rules or heuristics to answer the Bechdel Test.</a:t>
             </a:r>
-            <a:endParaRPr>
+            <a:endParaRPr sz="1300">
+              <a:solidFill>
+                <a:srgbClr val="424242"/>
+              </a:solidFill>
+              <a:latin typeface="Nunito"/>
+              <a:ea typeface="Nunito"/>
+              <a:cs typeface="Nunito"/>
+              <a:sym typeface="Nunito"/>
+            </a:endParaRPr>
+          </a:p>
+          <a:p>
+            <a:pPr indent="-311150" lvl="0" marL="457200" rtl="0" algn="l">
+              <a:spcBef>
+                <a:spcPts val="0"/>
+              </a:spcBef>
+              <a:spcAft>
+                <a:spcPts val="0"/>
+              </a:spcAft>
+              <a:buClr>
+                <a:srgbClr val="424242"/>
+              </a:buClr>
+              <a:buSzPts val="1300"/>
+              <a:buFont typeface="Nunito"/>
+              <a:buChar char="-"/>
+            </a:pPr>
+            <a:r>
+              <a:rPr lang="en" sz="1300">
+                <a:solidFill>
+                  <a:srgbClr val="424242"/>
+                </a:solidFill>
+                <a:latin typeface="Nunito"/>
+                <a:ea typeface="Nunito"/>
+                <a:cs typeface="Nunito"/>
+                <a:sym typeface="Nunito"/>
+              </a:rPr>
+              <a:t>We use the model to find references of a character and their pronouns.</a:t>
+            </a:r>
+            <a:endParaRPr sz="1300">
+              <a:solidFill>
+                <a:srgbClr val="424242"/>
+              </a:solidFill>
+              <a:latin typeface="Nunito"/>
+              <a:ea typeface="Nunito"/>
+              <a:cs typeface="Nunito"/>
+              <a:sym typeface="Nunito"/>
+            </a:endParaRPr>
+          </a:p>
+          <a:p>
+            <a:pPr indent="-311150" lvl="0" marL="457200" rtl="0" algn="l">
+              <a:spcBef>
+                <a:spcPts val="0"/>
+              </a:spcBef>
+              <a:spcAft>
+                <a:spcPts val="0"/>
+              </a:spcAft>
+              <a:buClr>
+                <a:srgbClr val="424242"/>
+              </a:buClr>
+              <a:buSzPts val="1300"/>
+              <a:buFont typeface="Nunito"/>
+              <a:buChar char="-"/>
+            </a:pPr>
+            <a:r>
+              <a:rPr lang="en" sz="1300">
+                <a:solidFill>
+                  <a:srgbClr val="424242"/>
+                </a:solidFill>
+                <a:latin typeface="Nunito"/>
+                <a:ea typeface="Nunito"/>
+                <a:cs typeface="Nunito"/>
+                <a:sym typeface="Nunito"/>
+              </a:rPr>
+              <a:t>This helps us identify 1, are there two named women in the film</a:t>
+            </a:r>
+            <a:endParaRPr sz="1300">
+              <a:solidFill>
+                <a:srgbClr val="424242"/>
+              </a:solidFill>
+              <a:latin typeface="Nunito"/>
+              <a:ea typeface="Nunito"/>
+              <a:cs typeface="Nunito"/>
+              <a:sym typeface="Nunito"/>
+            </a:endParaRPr>
+          </a:p>
+          <a:p>
+            <a:pPr indent="-311150" lvl="0" marL="457200" rtl="0" algn="l">
+              <a:spcBef>
+                <a:spcPts val="0"/>
+              </a:spcBef>
+              <a:spcAft>
+                <a:spcPts val="0"/>
+              </a:spcAft>
+              <a:buClr>
+                <a:srgbClr val="424242"/>
+              </a:buClr>
+              <a:buSzPts val="1300"/>
+              <a:buFont typeface="Nunito"/>
+              <a:buChar char="-"/>
+            </a:pPr>
+            <a:r>
+              <a:rPr lang="en" sz="1300">
+                <a:solidFill>
+                  <a:srgbClr val="424242"/>
+                </a:solidFill>
+                <a:latin typeface="Nunito"/>
+                <a:ea typeface="Nunito"/>
+                <a:cs typeface="Nunito"/>
+                <a:sym typeface="Nunito"/>
+              </a:rPr>
+              <a:t>And 2, do two women have shared dialogue between just them.</a:t>
+            </a:r>
+            <a:endParaRPr sz="1300">
+              <a:solidFill>
+                <a:srgbClr val="424242"/>
+              </a:solidFill>
+              <a:latin typeface="Nunito"/>
+              <a:ea typeface="Nunito"/>
+              <a:cs typeface="Nunito"/>
+              <a:sym typeface="Nunito"/>
+            </a:endParaRPr>
+          </a:p>
+          <a:p>
+            <a:pPr indent="-311150" lvl="0" marL="457200" rtl="0" algn="l">
+              <a:spcBef>
+                <a:spcPts val="0"/>
+              </a:spcBef>
+              <a:spcAft>
+                <a:spcPts val="0"/>
+              </a:spcAft>
+              <a:buClr>
+                <a:srgbClr val="424242"/>
+              </a:buClr>
+              <a:buSzPts val="1300"/>
+              <a:buFont typeface="Nunito"/>
+              <a:buChar char="-"/>
+            </a:pPr>
+            <a:r>
+              <a:rPr lang="en" sz="1300">
+                <a:solidFill>
+                  <a:srgbClr val="424242"/>
+                </a:solidFill>
+                <a:latin typeface="Nunito"/>
+                <a:ea typeface="Nunito"/>
+                <a:cs typeface="Nunito"/>
+                <a:sym typeface="Nunito"/>
+              </a:rPr>
+              <a:t>For Criteria 3, in that dialogue can we find a reference to a man identified through the model.</a:t>
+            </a:r>
+            <a:endParaRPr sz="1300">
+              <a:solidFill>
+                <a:srgbClr val="424242"/>
+              </a:solidFill>
+              <a:latin typeface="Nunito"/>
+              <a:ea typeface="Nunito"/>
+              <a:cs typeface="Nunito"/>
+              <a:sym typeface="Nunito"/>
+            </a:endParaRPr>
+          </a:p>
+          <a:p>
+            <a:pPr indent="0" lvl="0" marL="0" rtl="0" algn="l">
+              <a:spcBef>
+                <a:spcPts val="0"/>
+              </a:spcBef>
+              <a:spcAft>
+                <a:spcPts val="0"/>
+              </a:spcAft>
+              <a:buNone/>
+            </a:pPr>
+            <a:r>
+              <a:t/>
+            </a:r>
+            <a:endParaRPr sz="1300">
+              <a:solidFill>
+                <a:srgbClr val="424242"/>
+              </a:solidFill>
+              <a:latin typeface="Nunito"/>
+              <a:ea typeface="Nunito"/>
+              <a:cs typeface="Nunito"/>
+              <a:sym typeface="Nunito"/>
+            </a:endParaRPr>
+          </a:p>
+          <a:p>
+            <a:pPr indent="0" lvl="0" marL="0" rtl="0" algn="l">
+              <a:spcBef>
+                <a:spcPts val="0"/>
+              </a:spcBef>
+              <a:spcAft>
+                <a:spcPts val="0"/>
+              </a:spcAft>
+              <a:buNone/>
+            </a:pPr>
+            <a:r>
+              <a:rPr lang="en" sz="1300">
+                <a:solidFill>
+                  <a:srgbClr val="424242"/>
+                </a:solidFill>
+                <a:latin typeface="Nunito"/>
+                <a:ea typeface="Nunito"/>
+                <a:cs typeface="Nunito"/>
+                <a:sym typeface="Nunito"/>
+              </a:rPr>
+              <a:t>Next slide please</a:t>
+            </a:r>
+            <a:endParaRPr sz="1300">
+              <a:solidFill>
+                <a:srgbClr val="424242"/>
+              </a:solidFill>
               <a:latin typeface="Nunito"/>
               <a:ea typeface="Nunito"/>
               <a:cs typeface="Nunito"/>
@@ -16534,7 +18153,7 @@
   <p:cSld>
     <p:spTree>
       <p:nvGrpSpPr>
-        <p:cNvPr id="338" name="Shape 338"/>
+        <p:cNvPr id="337" name="Shape 337"/>
         <p:cNvGrpSpPr/>
         <p:nvPr/>
       </p:nvGrpSpPr>
@@ -16548,7 +18167,7 @@
       </p:grpSpPr>
       <p:sp>
         <p:nvSpPr>
-          <p:cNvPr id="339" name="Google Shape;339;p22"/>
+          <p:cNvPr id="338" name="Google Shape;338;p22"/>
           <p:cNvSpPr txBox="1"/>
           <p:nvPr>
             <p:ph type="title"/>
@@ -16580,15 +18199,104 @@
             </a:pPr>
             <a:r>
               <a:rPr lang="en"/>
-              <a:t>Future Work &amp; Recap</a:t>
+              <a:t>Coreference Resolution Model</a:t>
             </a:r>
             <a:endParaRPr/>
           </a:p>
         </p:txBody>
       </p:sp>
+      <p:pic>
+        <p:nvPicPr>
+          <p:cNvPr id="339" name="Google Shape;339;p22"/>
+          <p:cNvPicPr preferRelativeResize="0"/>
+          <p:nvPr/>
+        </p:nvPicPr>
+        <p:blipFill>
+          <a:blip r:embed="rId3">
+            <a:alphaModFix/>
+          </a:blip>
+          <a:stretch>
+            <a:fillRect/>
+          </a:stretch>
+        </p:blipFill>
+        <p:spPr>
+          <a:xfrm>
+            <a:off x="5459050" y="1359588"/>
+            <a:ext cx="2875243" cy="3240824"/>
+          </a:xfrm>
+          <a:prstGeom prst="rect">
+            <a:avLst/>
+          </a:prstGeom>
+          <a:noFill/>
+          <a:ln>
+            <a:noFill/>
+          </a:ln>
+        </p:spPr>
+      </p:pic>
       <p:sp>
         <p:nvSpPr>
           <p:cNvPr id="340" name="Google Shape;340;p22"/>
+          <p:cNvSpPr txBox="1"/>
+          <p:nvPr/>
+        </p:nvSpPr>
+        <p:spPr>
+          <a:xfrm>
+            <a:off x="588900" y="1359600"/>
+            <a:ext cx="5075700" cy="543000"/>
+          </a:xfrm>
+          <a:prstGeom prst="rect">
+            <a:avLst/>
+          </a:prstGeom>
+          <a:noFill/>
+          <a:ln>
+            <a:noFill/>
+          </a:ln>
+        </p:spPr>
+        <p:txBody>
+          <a:bodyPr anchorCtr="0" anchor="t" bIns="91425" lIns="91425" spcFirstLastPara="1" rIns="91425" wrap="square" tIns="91425">
+            <a:noAutofit/>
+          </a:bodyPr>
+          <a:lstStyle/>
+          <a:p>
+            <a:pPr indent="0" lvl="0" marL="0" rtl="0" algn="l">
+              <a:lnSpc>
+                <a:spcPct val="115000"/>
+              </a:lnSpc>
+              <a:spcBef>
+                <a:spcPts val="0"/>
+              </a:spcBef>
+              <a:spcAft>
+                <a:spcPts val="1200"/>
+              </a:spcAft>
+              <a:buNone/>
+            </a:pPr>
+            <a:r>
+              <a:rPr b="1" lang="en" sz="1600">
+                <a:solidFill>
+                  <a:schemeClr val="dk2"/>
+                </a:solidFill>
+                <a:latin typeface="Nunito"/>
+                <a:ea typeface="Nunito"/>
+                <a:cs typeface="Nunito"/>
+                <a:sym typeface="Nunito"/>
+              </a:rPr>
+              <a:t>How does the coreference model work?</a:t>
+            </a:r>
+            <a:endParaRPr b="1" sz="1600">
+              <a:solidFill>
+                <a:schemeClr val="dk2"/>
+              </a:solidFill>
+              <a:latin typeface="Nunito"/>
+              <a:ea typeface="Nunito"/>
+              <a:cs typeface="Nunito"/>
+              <a:sym typeface="Nunito"/>
+            </a:endParaRPr>
+          </a:p>
+        </p:txBody>
+      </p:sp>
+      <p:sp>
+        <p:nvSpPr>
+          <p:cNvPr id="341" name="Google Shape;341;p22"/>
           <p:cNvSpPr txBox="1"/>
           <p:nvPr>
             <p:ph idx="1" type="body"/>
@@ -16596,8 +18304,8 @@
         </p:nvSpPr>
         <p:spPr>
           <a:xfrm>
-            <a:off x="1303800" y="1597875"/>
-            <a:ext cx="7030500" cy="2933700"/>
+            <a:off x="588900" y="1753325"/>
+            <a:ext cx="4581600" cy="3240900"/>
           </a:xfrm>
           <a:prstGeom prst="rect">
             <a:avLst/>
@@ -16605,11 +18313,37 @@
         </p:spPr>
         <p:txBody>
           <a:bodyPr anchorCtr="0" anchor="t" bIns="91425" lIns="91425" spcFirstLastPara="1" rIns="91425" wrap="square" tIns="91425">
-            <a:normAutofit fontScale="92500" lnSpcReduction="20000"/>
+            <a:normAutofit fontScale="85000" lnSpcReduction="10000"/>
           </a:bodyPr>
           <a:lstStyle/>
           <a:p>
-            <a:pPr indent="-304958" lvl="0" marL="457200" rtl="0" algn="l">
+            <a:pPr indent="-298767" lvl="0" marL="457200" rtl="0" algn="l">
+              <a:spcBef>
+                <a:spcPts val="0"/>
+              </a:spcBef>
+              <a:spcAft>
+                <a:spcPts val="0"/>
+              </a:spcAft>
+              <a:buSzPct val="100000"/>
+              <a:buChar char="-"/>
+            </a:pPr>
+            <a:r>
+              <a:rPr b="1" lang="en" u="sng">
+                <a:solidFill>
+                  <a:schemeClr val="hlink"/>
+                </a:solidFill>
+                <a:hlinkClick r:id="rId4"/>
+              </a:rPr>
+              <a:t>Baruah et al (2023)</a:t>
+            </a:r>
+            <a:r>
+              <a:rPr b="1" lang="en"/>
+              <a:t> - Coreference Resolution for Screenplay Format</a:t>
+            </a:r>
+            <a:endParaRPr b="1"/>
+          </a:p>
+          <a:p>
+            <a:pPr indent="-287972" lvl="1" marL="914400" rtl="0" algn="l">
               <a:spcBef>
                 <a:spcPts val="0"/>
               </a:spcBef>
@@ -16621,12 +18355,29 @@
             </a:pPr>
             <a:r>
               <a:rPr lang="en"/>
-              <a:t>2 Key Limitations: Limited labelling, Long document sizes</a:t>
+              <a:t>Use Coreference Resolution pre-trained on Onto Notes and fine-tuned to 6 screenplays (48 GB A40 NVIDIA GPUs)</a:t>
             </a:r>
             <a:endParaRPr/>
           </a:p>
           <a:p>
-            <a:pPr indent="-304958" lvl="0" marL="457200" rtl="0" algn="l">
+            <a:pPr indent="-287972" lvl="1" marL="914400" rtl="0" algn="l">
+              <a:spcBef>
+                <a:spcPts val="0"/>
+              </a:spcBef>
+              <a:spcAft>
+                <a:spcPts val="0"/>
+              </a:spcAft>
+              <a:buSzPct val="100000"/>
+              <a:buChar char="-"/>
+            </a:pPr>
+            <a:r>
+              <a:rPr b="1" lang="en"/>
+              <a:t>Fusion-based approach that overcomes long document sizes</a:t>
+            </a:r>
+            <a:endParaRPr b="1"/>
+          </a:p>
+          <a:p>
+            <a:pPr indent="-287972" lvl="2" marL="1371600" rtl="0" algn="l">
               <a:spcBef>
                 <a:spcPts val="0"/>
               </a:spcBef>
@@ -16638,12 +18389,12 @@
             </a:pPr>
             <a:r>
               <a:rPr lang="en"/>
-              <a:t>Rethink Dataset Design, More Data, More Resources!</a:t>
+              <a:t>Divide screenplay into overlapping subdocuments. </a:t>
             </a:r>
             <a:endParaRPr/>
           </a:p>
           <a:p>
-            <a:pPr indent="-304958" lvl="0" marL="457200" rtl="0" algn="l">
+            <a:pPr indent="-287972" lvl="2" marL="1371600" rtl="0" algn="l">
               <a:spcBef>
                 <a:spcPts val="0"/>
               </a:spcBef>
@@ -16655,12 +18406,54 @@
             </a:pPr>
             <a:r>
               <a:rPr lang="en"/>
-              <a:t>Future Ideas:</a:t>
+              <a:t>Reference pairs connected to the overlapping region between adjacent documents are linked to form final clusters for character entities of a screenplay.</a:t>
             </a:r>
             <a:endParaRPr/>
           </a:p>
           <a:p>
-            <a:pPr indent="-293211" lvl="1" marL="914400" rtl="0" algn="l">
+            <a:pPr indent="-287972" lvl="2" marL="1371600" rtl="0" algn="l">
+              <a:spcBef>
+                <a:spcPts val="0"/>
+              </a:spcBef>
+              <a:spcAft>
+                <a:spcPts val="0"/>
+              </a:spcAft>
+              <a:buSzPct val="100000"/>
+              <a:buChar char="-"/>
+            </a:pPr>
+            <a:r>
+              <a:rPr b="1" lang="en"/>
+              <a:t>Advantage : Lightweight yet most performant</a:t>
+            </a:r>
+            <a:endParaRPr b="1"/>
+          </a:p>
+          <a:p>
+            <a:pPr indent="-287972" lvl="2" marL="1371600" rtl="0" algn="l">
+              <a:spcBef>
+                <a:spcPts val="0"/>
+              </a:spcBef>
+              <a:spcAft>
+                <a:spcPts val="0"/>
+              </a:spcAft>
+              <a:buSzPct val="100000"/>
+              <a:buChar char="-"/>
+            </a:pPr>
+            <a:r>
+              <a:rPr b="1" lang="en"/>
+              <a:t>Disadvantage</a:t>
+            </a:r>
+            <a:r>
+              <a:rPr lang="en"/>
+              <a:t>: </a:t>
+            </a:r>
+            <a:r>
+              <a:rPr b="1" lang="en"/>
+              <a:t>Can result in broken clusters for the same entity.</a:t>
+            </a:r>
+            <a:endParaRPr b="1"/>
+          </a:p>
+          <a:p>
+            <a:pPr indent="-287972" lvl="1" marL="914400" rtl="0" algn="l">
               <a:spcBef>
                 <a:spcPts val="0"/>
               </a:spcBef>
@@ -16672,12 +18465,12 @@
             </a:pPr>
             <a:r>
               <a:rPr lang="en"/>
-              <a:t>Combine BERT + Coreference Resolution Models for improved performance</a:t>
+              <a:t>Encode using RoBERTa Model and combined with POS, named entities, and screenplay structural tags embeddings, then fed into bi-directional RNN and FFNN  to give word representations character scores.</a:t>
             </a:r>
             <a:endParaRPr/>
           </a:p>
           <a:p>
-            <a:pPr indent="-293211" lvl="1" marL="914400" rtl="0" algn="l">
+            <a:pPr indent="-287972" lvl="1" marL="914400" rtl="0" algn="l">
               <a:spcBef>
                 <a:spcPts val="0"/>
               </a:spcBef>
@@ -16689,127 +18482,11 @@
             </a:pPr>
             <a:r>
               <a:rPr lang="en"/>
-              <a:t>Misclassifications for coreference resolution due to our applied set of rules  mis-identifying conversation spans.</a:t>
+              <a:t>Antecedent with max pairing scores are calculated for each character reference in a subdocument and connected throughout screenplay.</a:t>
             </a:r>
-            <a:endParaRPr/>
-          </a:p>
-          <a:p>
-            <a:pPr indent="-293211" lvl="2" marL="1371600" rtl="0" algn="l">
-              <a:spcBef>
-                <a:spcPts val="0"/>
-              </a:spcBef>
-              <a:spcAft>
-                <a:spcPts val="0"/>
-              </a:spcAft>
-              <a:buSzPct val="100000"/>
-              <a:buChar char="-"/>
-            </a:pPr>
-            <a:r>
+            <a:br>
               <a:rPr lang="en"/>
-              <a:t>Improve approach to Conversation Span Detection</a:t>
-            </a:r>
-            <a:endParaRPr/>
-          </a:p>
-          <a:p>
-            <a:pPr indent="-293211" lvl="3" marL="1828800" rtl="0" algn="l">
-              <a:spcBef>
-                <a:spcPts val="0"/>
-              </a:spcBef>
-              <a:spcAft>
-                <a:spcPts val="0"/>
-              </a:spcAft>
-              <a:buSzPct val="100000"/>
-              <a:buChar char="-"/>
-            </a:pPr>
-            <a:r>
-              <a:rPr lang="en"/>
-              <a:t>QA classification with T5 models, directed graph network predictions, and fine-tuning transformer models on the Cornell Movie Corpus.</a:t>
-            </a:r>
-            <a:endParaRPr/>
-          </a:p>
-          <a:p>
-            <a:pPr indent="-304958" lvl="0" marL="457200" rtl="0" algn="l">
-              <a:spcBef>
-                <a:spcPts val="0"/>
-              </a:spcBef>
-              <a:spcAft>
-                <a:spcPts val="0"/>
-              </a:spcAft>
-              <a:buSzPct val="100000"/>
-              <a:buChar char="-"/>
-            </a:pPr>
-            <a:r>
-              <a:rPr lang="en"/>
-              <a:t>Recap</a:t>
-            </a:r>
-            <a:endParaRPr/>
-          </a:p>
-          <a:p>
-            <a:pPr indent="-293211" lvl="1" marL="914400" rtl="0" algn="l">
-              <a:spcBef>
-                <a:spcPts val="0"/>
-              </a:spcBef>
-              <a:spcAft>
-                <a:spcPts val="0"/>
-              </a:spcAft>
-              <a:buSzPct val="100000"/>
-              <a:buChar char="-"/>
-            </a:pPr>
-            <a:r>
-              <a:rPr lang="en"/>
-              <a:t>Automated process could contribute to broader analyses about the representation of women in movies</a:t>
-            </a:r>
-            <a:endParaRPr/>
-          </a:p>
-          <a:p>
-            <a:pPr indent="-293211" lvl="1" marL="914400" rtl="0" algn="l">
-              <a:spcBef>
-                <a:spcPts val="0"/>
-              </a:spcBef>
-              <a:spcAft>
-                <a:spcPts val="0"/>
-              </a:spcAft>
-              <a:buSzPct val="100000"/>
-              <a:buChar char="-"/>
-            </a:pPr>
-            <a:r>
-              <a:rPr lang="en"/>
-              <a:t>We applied two approaches to automating the Bechdel Test using modern NLP modeling and showed its efficacy. </a:t>
-            </a:r>
-            <a:endParaRPr/>
-          </a:p>
-          <a:p>
-            <a:pPr indent="-293211" lvl="1" marL="914400" rtl="0" algn="l">
-              <a:spcBef>
-                <a:spcPts val="0"/>
-              </a:spcBef>
-              <a:spcAft>
-                <a:spcPts val="0"/>
-              </a:spcAft>
-              <a:buSzPct val="100000"/>
-              <a:buChar char="-"/>
-            </a:pPr>
-            <a:r>
-              <a:rPr lang="en"/>
-              <a:t>Requires no additional data points outside of the script, a departure from previous research (Agarwal 2014)</a:t>
-            </a:r>
-            <a:endParaRPr/>
-          </a:p>
-          <a:p>
-            <a:pPr indent="-293211" lvl="1" marL="914400" rtl="0" algn="l">
-              <a:spcBef>
-                <a:spcPts val="0"/>
-              </a:spcBef>
-              <a:spcAft>
-                <a:spcPts val="0"/>
-              </a:spcAft>
-              <a:buSzPct val="100000"/>
-              <a:buChar char="-"/>
-            </a:pPr>
-            <a:r>
-              <a:rPr lang="en"/>
-              <a:t>This work can enhance the efficiency and accuracy of human scorers within the BechdelTest.com community</a:t>
-            </a:r>
+            </a:br>
             <a:endParaRPr/>
           </a:p>
         </p:txBody>
@@ -16827,7 +18504,7 @@
   <p:cSld>
     <p:spTree>
       <p:nvGrpSpPr>
-        <p:cNvPr id="344" name="Shape 344"/>
+        <p:cNvPr id="345" name="Shape 345"/>
         <p:cNvGrpSpPr/>
         <p:nvPr/>
       </p:nvGrpSpPr>
@@ -16841,72 +18518,7 @@
       </p:grpSpPr>
       <p:sp>
         <p:nvSpPr>
-          <p:cNvPr id="345" name="Google Shape;345;p23"/>
-          <p:cNvSpPr txBox="1"/>
-          <p:nvPr>
-            <p:ph type="title"/>
-          </p:nvPr>
-        </p:nvSpPr>
-        <p:spPr>
-          <a:xfrm>
-            <a:off x="1303800" y="598575"/>
-            <a:ext cx="7030500" cy="999300"/>
-          </a:xfrm>
-          <a:prstGeom prst="rect">
-            <a:avLst/>
-          </a:prstGeom>
-        </p:spPr>
-        <p:txBody>
-          <a:bodyPr anchorCtr="0" anchor="t" bIns="91425" lIns="91425" spcFirstLastPara="1" rIns="91425" wrap="square" tIns="91425">
-            <a:normAutofit/>
-          </a:bodyPr>
-          <a:lstStyle/>
-          <a:p>
-            <a:pPr indent="0" lvl="0" marL="0" rtl="0" algn="ctr">
-              <a:spcBef>
-                <a:spcPts val="0"/>
-              </a:spcBef>
-              <a:spcAft>
-                <a:spcPts val="0"/>
-              </a:spcAft>
-              <a:buNone/>
-            </a:pPr>
-            <a:r>
-              <a:rPr lang="en" sz="4300"/>
-              <a:t>Thank you!</a:t>
-            </a:r>
-            <a:endParaRPr sz="4300"/>
-          </a:p>
-        </p:txBody>
-      </p:sp>
-    </p:spTree>
-  </p:cSld>
-  <p:clrMapOvr>
-    <a:masterClrMapping/>
-  </p:clrMapOvr>
-</p:sld>
-</file>
-
-<file path=ppt/slides/slide2.xml><?xml version="1.0" encoding="utf-8"?>
-<p:sld xmlns:a="http://schemas.openxmlformats.org/drawingml/2006/main" xmlns:r="http://schemas.openxmlformats.org/officeDocument/2006/relationships" xmlns:mc="http://schemas.openxmlformats.org/markup-compatibility/2006" xmlns:mv="urn:schemas-microsoft-com:mac:vml" xmlns:p="http://schemas.openxmlformats.org/presentationml/2006/main" xmlns:c="http://schemas.openxmlformats.org/drawingml/2006/chart" xmlns:dgm="http://schemas.openxmlformats.org/drawingml/2006/diagram" xmlns:o="urn:schemas-microsoft-com:office:office" xmlns:v="urn:schemas-microsoft-com:vml" xmlns:pvml="urn:schemas-microsoft-com:office:powerpoint" xmlns:com="http://schemas.openxmlformats.org/drawingml/2006/compatibility" xmlns:p14="http://schemas.microsoft.com/office/powerpoint/2010/main" xmlns:p15="http://schemas.microsoft.com/office/powerpoint/2012/main" xmlns:ahyp="http://schemas.microsoft.com/office/drawing/2018/hyperlinkcolor">
-  <p:cSld>
-    <p:spTree>
-      <p:nvGrpSpPr>
-        <p:cNvPr id="282" name="Shape 282"/>
-        <p:cNvGrpSpPr/>
-        <p:nvPr/>
-      </p:nvGrpSpPr>
-      <p:grpSpPr>
-        <a:xfrm>
-          <a:off x="0" y="0"/>
-          <a:ext cx="0" cy="0"/>
-          <a:chOff x="0" y="0"/>
-          <a:chExt cx="0" cy="0"/>
-        </a:xfrm>
-      </p:grpSpPr>
-      <p:sp>
-        <p:nvSpPr>
-          <p:cNvPr id="283" name="Google Shape;283;p14"/>
+          <p:cNvPr id="346" name="Google Shape;346;p23"/>
           <p:cNvSpPr txBox="1"/>
           <p:nvPr>
             <p:ph type="title"/>
@@ -16937,2278 +18549,6 @@
               <a:buNone/>
             </a:pPr>
             <a:r>
-              <a:t/>
-            </a:r>
-            <a:endParaRPr/>
-          </a:p>
-        </p:txBody>
-      </p:sp>
-      <p:sp>
-        <p:nvSpPr>
-          <p:cNvPr id="284" name="Google Shape;284;p14"/>
-          <p:cNvSpPr txBox="1"/>
-          <p:nvPr>
-            <p:ph idx="1" type="body"/>
-          </p:nvPr>
-        </p:nvSpPr>
-        <p:spPr>
-          <a:xfrm>
-            <a:off x="1303800" y="1990050"/>
-            <a:ext cx="7030500" cy="2541600"/>
-          </a:xfrm>
-          <a:prstGeom prst="rect">
-            <a:avLst/>
-          </a:prstGeom>
-        </p:spPr>
-        <p:txBody>
-          <a:bodyPr anchorCtr="0" anchor="t" bIns="91425" lIns="91425" spcFirstLastPara="1" rIns="91425" wrap="square" tIns="91425">
-            <a:normAutofit fontScale="85000" lnSpcReduction="20000"/>
-          </a:bodyPr>
-          <a:lstStyle/>
-          <a:p>
-            <a:pPr indent="0" lvl="0" marL="0" rtl="0" algn="l">
-              <a:spcBef>
-                <a:spcPts val="0"/>
-              </a:spcBef>
-              <a:spcAft>
-                <a:spcPts val="0"/>
-              </a:spcAft>
-              <a:buNone/>
-            </a:pPr>
-            <a:r>
-              <a:rPr lang="en"/>
-              <a:t>Intro - Zach</a:t>
-            </a:r>
-            <a:endParaRPr/>
-          </a:p>
-          <a:p>
-            <a:pPr indent="0" lvl="0" marL="0" rtl="0" algn="l">
-              <a:spcBef>
-                <a:spcPts val="1200"/>
-              </a:spcBef>
-              <a:spcAft>
-                <a:spcPts val="0"/>
-              </a:spcAft>
-              <a:buNone/>
-            </a:pPr>
-            <a:r>
-              <a:rPr lang="en"/>
-              <a:t>Background - Alec</a:t>
-            </a:r>
-            <a:endParaRPr/>
-          </a:p>
-          <a:p>
-            <a:pPr indent="0" lvl="0" marL="0" rtl="0" algn="l">
-              <a:spcBef>
-                <a:spcPts val="1200"/>
-              </a:spcBef>
-              <a:spcAft>
-                <a:spcPts val="0"/>
-              </a:spcAft>
-              <a:buNone/>
-            </a:pPr>
-            <a:r>
-              <a:rPr lang="en"/>
-              <a:t>Data - Zach</a:t>
-            </a:r>
-            <a:endParaRPr/>
-          </a:p>
-          <a:p>
-            <a:pPr indent="0" lvl="0" marL="0" rtl="0" algn="l">
-              <a:spcBef>
-                <a:spcPts val="1200"/>
-              </a:spcBef>
-              <a:spcAft>
-                <a:spcPts val="0"/>
-              </a:spcAft>
-              <a:buNone/>
-            </a:pPr>
-            <a:r>
-              <a:rPr lang="en"/>
-              <a:t>motivation/model - Alec  - combining with background to save time - should we skip model intro?</a:t>
-            </a:r>
-            <a:endParaRPr/>
-          </a:p>
-          <a:p>
-            <a:pPr indent="0" lvl="0" marL="0" rtl="0" algn="l">
-              <a:spcBef>
-                <a:spcPts val="1200"/>
-              </a:spcBef>
-              <a:spcAft>
-                <a:spcPts val="0"/>
-              </a:spcAft>
-              <a:buNone/>
-            </a:pPr>
-            <a:r>
-              <a:rPr lang="en"/>
-              <a:t>Bert models - Zach</a:t>
-            </a:r>
-            <a:endParaRPr/>
-          </a:p>
-          <a:p>
-            <a:pPr indent="0" lvl="0" marL="0" rtl="0" algn="l">
-              <a:spcBef>
-                <a:spcPts val="1200"/>
-              </a:spcBef>
-              <a:spcAft>
-                <a:spcPts val="0"/>
-              </a:spcAft>
-              <a:buNone/>
-            </a:pPr>
-            <a:r>
-              <a:rPr lang="en"/>
-              <a:t>Coref - Alec</a:t>
-            </a:r>
-            <a:endParaRPr/>
-          </a:p>
-          <a:p>
-            <a:pPr indent="0" lvl="0" marL="0" rtl="0" algn="l">
-              <a:spcBef>
-                <a:spcPts val="1200"/>
-              </a:spcBef>
-              <a:spcAft>
-                <a:spcPts val="0"/>
-              </a:spcAft>
-              <a:buNone/>
-            </a:pPr>
-            <a:r>
-              <a:rPr lang="en"/>
-              <a:t>results/discussion - Zach</a:t>
-            </a:r>
-            <a:endParaRPr/>
-          </a:p>
-          <a:p>
-            <a:pPr indent="0" lvl="0" marL="0" rtl="0" algn="l">
-              <a:spcBef>
-                <a:spcPts val="1200"/>
-              </a:spcBef>
-              <a:spcAft>
-                <a:spcPts val="1200"/>
-              </a:spcAft>
-              <a:buNone/>
-            </a:pPr>
-            <a:r>
-              <a:rPr lang="en"/>
-              <a:t>Future work/recap - Alec</a:t>
-            </a:r>
-            <a:endParaRPr/>
-          </a:p>
-        </p:txBody>
-      </p:sp>
-    </p:spTree>
-  </p:cSld>
-  <p:clrMapOvr>
-    <a:masterClrMapping/>
-  </p:clrMapOvr>
-</p:sld>
-</file>
-
-<file path=ppt/slides/slide3.xml><?xml version="1.0" encoding="utf-8"?>
-<p:sld xmlns:a="http://schemas.openxmlformats.org/drawingml/2006/main" xmlns:r="http://schemas.openxmlformats.org/officeDocument/2006/relationships" xmlns:mc="http://schemas.openxmlformats.org/markup-compatibility/2006" xmlns:mv="urn:schemas-microsoft-com:mac:vml" xmlns:p="http://schemas.openxmlformats.org/presentationml/2006/main" xmlns:c="http://schemas.openxmlformats.org/drawingml/2006/chart" xmlns:dgm="http://schemas.openxmlformats.org/drawingml/2006/diagram" xmlns:o="urn:schemas-microsoft-com:office:office" xmlns:v="urn:schemas-microsoft-com:vml" xmlns:pvml="urn:schemas-microsoft-com:office:powerpoint" xmlns:com="http://schemas.openxmlformats.org/drawingml/2006/compatibility" xmlns:p14="http://schemas.microsoft.com/office/powerpoint/2010/main" xmlns:p15="http://schemas.microsoft.com/office/powerpoint/2012/main" xmlns:ahyp="http://schemas.microsoft.com/office/drawing/2018/hyperlinkcolor">
-  <p:cSld>
-    <p:spTree>
-      <p:nvGrpSpPr>
-        <p:cNvPr id="288" name="Shape 288"/>
-        <p:cNvGrpSpPr/>
-        <p:nvPr/>
-      </p:nvGrpSpPr>
-      <p:grpSpPr>
-        <a:xfrm>
-          <a:off x="0" y="0"/>
-          <a:ext cx="0" cy="0"/>
-          <a:chOff x="0" y="0"/>
-          <a:chExt cx="0" cy="0"/>
-        </a:xfrm>
-      </p:grpSpPr>
-      <p:sp>
-        <p:nvSpPr>
-          <p:cNvPr id="289" name="Google Shape;289;p15"/>
-          <p:cNvSpPr txBox="1"/>
-          <p:nvPr>
-            <p:ph type="title"/>
-          </p:nvPr>
-        </p:nvSpPr>
-        <p:spPr>
-          <a:xfrm>
-            <a:off x="1303800" y="598575"/>
-            <a:ext cx="3969000" cy="1202100"/>
-          </a:xfrm>
-          <a:prstGeom prst="rect">
-            <a:avLst/>
-          </a:prstGeom>
-        </p:spPr>
-        <p:txBody>
-          <a:bodyPr anchorCtr="0" anchor="t" bIns="91425" lIns="91425" spcFirstLastPara="1" rIns="91425" wrap="square" tIns="91425">
-            <a:normAutofit/>
-          </a:bodyPr>
-          <a:lstStyle/>
-          <a:p>
-            <a:pPr indent="0" lvl="0" marL="0" rtl="0" algn="l">
-              <a:spcBef>
-                <a:spcPts val="0"/>
-              </a:spcBef>
-              <a:spcAft>
-                <a:spcPts val="0"/>
-              </a:spcAft>
-              <a:buNone/>
-            </a:pPr>
-            <a:r>
-              <a:rPr lang="en" sz="3100"/>
-              <a:t>The Bechdel Test</a:t>
-            </a:r>
-            <a:endParaRPr sz="3100"/>
-          </a:p>
-          <a:p>
-            <a:pPr indent="0" lvl="0" marL="0" rtl="0" algn="l">
-              <a:spcBef>
-                <a:spcPts val="0"/>
-              </a:spcBef>
-              <a:spcAft>
-                <a:spcPts val="0"/>
-              </a:spcAft>
-              <a:buNone/>
-            </a:pPr>
-            <a:r>
-              <a:rPr lang="en" sz="800"/>
-              <a:t>-&gt;</a:t>
-            </a:r>
-            <a:r>
-              <a:rPr b="0" lang="en" sz="800">
-                <a:solidFill>
-                  <a:srgbClr val="000000"/>
-                </a:solidFill>
-                <a:latin typeface="Arial"/>
-                <a:ea typeface="Arial"/>
-                <a:cs typeface="Arial"/>
-                <a:sym typeface="Arial"/>
-              </a:rPr>
-              <a:t>Web comic, </a:t>
-            </a:r>
-            <a:r>
-              <a:rPr b="0" lang="en" sz="800" u="sng">
-                <a:solidFill>
-                  <a:srgbClr val="1155CC"/>
-                </a:solidFill>
-                <a:latin typeface="Arial"/>
-                <a:ea typeface="Arial"/>
-                <a:cs typeface="Arial"/>
-                <a:sym typeface="Arial"/>
-                <a:hlinkClick r:id="rId3">
-                  <a:extLst>
-                    <a:ext uri="{A12FA001-AC4F-418D-AE19-62706E023703}">
-                      <ahyp:hlinkClr val="tx"/>
-                    </a:ext>
-                  </a:extLst>
-                </a:hlinkClick>
-              </a:rPr>
-              <a:t>Dykes to Watch Out For</a:t>
-            </a:r>
-            <a:endParaRPr sz="800"/>
-          </a:p>
-        </p:txBody>
-      </p:sp>
-      <p:sp>
-        <p:nvSpPr>
-          <p:cNvPr id="290" name="Google Shape;290;p15"/>
-          <p:cNvSpPr txBox="1"/>
-          <p:nvPr>
-            <p:ph idx="1" type="body"/>
-          </p:nvPr>
-        </p:nvSpPr>
-        <p:spPr>
-          <a:xfrm>
-            <a:off x="1303800" y="1990050"/>
-            <a:ext cx="3268200" cy="2541600"/>
-          </a:xfrm>
-          <a:prstGeom prst="rect">
-            <a:avLst/>
-          </a:prstGeom>
-        </p:spPr>
-        <p:txBody>
-          <a:bodyPr anchorCtr="0" anchor="t" bIns="91425" lIns="91425" spcFirstLastPara="1" rIns="91425" wrap="square" tIns="91425">
-            <a:normAutofit/>
-          </a:bodyPr>
-          <a:lstStyle/>
-          <a:p>
-            <a:pPr indent="457200" lvl="0" marL="0" rtl="0" algn="l">
-              <a:spcBef>
-                <a:spcPts val="0"/>
-              </a:spcBef>
-              <a:spcAft>
-                <a:spcPts val="0"/>
-              </a:spcAft>
-              <a:buNone/>
-            </a:pPr>
-            <a:r>
-              <a:rPr b="1" lang="en"/>
-              <a:t>“</a:t>
-            </a:r>
-            <a:r>
-              <a:rPr b="1" lang="en"/>
-              <a:t>The Rule”</a:t>
-            </a:r>
-            <a:endParaRPr b="1"/>
-          </a:p>
-          <a:p>
-            <a:pPr indent="-311150" lvl="0" marL="457200" rtl="0" algn="l">
-              <a:spcBef>
-                <a:spcPts val="1200"/>
-              </a:spcBef>
-              <a:spcAft>
-                <a:spcPts val="0"/>
-              </a:spcAft>
-              <a:buSzPts val="1300"/>
-              <a:buChar char="-"/>
-            </a:pPr>
-            <a:r>
-              <a:rPr lang="en"/>
-              <a:t>Alison Bechdel</a:t>
-            </a:r>
-            <a:endParaRPr/>
-          </a:p>
-          <a:p>
-            <a:pPr indent="-311150" lvl="0" marL="457200" rtl="0" algn="l">
-              <a:spcBef>
-                <a:spcPts val="0"/>
-              </a:spcBef>
-              <a:spcAft>
-                <a:spcPts val="0"/>
-              </a:spcAft>
-              <a:buSzPts val="1300"/>
-              <a:buChar char="-"/>
-            </a:pPr>
-            <a:r>
-              <a:rPr lang="en"/>
-              <a:t>1985</a:t>
-            </a:r>
-            <a:endParaRPr/>
-          </a:p>
-          <a:p>
-            <a:pPr indent="-311150" lvl="0" marL="457200" rtl="0" algn="l">
-              <a:spcBef>
-                <a:spcPts val="0"/>
-              </a:spcBef>
-              <a:spcAft>
-                <a:spcPts val="0"/>
-              </a:spcAft>
-              <a:buSzPts val="1300"/>
-              <a:buChar char="-"/>
-            </a:pPr>
-            <a:r>
-              <a:rPr lang="en"/>
-              <a:t>3 criteria</a:t>
-            </a:r>
-            <a:endParaRPr/>
-          </a:p>
-          <a:p>
-            <a:pPr indent="-298450" lvl="1" marL="1085850" rtl="0" algn="l">
-              <a:spcBef>
-                <a:spcPts val="0"/>
-              </a:spcBef>
-              <a:spcAft>
-                <a:spcPts val="0"/>
-              </a:spcAft>
-              <a:buSzPts val="1100"/>
-              <a:buChar char="-"/>
-            </a:pPr>
-            <a:r>
-              <a:rPr lang="en"/>
-              <a:t>Must have two named female </a:t>
-            </a:r>
-            <a:r>
-              <a:rPr lang="en"/>
-              <a:t>characters</a:t>
-            </a:r>
-            <a:r>
-              <a:rPr lang="en"/>
-              <a:t>.</a:t>
-            </a:r>
-            <a:endParaRPr/>
-          </a:p>
-          <a:p>
-            <a:pPr indent="-298450" lvl="1" marL="1085850" rtl="0" algn="l">
-              <a:spcBef>
-                <a:spcPts val="0"/>
-              </a:spcBef>
-              <a:spcAft>
-                <a:spcPts val="0"/>
-              </a:spcAft>
-              <a:buSzPts val="1100"/>
-              <a:buChar char="-"/>
-            </a:pPr>
-            <a:r>
-              <a:rPr lang="en"/>
-              <a:t>The two characters have to talk to each other.</a:t>
-            </a:r>
-            <a:endParaRPr/>
-          </a:p>
-          <a:p>
-            <a:pPr indent="-298450" lvl="1" marL="1085850" rtl="0" algn="l">
-              <a:spcBef>
-                <a:spcPts val="0"/>
-              </a:spcBef>
-              <a:spcAft>
-                <a:spcPts val="0"/>
-              </a:spcAft>
-              <a:buSzPts val="1100"/>
-              <a:buChar char="-"/>
-            </a:pPr>
-            <a:r>
-              <a:rPr lang="en"/>
-              <a:t>And they must discuss something other than a man.</a:t>
-            </a:r>
-            <a:endParaRPr/>
-          </a:p>
-        </p:txBody>
-      </p:sp>
-      <p:pic>
-        <p:nvPicPr>
-          <p:cNvPr id="291" name="Google Shape;291;p15"/>
-          <p:cNvPicPr preferRelativeResize="0"/>
-          <p:nvPr/>
-        </p:nvPicPr>
-        <p:blipFill>
-          <a:blip r:embed="rId4">
-            <a:alphaModFix/>
-          </a:blip>
-          <a:stretch>
-            <a:fillRect/>
-          </a:stretch>
-        </p:blipFill>
-        <p:spPr>
-          <a:xfrm>
-            <a:off x="5272725" y="0"/>
-            <a:ext cx="3871284" cy="5143500"/>
-          </a:xfrm>
-          <a:prstGeom prst="rect">
-            <a:avLst/>
-          </a:prstGeom>
-          <a:noFill/>
-          <a:ln>
-            <a:noFill/>
-          </a:ln>
-        </p:spPr>
-      </p:pic>
-    </p:spTree>
-  </p:cSld>
-  <p:clrMapOvr>
-    <a:masterClrMapping/>
-  </p:clrMapOvr>
-</p:sld>
-</file>
-
-<file path=ppt/slides/slide4.xml><?xml version="1.0" encoding="utf-8"?>
-<p:sld xmlns:a="http://schemas.openxmlformats.org/drawingml/2006/main" xmlns:r="http://schemas.openxmlformats.org/officeDocument/2006/relationships" xmlns:mc="http://schemas.openxmlformats.org/markup-compatibility/2006" xmlns:mv="urn:schemas-microsoft-com:mac:vml" xmlns:p="http://schemas.openxmlformats.org/presentationml/2006/main" xmlns:c="http://schemas.openxmlformats.org/drawingml/2006/chart" xmlns:dgm="http://schemas.openxmlformats.org/drawingml/2006/diagram" xmlns:o="urn:schemas-microsoft-com:office:office" xmlns:v="urn:schemas-microsoft-com:vml" xmlns:pvml="urn:schemas-microsoft-com:office:powerpoint" xmlns:com="http://schemas.openxmlformats.org/drawingml/2006/compatibility" xmlns:p14="http://schemas.microsoft.com/office/powerpoint/2010/main" xmlns:p15="http://schemas.microsoft.com/office/powerpoint/2012/main" xmlns:ahyp="http://schemas.microsoft.com/office/drawing/2018/hyperlinkcolor">
-  <p:cSld>
-    <p:spTree>
-      <p:nvGrpSpPr>
-        <p:cNvPr id="295" name="Shape 295"/>
-        <p:cNvGrpSpPr/>
-        <p:nvPr/>
-      </p:nvGrpSpPr>
-      <p:grpSpPr>
-        <a:xfrm>
-          <a:off x="0" y="0"/>
-          <a:ext cx="0" cy="0"/>
-          <a:chOff x="0" y="0"/>
-          <a:chExt cx="0" cy="0"/>
-        </a:xfrm>
-      </p:grpSpPr>
-      <p:sp>
-        <p:nvSpPr>
-          <p:cNvPr id="296" name="Google Shape;296;p16"/>
-          <p:cNvSpPr txBox="1"/>
-          <p:nvPr>
-            <p:ph type="title"/>
-          </p:nvPr>
-        </p:nvSpPr>
-        <p:spPr>
-          <a:xfrm>
-            <a:off x="1303800" y="598575"/>
-            <a:ext cx="7030500" cy="999300"/>
-          </a:xfrm>
-          <a:prstGeom prst="rect">
-            <a:avLst/>
-          </a:prstGeom>
-        </p:spPr>
-        <p:txBody>
-          <a:bodyPr anchorCtr="0" anchor="t" bIns="91425" lIns="91425" spcFirstLastPara="1" rIns="91425" wrap="square" tIns="91425">
-            <a:normAutofit/>
-          </a:bodyPr>
-          <a:lstStyle/>
-          <a:p>
-            <a:pPr indent="0" lvl="0" marL="0" rtl="0" algn="l">
-              <a:spcBef>
-                <a:spcPts val="0"/>
-              </a:spcBef>
-              <a:spcAft>
-                <a:spcPts val="0"/>
-              </a:spcAft>
-              <a:buNone/>
-            </a:pPr>
-            <a:r>
-              <a:rPr lang="en"/>
-              <a:t>Background/Motivation</a:t>
-            </a:r>
-            <a:endParaRPr/>
-          </a:p>
-        </p:txBody>
-      </p:sp>
-      <p:sp>
-        <p:nvSpPr>
-          <p:cNvPr id="297" name="Google Shape;297;p16"/>
-          <p:cNvSpPr txBox="1"/>
-          <p:nvPr>
-            <p:ph idx="1" type="body"/>
-          </p:nvPr>
-        </p:nvSpPr>
-        <p:spPr>
-          <a:xfrm>
-            <a:off x="704700" y="1737800"/>
-            <a:ext cx="4056600" cy="2541600"/>
-          </a:xfrm>
-          <a:prstGeom prst="rect">
-            <a:avLst/>
-          </a:prstGeom>
-        </p:spPr>
-        <p:txBody>
-          <a:bodyPr anchorCtr="0" anchor="t" bIns="91425" lIns="91425" spcFirstLastPara="1" rIns="91425" wrap="square" tIns="91425">
-            <a:normAutofit/>
-          </a:bodyPr>
-          <a:lstStyle/>
-          <a:p>
-            <a:pPr indent="-311150" lvl="0" marL="457200" rtl="0" algn="l">
-              <a:spcBef>
-                <a:spcPts val="0"/>
-              </a:spcBef>
-              <a:spcAft>
-                <a:spcPts val="0"/>
-              </a:spcAft>
-              <a:buSzPts val="1300"/>
-              <a:buChar char="-"/>
-            </a:pPr>
-            <a:r>
-              <a:rPr lang="en"/>
-              <a:t>Why is the Bechdel Test important?</a:t>
-            </a:r>
-            <a:endParaRPr/>
-          </a:p>
-          <a:p>
-            <a:pPr indent="-311150" lvl="0" marL="914400" rtl="0" algn="l">
-              <a:spcBef>
-                <a:spcPts val="0"/>
-              </a:spcBef>
-              <a:spcAft>
-                <a:spcPts val="0"/>
-              </a:spcAft>
-              <a:buSzPts val="1300"/>
-              <a:buAutoNum type="arabicPeriod"/>
-            </a:pPr>
-            <a:r>
-              <a:rPr lang="en"/>
-              <a:t>Accessible and Easy to Understand</a:t>
-            </a:r>
-            <a:endParaRPr/>
-          </a:p>
-          <a:p>
-            <a:pPr indent="-311150" lvl="0" marL="914400" rtl="0" algn="l">
-              <a:spcBef>
-                <a:spcPts val="0"/>
-              </a:spcBef>
-              <a:spcAft>
-                <a:spcPts val="0"/>
-              </a:spcAft>
-              <a:buSzPts val="1300"/>
-              <a:buAutoNum type="arabicPeriod"/>
-            </a:pPr>
-            <a:r>
-              <a:rPr lang="en"/>
-              <a:t>Reverse Bechdel Test passes 95% (</a:t>
-            </a:r>
-            <a:r>
-              <a:rPr lang="en"/>
-              <a:t>Appel, Gnambs (2023))</a:t>
-            </a:r>
-            <a:endParaRPr/>
-          </a:p>
-          <a:p>
-            <a:pPr indent="-311150" lvl="0" marL="914400" rtl="0" algn="l">
-              <a:spcBef>
-                <a:spcPts val="0"/>
-              </a:spcBef>
-              <a:spcAft>
-                <a:spcPts val="0"/>
-              </a:spcAft>
-              <a:buSzPts val="1300"/>
-              <a:buAutoNum type="arabicPeriod"/>
-            </a:pPr>
-            <a:r>
-              <a:rPr lang="en"/>
-              <a:t>ROI + Box Office Performance Improvement - Hickey (2014) and Appel, Gnambs (2023)</a:t>
-            </a:r>
-            <a:endParaRPr/>
-          </a:p>
-          <a:p>
-            <a:pPr indent="-311150" lvl="0" marL="457200" rtl="0" algn="l">
-              <a:spcBef>
-                <a:spcPts val="0"/>
-              </a:spcBef>
-              <a:spcAft>
-                <a:spcPts val="0"/>
-              </a:spcAft>
-              <a:buSzPts val="1300"/>
-              <a:buChar char="-"/>
-            </a:pPr>
-            <a:r>
-              <a:rPr lang="en"/>
-              <a:t>Automation can improve the efficiency and accuracy for humans scoring the criteria</a:t>
-            </a:r>
-            <a:endParaRPr/>
-          </a:p>
-          <a:p>
-            <a:pPr indent="-311150" lvl="0" marL="457200" rtl="0" algn="l">
-              <a:spcBef>
-                <a:spcPts val="0"/>
-              </a:spcBef>
-              <a:spcAft>
-                <a:spcPts val="0"/>
-              </a:spcAft>
-              <a:buSzPts val="1300"/>
-              <a:buChar char="-"/>
-            </a:pPr>
-            <a:r>
-              <a:rPr lang="en"/>
-              <a:t>Disclaimer!</a:t>
-            </a:r>
-            <a:endParaRPr/>
-          </a:p>
-        </p:txBody>
-      </p:sp>
-      <p:pic>
-        <p:nvPicPr>
-          <p:cNvPr id="298" name="Google Shape;298;p16"/>
-          <p:cNvPicPr preferRelativeResize="0"/>
-          <p:nvPr/>
-        </p:nvPicPr>
-        <p:blipFill>
-          <a:blip r:embed="rId3">
-            <a:alphaModFix/>
-          </a:blip>
-          <a:stretch>
-            <a:fillRect/>
-          </a:stretch>
-        </p:blipFill>
-        <p:spPr>
-          <a:xfrm>
-            <a:off x="4913700" y="1436650"/>
-            <a:ext cx="3862701" cy="3143900"/>
-          </a:xfrm>
-          <a:prstGeom prst="rect">
-            <a:avLst/>
-          </a:prstGeom>
-          <a:noFill/>
-          <a:ln>
-            <a:noFill/>
-          </a:ln>
-        </p:spPr>
-      </p:pic>
-    </p:spTree>
-  </p:cSld>
-  <p:clrMapOvr>
-    <a:masterClrMapping/>
-  </p:clrMapOvr>
-</p:sld>
-</file>
-
-<file path=ppt/slides/slide5.xml><?xml version="1.0" encoding="utf-8"?>
-<p:sld xmlns:a="http://schemas.openxmlformats.org/drawingml/2006/main" xmlns:r="http://schemas.openxmlformats.org/officeDocument/2006/relationships" xmlns:mc="http://schemas.openxmlformats.org/markup-compatibility/2006" xmlns:mv="urn:schemas-microsoft-com:mac:vml" xmlns:p="http://schemas.openxmlformats.org/presentationml/2006/main" xmlns:c="http://schemas.openxmlformats.org/drawingml/2006/chart" xmlns:dgm="http://schemas.openxmlformats.org/drawingml/2006/diagram" xmlns:o="urn:schemas-microsoft-com:office:office" xmlns:v="urn:schemas-microsoft-com:vml" xmlns:pvml="urn:schemas-microsoft-com:office:powerpoint" xmlns:com="http://schemas.openxmlformats.org/drawingml/2006/compatibility" xmlns:p14="http://schemas.microsoft.com/office/powerpoint/2010/main" xmlns:p15="http://schemas.microsoft.com/office/powerpoint/2012/main" xmlns:ahyp="http://schemas.microsoft.com/office/drawing/2018/hyperlinkcolor">
-  <p:cSld>
-    <p:spTree>
-      <p:nvGrpSpPr>
-        <p:cNvPr id="302" name="Shape 302"/>
-        <p:cNvGrpSpPr/>
-        <p:nvPr/>
-      </p:nvGrpSpPr>
-      <p:grpSpPr>
-        <a:xfrm>
-          <a:off x="0" y="0"/>
-          <a:ext cx="0" cy="0"/>
-          <a:chOff x="0" y="0"/>
-          <a:chExt cx="0" cy="0"/>
-        </a:xfrm>
-      </p:grpSpPr>
-      <p:sp>
-        <p:nvSpPr>
-          <p:cNvPr id="303" name="Google Shape;303;p17"/>
-          <p:cNvSpPr txBox="1"/>
-          <p:nvPr>
-            <p:ph type="title"/>
-          </p:nvPr>
-        </p:nvSpPr>
-        <p:spPr>
-          <a:xfrm>
-            <a:off x="1303800" y="598575"/>
-            <a:ext cx="7030500" cy="999300"/>
-          </a:xfrm>
-          <a:prstGeom prst="rect">
-            <a:avLst/>
-          </a:prstGeom>
-        </p:spPr>
-        <p:txBody>
-          <a:bodyPr anchorCtr="0" anchor="t" bIns="91425" lIns="91425" spcFirstLastPara="1" rIns="91425" wrap="square" tIns="91425">
-            <a:normAutofit/>
-          </a:bodyPr>
-          <a:lstStyle/>
-          <a:p>
-            <a:pPr indent="0" lvl="0" marL="0" rtl="0" algn="l">
-              <a:spcBef>
-                <a:spcPts val="0"/>
-              </a:spcBef>
-              <a:spcAft>
-                <a:spcPts val="0"/>
-              </a:spcAft>
-              <a:buNone/>
-            </a:pPr>
-            <a:r>
-              <a:rPr lang="en"/>
-              <a:t>Data</a:t>
-            </a:r>
-            <a:endParaRPr/>
-          </a:p>
-          <a:p>
-            <a:pPr indent="0" lvl="0" marL="0" rtl="0" algn="l">
-              <a:spcBef>
-                <a:spcPts val="0"/>
-              </a:spcBef>
-              <a:spcAft>
-                <a:spcPts val="0"/>
-              </a:spcAft>
-              <a:buNone/>
-            </a:pPr>
-            <a:r>
-              <a:rPr lang="en" sz="850"/>
-              <a:t>-&gt; Original Data: </a:t>
-            </a:r>
-            <a:r>
-              <a:rPr b="0" lang="en" sz="1100" u="sng">
-                <a:solidFill>
-                  <a:schemeClr val="hlink"/>
-                </a:solidFill>
-                <a:latin typeface="Arial"/>
-                <a:ea typeface="Arial"/>
-                <a:cs typeface="Arial"/>
-                <a:sym typeface="Arial"/>
-                <a:hlinkClick r:id="rId3"/>
-              </a:rPr>
-              <a:t>https://huggingface.co/datasets/mocboch/movie_scripts/tree/main</a:t>
-            </a:r>
-            <a:endParaRPr sz="850"/>
-          </a:p>
-        </p:txBody>
-      </p:sp>
-      <p:sp>
-        <p:nvSpPr>
-          <p:cNvPr id="304" name="Google Shape;304;p17"/>
-          <p:cNvSpPr txBox="1"/>
-          <p:nvPr>
-            <p:ph idx="1" type="body"/>
-          </p:nvPr>
-        </p:nvSpPr>
-        <p:spPr>
-          <a:xfrm>
-            <a:off x="1303800" y="1990050"/>
-            <a:ext cx="3942900" cy="3153300"/>
-          </a:xfrm>
-          <a:prstGeom prst="rect">
-            <a:avLst/>
-          </a:prstGeom>
-        </p:spPr>
-        <p:txBody>
-          <a:bodyPr anchorCtr="0" anchor="t" bIns="91425" lIns="91425" spcFirstLastPara="1" rIns="91425" wrap="square" tIns="91425">
-            <a:normAutofit/>
-          </a:bodyPr>
-          <a:lstStyle/>
-          <a:p>
-            <a:pPr indent="-311150" lvl="0" marL="457200" rtl="0" algn="l">
-              <a:spcBef>
-                <a:spcPts val="0"/>
-              </a:spcBef>
-              <a:spcAft>
-                <a:spcPts val="0"/>
-              </a:spcAft>
-              <a:buSzPts val="1300"/>
-              <a:buChar char="-"/>
-            </a:pPr>
-            <a:r>
-              <a:rPr lang="en"/>
-              <a:t>Raw Data:</a:t>
-            </a:r>
-            <a:endParaRPr/>
-          </a:p>
-          <a:p>
-            <a:pPr indent="-298450" lvl="1" marL="914400" rtl="0" algn="l">
-              <a:spcBef>
-                <a:spcPts val="0"/>
-              </a:spcBef>
-              <a:spcAft>
-                <a:spcPts val="0"/>
-              </a:spcAft>
-              <a:buSzPts val="1100"/>
-              <a:buChar char="-"/>
-            </a:pPr>
-            <a:r>
-              <a:rPr lang="en"/>
-              <a:t>426 movie scripts, each with a corresponding rating (0 to 3)</a:t>
-            </a:r>
-            <a:endParaRPr/>
-          </a:p>
-          <a:p>
-            <a:pPr indent="-298450" lvl="1" marL="914400" rtl="0" algn="l">
-              <a:spcBef>
-                <a:spcPts val="0"/>
-              </a:spcBef>
-              <a:spcAft>
-                <a:spcPts val="0"/>
-              </a:spcAft>
-              <a:buSzPts val="1100"/>
-              <a:buChar char="-"/>
-            </a:pPr>
-            <a:r>
-              <a:rPr lang="en"/>
-              <a:t>Movie scripts pulled from IMSDb (</a:t>
-            </a:r>
-            <a:r>
-              <a:rPr lang="en" u="sng">
-                <a:solidFill>
-                  <a:schemeClr val="hlink"/>
-                </a:solidFill>
-                <a:hlinkClick r:id="rId4"/>
-              </a:rPr>
-              <a:t>Internet Movie Script Database</a:t>
-            </a:r>
-            <a:r>
-              <a:rPr lang="en"/>
-              <a:t>)</a:t>
-            </a:r>
-            <a:endParaRPr/>
-          </a:p>
-          <a:p>
-            <a:pPr indent="-298450" lvl="1" marL="914400" rtl="0" algn="l">
-              <a:spcBef>
-                <a:spcPts val="0"/>
-              </a:spcBef>
-              <a:spcAft>
-                <a:spcPts val="0"/>
-              </a:spcAft>
-              <a:buSzPts val="1100"/>
-              <a:buChar char="-"/>
-            </a:pPr>
-            <a:r>
-              <a:rPr lang="en"/>
-              <a:t>Ratings are pulled from </a:t>
-            </a:r>
-            <a:r>
-              <a:rPr lang="en" u="sng">
-                <a:solidFill>
-                  <a:schemeClr val="hlink"/>
-                </a:solidFill>
-                <a:hlinkClick r:id="rId5"/>
-              </a:rPr>
-              <a:t>bechdeltest.com</a:t>
-            </a:r>
-            <a:endParaRPr/>
-          </a:p>
-          <a:p>
-            <a:pPr indent="-311150" lvl="0" marL="457200" rtl="0" algn="l">
-              <a:spcBef>
-                <a:spcPts val="0"/>
-              </a:spcBef>
-              <a:spcAft>
-                <a:spcPts val="0"/>
-              </a:spcAft>
-              <a:buSzPts val="1300"/>
-              <a:buChar char="-"/>
-            </a:pPr>
-            <a:r>
-              <a:rPr lang="en"/>
-              <a:t>Parser</a:t>
-            </a:r>
-            <a:endParaRPr/>
-          </a:p>
-          <a:p>
-            <a:pPr indent="-298450" lvl="1" marL="914400" rtl="0" algn="l">
-              <a:spcBef>
-                <a:spcPts val="0"/>
-              </a:spcBef>
-              <a:spcAft>
-                <a:spcPts val="0"/>
-              </a:spcAft>
-              <a:buSzPts val="1100"/>
-              <a:buChar char="-"/>
-            </a:pPr>
-            <a:r>
-              <a:rPr lang="en"/>
-              <a:t>Consistent</a:t>
-            </a:r>
-            <a:r>
-              <a:rPr lang="en"/>
-              <a:t> screenplay format issues</a:t>
-            </a:r>
-            <a:endParaRPr/>
-          </a:p>
-          <a:p>
-            <a:pPr indent="-298450" lvl="1" marL="914400" rtl="0" algn="l">
-              <a:spcBef>
-                <a:spcPts val="0"/>
-              </a:spcBef>
-              <a:spcAft>
-                <a:spcPts val="0"/>
-              </a:spcAft>
-              <a:buSzPts val="1100"/>
-              <a:buChar char="-"/>
-            </a:pPr>
-            <a:r>
-              <a:rPr lang="en"/>
-              <a:t>Standardize screenplays</a:t>
-            </a:r>
-            <a:endParaRPr/>
-          </a:p>
-          <a:p>
-            <a:pPr indent="-298450" lvl="2" marL="1371600" rtl="0" algn="l">
-              <a:spcBef>
-                <a:spcPts val="0"/>
-              </a:spcBef>
-              <a:spcAft>
-                <a:spcPts val="0"/>
-              </a:spcAft>
-              <a:buSzPts val="1100"/>
-              <a:buChar char="-"/>
-            </a:pPr>
-            <a:r>
-              <a:rPr lang="en"/>
-              <a:t>Focus on dialogue</a:t>
-            </a:r>
-            <a:endParaRPr/>
-          </a:p>
-          <a:p>
-            <a:pPr indent="-298450" lvl="2" marL="1371600" rtl="0" algn="l">
-              <a:spcBef>
-                <a:spcPts val="0"/>
-              </a:spcBef>
-              <a:spcAft>
-                <a:spcPts val="0"/>
-              </a:spcAft>
-              <a:buSzPts val="1100"/>
-              <a:buChar char="-"/>
-            </a:pPr>
-            <a:r>
-              <a:rPr lang="en"/>
-              <a:t>Scene detection. </a:t>
-            </a:r>
-            <a:endParaRPr/>
-          </a:p>
-          <a:p>
-            <a:pPr indent="0" lvl="0" marL="0" rtl="0" algn="l">
-              <a:spcBef>
-                <a:spcPts val="1200"/>
-              </a:spcBef>
-              <a:spcAft>
-                <a:spcPts val="0"/>
-              </a:spcAft>
-              <a:buNone/>
-            </a:pPr>
-            <a:r>
-              <a:t/>
-            </a:r>
-            <a:endParaRPr/>
-          </a:p>
-          <a:p>
-            <a:pPr indent="0" lvl="0" marL="0" rtl="0" algn="l">
-              <a:spcBef>
-                <a:spcPts val="1200"/>
-              </a:spcBef>
-              <a:spcAft>
-                <a:spcPts val="1200"/>
-              </a:spcAft>
-              <a:buNone/>
-            </a:pPr>
-            <a:r>
-              <a:t/>
-            </a:r>
-            <a:endParaRPr/>
-          </a:p>
-        </p:txBody>
-      </p:sp>
-      <p:pic>
-        <p:nvPicPr>
-          <p:cNvPr id="305" name="Google Shape;305;p17"/>
-          <p:cNvPicPr preferRelativeResize="0"/>
-          <p:nvPr/>
-        </p:nvPicPr>
-        <p:blipFill>
-          <a:blip r:embed="rId6">
-            <a:alphaModFix/>
-          </a:blip>
-          <a:stretch>
-            <a:fillRect/>
-          </a:stretch>
-        </p:blipFill>
-        <p:spPr>
-          <a:xfrm>
-            <a:off x="6201050" y="1416825"/>
-            <a:ext cx="2133250" cy="3387200"/>
-          </a:xfrm>
-          <a:prstGeom prst="rect">
-            <a:avLst/>
-          </a:prstGeom>
-          <a:noFill/>
-          <a:ln cap="flat" cmpd="sng" w="9525">
-            <a:solidFill>
-              <a:schemeClr val="dk2"/>
-            </a:solidFill>
-            <a:prstDash val="solid"/>
-            <a:round/>
-            <a:headEnd len="sm" w="sm" type="none"/>
-            <a:tailEnd len="sm" w="sm" type="none"/>
-          </a:ln>
-        </p:spPr>
-      </p:pic>
-    </p:spTree>
-  </p:cSld>
-  <p:clrMapOvr>
-    <a:masterClrMapping/>
-  </p:clrMapOvr>
-</p:sld>
-</file>
-
-<file path=ppt/slides/slide6.xml><?xml version="1.0" encoding="utf-8"?>
-<p:sld xmlns:a="http://schemas.openxmlformats.org/drawingml/2006/main" xmlns:r="http://schemas.openxmlformats.org/officeDocument/2006/relationships" xmlns:mc="http://schemas.openxmlformats.org/markup-compatibility/2006" xmlns:mv="urn:schemas-microsoft-com:mac:vml" xmlns:p="http://schemas.openxmlformats.org/presentationml/2006/main" xmlns:c="http://schemas.openxmlformats.org/drawingml/2006/chart" xmlns:dgm="http://schemas.openxmlformats.org/drawingml/2006/diagram" xmlns:o="urn:schemas-microsoft-com:office:office" xmlns:v="urn:schemas-microsoft-com:vml" xmlns:pvml="urn:schemas-microsoft-com:office:powerpoint" xmlns:com="http://schemas.openxmlformats.org/drawingml/2006/compatibility" xmlns:p14="http://schemas.microsoft.com/office/powerpoint/2010/main" xmlns:p15="http://schemas.microsoft.com/office/powerpoint/2012/main" xmlns:ahyp="http://schemas.microsoft.com/office/drawing/2018/hyperlinkcolor">
-  <p:cSld>
-    <p:spTree>
-      <p:nvGrpSpPr>
-        <p:cNvPr id="309" name="Shape 309"/>
-        <p:cNvGrpSpPr/>
-        <p:nvPr/>
-      </p:nvGrpSpPr>
-      <p:grpSpPr>
-        <a:xfrm>
-          <a:off x="0" y="0"/>
-          <a:ext cx="0" cy="0"/>
-          <a:chOff x="0" y="0"/>
-          <a:chExt cx="0" cy="0"/>
-        </a:xfrm>
-      </p:grpSpPr>
-      <p:sp>
-        <p:nvSpPr>
-          <p:cNvPr id="310" name="Google Shape;310;p18"/>
-          <p:cNvSpPr txBox="1"/>
-          <p:nvPr>
-            <p:ph type="title"/>
-          </p:nvPr>
-        </p:nvSpPr>
-        <p:spPr>
-          <a:xfrm>
-            <a:off x="1303800" y="598575"/>
-            <a:ext cx="7030500" cy="999300"/>
-          </a:xfrm>
-          <a:prstGeom prst="rect">
-            <a:avLst/>
-          </a:prstGeom>
-        </p:spPr>
-        <p:txBody>
-          <a:bodyPr anchorCtr="0" anchor="t" bIns="91425" lIns="91425" spcFirstLastPara="1" rIns="91425" wrap="square" tIns="91425">
-            <a:normAutofit/>
-          </a:bodyPr>
-          <a:lstStyle/>
-          <a:p>
-            <a:pPr indent="0" lvl="0" marL="0" rtl="0" algn="l">
-              <a:spcBef>
-                <a:spcPts val="0"/>
-              </a:spcBef>
-              <a:spcAft>
-                <a:spcPts val="0"/>
-              </a:spcAft>
-              <a:buNone/>
-            </a:pPr>
-            <a:r>
-              <a:rPr lang="en"/>
-              <a:t>Parser</a:t>
-            </a:r>
-            <a:endParaRPr/>
-          </a:p>
-        </p:txBody>
-      </p:sp>
-      <p:sp>
-        <p:nvSpPr>
-          <p:cNvPr id="311" name="Google Shape;311;p18"/>
-          <p:cNvSpPr txBox="1"/>
-          <p:nvPr>
-            <p:ph idx="1" type="body"/>
-          </p:nvPr>
-        </p:nvSpPr>
-        <p:spPr>
-          <a:xfrm>
-            <a:off x="1303800" y="1990050"/>
-            <a:ext cx="7030500" cy="2541600"/>
-          </a:xfrm>
-          <a:prstGeom prst="rect">
-            <a:avLst/>
-          </a:prstGeom>
-        </p:spPr>
-        <p:txBody>
-          <a:bodyPr anchorCtr="0" anchor="t" bIns="91425" lIns="91425" spcFirstLastPara="1" rIns="91425" wrap="square" tIns="91425">
-            <a:normAutofit/>
-          </a:bodyPr>
-          <a:lstStyle/>
-          <a:p>
-            <a:pPr indent="-311150" lvl="0" marL="457200" rtl="0" algn="l">
-              <a:spcBef>
-                <a:spcPts val="0"/>
-              </a:spcBef>
-              <a:spcAft>
-                <a:spcPts val="0"/>
-              </a:spcAft>
-              <a:buSzPts val="1300"/>
-              <a:buChar char="-"/>
-            </a:pPr>
-            <a:r>
-              <a:rPr lang="en"/>
-              <a:t>Work of Baruah et al.</a:t>
-            </a:r>
-            <a:endParaRPr/>
-          </a:p>
-          <a:p>
-            <a:pPr indent="-298450" lvl="1" marL="914400" rtl="0" algn="l">
-              <a:spcBef>
-                <a:spcPts val="0"/>
-              </a:spcBef>
-              <a:spcAft>
-                <a:spcPts val="0"/>
-              </a:spcAft>
-              <a:buSzPts val="1100"/>
-              <a:buChar char="-"/>
-            </a:pPr>
-            <a:r>
-              <a:rPr lang="en"/>
-              <a:t>Two types of parsers are developed:</a:t>
-            </a:r>
-            <a:endParaRPr/>
-          </a:p>
-          <a:p>
-            <a:pPr indent="-298450" lvl="2" marL="1371600" rtl="0" algn="l">
-              <a:spcBef>
-                <a:spcPts val="0"/>
-              </a:spcBef>
-              <a:spcAft>
-                <a:spcPts val="0"/>
-              </a:spcAft>
-              <a:buSzPts val="1100"/>
-              <a:buChar char="-"/>
-            </a:pPr>
-            <a:r>
-              <a:rPr lang="en"/>
-              <a:t>Rules based</a:t>
-            </a:r>
-            <a:endParaRPr/>
-          </a:p>
-          <a:p>
-            <a:pPr indent="-298450" lvl="2" marL="1371600" rtl="0" algn="l">
-              <a:spcBef>
-                <a:spcPts val="0"/>
-              </a:spcBef>
-              <a:spcAft>
-                <a:spcPts val="0"/>
-              </a:spcAft>
-              <a:buSzPts val="1100"/>
-              <a:buChar char="-"/>
-            </a:pPr>
-            <a:r>
-              <a:rPr lang="en"/>
-              <a:t>Robust</a:t>
-            </a:r>
-            <a:endParaRPr/>
-          </a:p>
-          <a:p>
-            <a:pPr indent="-298450" lvl="1" marL="914400" rtl="0" algn="l">
-              <a:spcBef>
-                <a:spcPts val="0"/>
-              </a:spcBef>
-              <a:spcAft>
-                <a:spcPts val="0"/>
-              </a:spcAft>
-              <a:buSzPts val="1100"/>
-              <a:buChar char="-"/>
-            </a:pPr>
-            <a:r>
-              <a:rPr lang="en"/>
-              <a:t>Robust utilized machine learning</a:t>
-            </a:r>
-            <a:endParaRPr/>
-          </a:p>
-        </p:txBody>
-      </p:sp>
-      <p:pic>
-        <p:nvPicPr>
-          <p:cNvPr id="312" name="Google Shape;312;p18"/>
-          <p:cNvPicPr preferRelativeResize="0"/>
-          <p:nvPr/>
-        </p:nvPicPr>
-        <p:blipFill>
-          <a:blip r:embed="rId3">
-            <a:alphaModFix/>
-          </a:blip>
-          <a:stretch>
-            <a:fillRect/>
-          </a:stretch>
-        </p:blipFill>
-        <p:spPr>
-          <a:xfrm>
-            <a:off x="1143800" y="1121675"/>
-            <a:ext cx="3037074" cy="3697124"/>
-          </a:xfrm>
-          <a:prstGeom prst="rect">
-            <a:avLst/>
-          </a:prstGeom>
-          <a:noFill/>
-          <a:ln cap="flat" cmpd="sng" w="9525">
-            <a:solidFill>
-              <a:schemeClr val="dk2"/>
-            </a:solidFill>
-            <a:prstDash val="solid"/>
-            <a:round/>
-            <a:headEnd len="sm" w="sm" type="none"/>
-            <a:tailEnd len="sm" w="sm" type="none"/>
-          </a:ln>
-        </p:spPr>
-      </p:pic>
-      <p:pic>
-        <p:nvPicPr>
-          <p:cNvPr id="313" name="Google Shape;313;p18"/>
-          <p:cNvPicPr preferRelativeResize="0"/>
-          <p:nvPr/>
-        </p:nvPicPr>
-        <p:blipFill rotWithShape="1">
-          <a:blip r:embed="rId4">
-            <a:alphaModFix/>
-          </a:blip>
-          <a:srcRect b="0" l="0" r="46606" t="0"/>
-          <a:stretch/>
-        </p:blipFill>
-        <p:spPr>
-          <a:xfrm>
-            <a:off x="5291050" y="1121675"/>
-            <a:ext cx="3428201" cy="3697126"/>
-          </a:xfrm>
-          <a:prstGeom prst="rect">
-            <a:avLst/>
-          </a:prstGeom>
-          <a:noFill/>
-          <a:ln cap="flat" cmpd="sng" w="9525">
-            <a:solidFill>
-              <a:schemeClr val="dk2"/>
-            </a:solidFill>
-            <a:prstDash val="solid"/>
-            <a:round/>
-            <a:headEnd len="sm" w="sm" type="none"/>
-            <a:tailEnd len="sm" w="sm" type="none"/>
-          </a:ln>
-        </p:spPr>
-      </p:pic>
-      <p:sp>
-        <p:nvSpPr>
-          <p:cNvPr id="314" name="Google Shape;314;p18"/>
-          <p:cNvSpPr/>
-          <p:nvPr/>
-        </p:nvSpPr>
-        <p:spPr>
-          <a:xfrm>
-            <a:off x="5239425" y="1151200"/>
-            <a:ext cx="243600" cy="3667500"/>
-          </a:xfrm>
-          <a:prstGeom prst="rect">
-            <a:avLst/>
-          </a:prstGeom>
-          <a:noFill/>
-          <a:ln cap="flat" cmpd="sng" w="28575">
-            <a:solidFill>
-              <a:srgbClr val="000000"/>
-            </a:solidFill>
-            <a:prstDash val="solid"/>
-            <a:round/>
-            <a:headEnd len="sm" w="sm" type="none"/>
-            <a:tailEnd len="sm" w="sm" type="none"/>
-          </a:ln>
-        </p:spPr>
-        <p:txBody>
-          <a:bodyPr anchorCtr="0" anchor="ctr" bIns="91425" lIns="91425" spcFirstLastPara="1" rIns="91425" wrap="square" tIns="91425">
-            <a:noAutofit/>
-          </a:bodyPr>
-          <a:lstStyle/>
-          <a:p>
-            <a:pPr indent="0" lvl="0" marL="0" rtl="0" algn="ctr">
-              <a:spcBef>
-                <a:spcPts val="0"/>
-              </a:spcBef>
-              <a:spcAft>
-                <a:spcPts val="0"/>
-              </a:spcAft>
-              <a:buNone/>
-            </a:pPr>
-            <a:r>
-              <a:t/>
-            </a:r>
-            <a:endParaRPr>
-              <a:latin typeface="Nunito"/>
-              <a:ea typeface="Nunito"/>
-              <a:cs typeface="Nunito"/>
-              <a:sym typeface="Nunito"/>
-            </a:endParaRPr>
-          </a:p>
-        </p:txBody>
-      </p:sp>
-    </p:spTree>
-  </p:cSld>
-  <p:clrMapOvr>
-    <a:masterClrMapping/>
-  </p:clrMapOvr>
-  <p:timing>
-    <p:tnLst>
-      <p:par>
-        <p:cTn dur="indefinite" nodeType="tmRoot" restart="never">
-          <p:childTnLst>
-            <p:seq concurrent="1" nextAc="seek">
-              <p:cTn dur="indefinite" id="2" nodeType="mainSeq">
-                <p:childTnLst>
-                  <p:par>
-                    <p:cTn fill="hold">
-                      <p:stCondLst>
-                        <p:cond delay="indefinite"/>
-                      </p:stCondLst>
-                      <p:childTnLst>
-                        <p:par>
-                          <p:cTn fill="hold">
-                            <p:stCondLst>
-                              <p:cond delay="0"/>
-                            </p:stCondLst>
-                            <p:childTnLst>
-                              <p:par>
-                                <p:cTn fill="hold" nodeType="clickEffect" presetClass="exit" presetID="10" presetSubtype="0">
-                                  <p:stCondLst>
-                                    <p:cond delay="0"/>
-                                  </p:stCondLst>
-                                  <p:childTnLst>
-                                    <p:animEffect filter="fade" transition="out">
-                                      <p:cBhvr>
-                                        <p:cTn dur="1000"/>
-                                        <p:tgtEl>
-                                          <p:spTgt spid="311"/>
-                                        </p:tgtEl>
-                                      </p:cBhvr>
-                                    </p:animEffect>
-                                    <p:set>
-                                      <p:cBhvr>
-                                        <p:cTn dur="1" fill="hold">
-                                          <p:stCondLst>
-                                            <p:cond delay="1000"/>
-                                          </p:stCondLst>
-                                        </p:cTn>
-                                        <p:tgtEl>
-                                          <p:spTgt spid="311"/>
-                                        </p:tgtEl>
-                                        <p:attrNameLst>
-                                          <p:attrName>style.visibility</p:attrName>
-                                        </p:attrNameLst>
-                                      </p:cBhvr>
-                                      <p:to>
-                                        <p:strVal val="hidden"/>
-                                      </p:to>
-                                    </p:set>
-                                  </p:childTnLst>
-                                </p:cTn>
-                              </p:par>
-                              <p:par>
-                                <p:cTn fill="hold" nodeType="withEffect" presetClass="entr" presetID="10" presetSubtype="0">
-                                  <p:stCondLst>
-                                    <p:cond delay="0"/>
-                                  </p:stCondLst>
-                                  <p:childTnLst>
-                                    <p:set>
-                                      <p:cBhvr>
-                                        <p:cTn dur="1" fill="hold">
-                                          <p:stCondLst>
-                                            <p:cond delay="0"/>
-                                          </p:stCondLst>
-                                        </p:cTn>
-                                        <p:tgtEl>
-                                          <p:spTgt spid="312"/>
-                                        </p:tgtEl>
-                                        <p:attrNameLst>
-                                          <p:attrName>style.visibility</p:attrName>
-                                        </p:attrNameLst>
-                                      </p:cBhvr>
-                                      <p:to>
-                                        <p:strVal val="visible"/>
-                                      </p:to>
-                                    </p:set>
-                                    <p:animEffect filter="fade" transition="in">
-                                      <p:cBhvr>
-                                        <p:cTn dur="1000"/>
-                                        <p:tgtEl>
-                                          <p:spTgt spid="312"/>
-                                        </p:tgtEl>
-                                      </p:cBhvr>
-                                    </p:animEffect>
-                                  </p:childTnLst>
-                                </p:cTn>
-                              </p:par>
-                            </p:childTnLst>
-                          </p:cTn>
-                        </p:par>
-                      </p:childTnLst>
-                    </p:cTn>
-                  </p:par>
-                  <p:par>
-                    <p:cTn fill="hold">
-                      <p:stCondLst>
-                        <p:cond delay="indefinite"/>
-                      </p:stCondLst>
-                      <p:childTnLst>
-                        <p:par>
-                          <p:cTn fill="hold">
-                            <p:stCondLst>
-                              <p:cond delay="0"/>
-                            </p:stCondLst>
-                            <p:childTnLst>
-                              <p:par>
-                                <p:cTn fill="hold" nodeType="clickEffect" presetClass="entr" presetID="10" presetSubtype="0">
-                                  <p:stCondLst>
-                                    <p:cond delay="0"/>
-                                  </p:stCondLst>
-                                  <p:childTnLst>
-                                    <p:set>
-                                      <p:cBhvr>
-                                        <p:cTn dur="1" fill="hold">
-                                          <p:stCondLst>
-                                            <p:cond delay="0"/>
-                                          </p:stCondLst>
-                                        </p:cTn>
-                                        <p:tgtEl>
-                                          <p:spTgt spid="313"/>
-                                        </p:tgtEl>
-                                        <p:attrNameLst>
-                                          <p:attrName>style.visibility</p:attrName>
-                                        </p:attrNameLst>
-                                      </p:cBhvr>
-                                      <p:to>
-                                        <p:strVal val="visible"/>
-                                      </p:to>
-                                    </p:set>
-                                    <p:animEffect filter="fade" transition="in">
-                                      <p:cBhvr>
-                                        <p:cTn dur="1000"/>
-                                        <p:tgtEl>
-                                          <p:spTgt spid="313"/>
-                                        </p:tgtEl>
-                                      </p:cBhvr>
-                                    </p:animEffect>
-                                  </p:childTnLst>
-                                </p:cTn>
-                              </p:par>
-                            </p:childTnLst>
-                          </p:cTn>
-                        </p:par>
-                      </p:childTnLst>
-                    </p:cTn>
-                  </p:par>
-                  <p:par>
-                    <p:cTn fill="hold">
-                      <p:stCondLst>
-                        <p:cond delay="indefinite"/>
-                      </p:stCondLst>
-                      <p:childTnLst>
-                        <p:par>
-                          <p:cTn fill="hold">
-                            <p:stCondLst>
-                              <p:cond delay="0"/>
-                            </p:stCondLst>
-                            <p:childTnLst>
-                              <p:par>
-                                <p:cTn fill="hold" nodeType="clickEffect" presetClass="entr" presetID="23" presetSubtype="16">
-                                  <p:stCondLst>
-                                    <p:cond delay="0"/>
-                                  </p:stCondLst>
-                                  <p:childTnLst>
-                                    <p:set>
-                                      <p:cBhvr>
-                                        <p:cTn dur="1" fill="hold">
-                                          <p:stCondLst>
-                                            <p:cond delay="0"/>
-                                          </p:stCondLst>
-                                        </p:cTn>
-                                        <p:tgtEl>
-                                          <p:spTgt spid="314"/>
-                                        </p:tgtEl>
-                                        <p:attrNameLst>
-                                          <p:attrName>style.visibility</p:attrName>
-                                        </p:attrNameLst>
-                                      </p:cBhvr>
-                                      <p:to>
-                                        <p:strVal val="visible"/>
-                                      </p:to>
-                                    </p:set>
-                                    <p:anim calcmode="lin" valueType="num">
-                                      <p:cBhvr additive="base">
-                                        <p:cTn dur="1000"/>
-                                        <p:tgtEl>
-                                          <p:spTgt spid="314"/>
-                                        </p:tgtEl>
-                                        <p:attrNameLst>
-                                          <p:attrName>ppt_w</p:attrName>
-                                        </p:attrNameLst>
-                                      </p:cBhvr>
-                                      <p:tavLst>
-                                        <p:tav fmla="" tm="0">
-                                          <p:val>
-                                            <p:strVal val="0"/>
-                                          </p:val>
-                                        </p:tav>
-                                        <p:tav fmla="" tm="100000">
-                                          <p:val>
-                                            <p:strVal val="#ppt_w"/>
-                                          </p:val>
-                                        </p:tav>
-                                      </p:tavLst>
-                                    </p:anim>
-                                    <p:anim calcmode="lin" valueType="num">
-                                      <p:cBhvr additive="base">
-                                        <p:cTn dur="1000"/>
-                                        <p:tgtEl>
-                                          <p:spTgt spid="314"/>
-                                        </p:tgtEl>
-                                        <p:attrNameLst>
-                                          <p:attrName>ppt_h</p:attrName>
-                                        </p:attrNameLst>
-                                      </p:cBhvr>
-                                      <p:tavLst>
-                                        <p:tav fmla="" tm="0">
-                                          <p:val>
-                                            <p:strVal val="0"/>
-                                          </p:val>
-                                        </p:tav>
-                                        <p:tav fmla="" tm="100000">
-                                          <p:val>
-                                            <p:strVal val="#ppt_h"/>
-                                          </p:val>
-                                        </p:tav>
-                                      </p:tavLst>
-                                    </p:anim>
-                                  </p:childTnLst>
-                                </p:cTn>
-                              </p:par>
-                            </p:childTnLst>
-                          </p:cTn>
-                        </p:par>
-                      </p:childTnLst>
-                    </p:cTn>
-                  </p:par>
-                </p:childTnLst>
-              </p:cTn>
-              <p:prevCondLst>
-                <p:cond evt="onPrev">
-                  <p:tgtEl>
-                    <p:sldTgt/>
-                  </p:tgtEl>
-                </p:cond>
-              </p:prevCondLst>
-              <p:nextCondLst>
-                <p:cond evt="onNext">
-                  <p:tgtEl>
-                    <p:sldTgt/>
-                  </p:tgtEl>
-                </p:cond>
-              </p:nextCondLst>
-            </p:seq>
-          </p:childTnLst>
-        </p:cTn>
-      </p:par>
-    </p:tnLst>
-  </p:timing>
-</p:sld>
-</file>
-
-<file path=ppt/slides/slide7.xml><?xml version="1.0" encoding="utf-8"?>
-<p:sld xmlns:a="http://schemas.openxmlformats.org/drawingml/2006/main" xmlns:r="http://schemas.openxmlformats.org/officeDocument/2006/relationships" xmlns:mc="http://schemas.openxmlformats.org/markup-compatibility/2006" xmlns:mv="urn:schemas-microsoft-com:mac:vml" xmlns:p="http://schemas.openxmlformats.org/presentationml/2006/main" xmlns:c="http://schemas.openxmlformats.org/drawingml/2006/chart" xmlns:dgm="http://schemas.openxmlformats.org/drawingml/2006/diagram" xmlns:o="urn:schemas-microsoft-com:office:office" xmlns:v="urn:schemas-microsoft-com:vml" xmlns:pvml="urn:schemas-microsoft-com:office:powerpoint" xmlns:com="http://schemas.openxmlformats.org/drawingml/2006/compatibility" xmlns:p14="http://schemas.microsoft.com/office/powerpoint/2010/main" xmlns:p15="http://schemas.microsoft.com/office/powerpoint/2012/main" xmlns:ahyp="http://schemas.microsoft.com/office/drawing/2018/hyperlinkcolor">
-  <p:cSld>
-    <p:spTree>
-      <p:nvGrpSpPr>
-        <p:cNvPr id="318" name="Shape 318"/>
-        <p:cNvGrpSpPr/>
-        <p:nvPr/>
-      </p:nvGrpSpPr>
-      <p:grpSpPr>
-        <a:xfrm>
-          <a:off x="0" y="0"/>
-          <a:ext cx="0" cy="0"/>
-          <a:chOff x="0" y="0"/>
-          <a:chExt cx="0" cy="0"/>
-        </a:xfrm>
-      </p:grpSpPr>
-      <p:sp>
-        <p:nvSpPr>
-          <p:cNvPr id="319" name="Google Shape;319;p19"/>
-          <p:cNvSpPr txBox="1"/>
-          <p:nvPr>
-            <p:ph type="title"/>
-          </p:nvPr>
-        </p:nvSpPr>
-        <p:spPr>
-          <a:xfrm>
-            <a:off x="1303800" y="598575"/>
-            <a:ext cx="7030500" cy="999300"/>
-          </a:xfrm>
-          <a:prstGeom prst="rect">
-            <a:avLst/>
-          </a:prstGeom>
-        </p:spPr>
-        <p:txBody>
-          <a:bodyPr anchorCtr="0" anchor="t" bIns="91425" lIns="91425" spcFirstLastPara="1" rIns="91425" wrap="square" tIns="91425">
-            <a:normAutofit/>
-          </a:bodyPr>
-          <a:lstStyle/>
-          <a:p>
-            <a:pPr indent="0" lvl="0" marL="0" rtl="0" algn="l">
-              <a:spcBef>
-                <a:spcPts val="0"/>
-              </a:spcBef>
-              <a:spcAft>
-                <a:spcPts val="0"/>
-              </a:spcAft>
-              <a:buNone/>
-            </a:pPr>
-            <a:r>
-              <a:rPr lang="en"/>
-              <a:t>BERT Models</a:t>
-            </a:r>
-            <a:endParaRPr/>
-          </a:p>
-        </p:txBody>
-      </p:sp>
-      <p:sp>
-        <p:nvSpPr>
-          <p:cNvPr id="320" name="Google Shape;320;p19"/>
-          <p:cNvSpPr txBox="1"/>
-          <p:nvPr>
-            <p:ph idx="1" type="body"/>
-          </p:nvPr>
-        </p:nvSpPr>
-        <p:spPr>
-          <a:xfrm>
-            <a:off x="1303800" y="1990050"/>
-            <a:ext cx="4754700" cy="2541600"/>
-          </a:xfrm>
-          <a:prstGeom prst="rect">
-            <a:avLst/>
-          </a:prstGeom>
-        </p:spPr>
-        <p:txBody>
-          <a:bodyPr anchorCtr="0" anchor="t" bIns="91425" lIns="91425" spcFirstLastPara="1" rIns="91425" wrap="square" tIns="91425">
-            <a:normAutofit/>
-          </a:bodyPr>
-          <a:lstStyle/>
-          <a:p>
-            <a:pPr indent="-311150" lvl="0" marL="457200" rtl="0" algn="l">
-              <a:spcBef>
-                <a:spcPts val="0"/>
-              </a:spcBef>
-              <a:spcAft>
-                <a:spcPts val="0"/>
-              </a:spcAft>
-              <a:buSzPts val="1300"/>
-              <a:buChar char="-"/>
-            </a:pPr>
-            <a:r>
-              <a:rPr lang="en"/>
-              <a:t>3 BERT Models used:</a:t>
-            </a:r>
-            <a:endParaRPr/>
-          </a:p>
-          <a:p>
-            <a:pPr indent="-298450" lvl="1" marL="914400" rtl="0" algn="l">
-              <a:spcBef>
-                <a:spcPts val="0"/>
-              </a:spcBef>
-              <a:spcAft>
-                <a:spcPts val="0"/>
-              </a:spcAft>
-              <a:buSzPts val="1100"/>
-              <a:buChar char="-"/>
-            </a:pPr>
-            <a:r>
-              <a:rPr lang="en"/>
-              <a:t>Bert Base Cased</a:t>
-            </a:r>
-            <a:endParaRPr/>
-          </a:p>
-          <a:p>
-            <a:pPr indent="-298450" lvl="2" marL="1371600" rtl="0" algn="l">
-              <a:spcBef>
-                <a:spcPts val="0"/>
-              </a:spcBef>
-              <a:spcAft>
-                <a:spcPts val="0"/>
-              </a:spcAft>
-              <a:buSzPts val="1100"/>
-              <a:buChar char="-"/>
-            </a:pPr>
-            <a:r>
-              <a:rPr lang="en"/>
-              <a:t>110M parameters</a:t>
-            </a:r>
-            <a:endParaRPr/>
-          </a:p>
-          <a:p>
-            <a:pPr indent="-298450" lvl="2" marL="1371600" rtl="0" algn="l">
-              <a:spcBef>
-                <a:spcPts val="0"/>
-              </a:spcBef>
-              <a:spcAft>
-                <a:spcPts val="0"/>
-              </a:spcAft>
-              <a:buSzPts val="1100"/>
-              <a:buChar char="-"/>
-            </a:pPr>
-            <a:r>
-              <a:rPr lang="en"/>
-              <a:t>Go to model</a:t>
-            </a:r>
-            <a:endParaRPr/>
-          </a:p>
-          <a:p>
-            <a:pPr indent="-298450" lvl="1" marL="914400" rtl="0" algn="l">
-              <a:spcBef>
-                <a:spcPts val="0"/>
-              </a:spcBef>
-              <a:spcAft>
-                <a:spcPts val="0"/>
-              </a:spcAft>
-              <a:buSzPts val="1100"/>
-              <a:buChar char="-"/>
-            </a:pPr>
-            <a:r>
-              <a:rPr lang="en"/>
-              <a:t>Bert Large Cased</a:t>
-            </a:r>
-            <a:endParaRPr/>
-          </a:p>
-          <a:p>
-            <a:pPr indent="-298450" lvl="2" marL="1371600" rtl="0" algn="l">
-              <a:spcBef>
-                <a:spcPts val="0"/>
-              </a:spcBef>
-              <a:spcAft>
-                <a:spcPts val="0"/>
-              </a:spcAft>
-              <a:buSzPts val="1100"/>
-              <a:buChar char="-"/>
-            </a:pPr>
-            <a:r>
-              <a:rPr lang="en"/>
-              <a:t>340M parameters</a:t>
-            </a:r>
-            <a:endParaRPr/>
-          </a:p>
-          <a:p>
-            <a:pPr indent="-298450" lvl="2" marL="1371600" rtl="0" algn="l">
-              <a:spcBef>
-                <a:spcPts val="0"/>
-              </a:spcBef>
-              <a:spcAft>
-                <a:spcPts val="0"/>
-              </a:spcAft>
-              <a:buSzPts val="1100"/>
-              <a:buChar char="-"/>
-            </a:pPr>
-            <a:r>
-              <a:rPr lang="en"/>
-              <a:t>Dialogue recognition</a:t>
-            </a:r>
-            <a:endParaRPr/>
-          </a:p>
-          <a:p>
-            <a:pPr indent="-298450" lvl="1" marL="914400" rtl="0" algn="l">
-              <a:spcBef>
-                <a:spcPts val="0"/>
-              </a:spcBef>
-              <a:spcAft>
-                <a:spcPts val="0"/>
-              </a:spcAft>
-              <a:buSzPts val="1100"/>
-              <a:buChar char="-"/>
-            </a:pPr>
-            <a:r>
-              <a:rPr lang="en"/>
-              <a:t>Bert MRPC</a:t>
-            </a:r>
-            <a:endParaRPr/>
-          </a:p>
-          <a:p>
-            <a:pPr indent="-298450" lvl="2" marL="1371600" rtl="0" algn="l">
-              <a:spcBef>
-                <a:spcPts val="0"/>
-              </a:spcBef>
-              <a:spcAft>
-                <a:spcPts val="0"/>
-              </a:spcAft>
-              <a:buSzPts val="1100"/>
-              <a:buChar char="-"/>
-            </a:pPr>
-            <a:r>
-              <a:rPr lang="en"/>
-              <a:t>110M parameters</a:t>
-            </a:r>
-            <a:endParaRPr/>
-          </a:p>
-          <a:p>
-            <a:pPr indent="-298450" lvl="2" marL="1371600" rtl="0" algn="l">
-              <a:spcBef>
-                <a:spcPts val="0"/>
-              </a:spcBef>
-              <a:spcAft>
-                <a:spcPts val="0"/>
-              </a:spcAft>
-              <a:buSzPts val="1100"/>
-              <a:buChar char="-"/>
-            </a:pPr>
-            <a:r>
-              <a:rPr lang="en"/>
-              <a:t>Fine-tuned to recognise semantic </a:t>
-            </a:r>
-            <a:r>
-              <a:rPr lang="en"/>
-              <a:t>similarities</a:t>
-            </a:r>
-            <a:endParaRPr/>
-          </a:p>
-        </p:txBody>
-      </p:sp>
-      <p:pic>
-        <p:nvPicPr>
-          <p:cNvPr id="321" name="Google Shape;321;p19"/>
-          <p:cNvPicPr preferRelativeResize="0"/>
-          <p:nvPr/>
-        </p:nvPicPr>
-        <p:blipFill>
-          <a:blip r:embed="rId3">
-            <a:alphaModFix/>
-          </a:blip>
-          <a:stretch>
-            <a:fillRect/>
-          </a:stretch>
-        </p:blipFill>
-        <p:spPr>
-          <a:xfrm>
-            <a:off x="6749051" y="259032"/>
-            <a:ext cx="1459800" cy="4625442"/>
-          </a:xfrm>
-          <a:prstGeom prst="rect">
-            <a:avLst/>
-          </a:prstGeom>
-          <a:noFill/>
-          <a:ln>
-            <a:noFill/>
-          </a:ln>
-        </p:spPr>
-      </p:pic>
-    </p:spTree>
-  </p:cSld>
-  <p:clrMapOvr>
-    <a:masterClrMapping/>
-  </p:clrMapOvr>
-</p:sld>
-</file>
-
-<file path=ppt/slides/slide8.xml><?xml version="1.0" encoding="utf-8"?>
-<p:sld xmlns:a="http://schemas.openxmlformats.org/drawingml/2006/main" xmlns:r="http://schemas.openxmlformats.org/officeDocument/2006/relationships" xmlns:mc="http://schemas.openxmlformats.org/markup-compatibility/2006" xmlns:mv="urn:schemas-microsoft-com:mac:vml" xmlns:p="http://schemas.openxmlformats.org/presentationml/2006/main" xmlns:c="http://schemas.openxmlformats.org/drawingml/2006/chart" xmlns:dgm="http://schemas.openxmlformats.org/drawingml/2006/diagram" xmlns:o="urn:schemas-microsoft-com:office:office" xmlns:v="urn:schemas-microsoft-com:vml" xmlns:pvml="urn:schemas-microsoft-com:office:powerpoint" xmlns:com="http://schemas.openxmlformats.org/drawingml/2006/compatibility" xmlns:p14="http://schemas.microsoft.com/office/powerpoint/2010/main" xmlns:p15="http://schemas.microsoft.com/office/powerpoint/2012/main" xmlns:ahyp="http://schemas.microsoft.com/office/drawing/2018/hyperlinkcolor">
-  <p:cSld>
-    <p:spTree>
-      <p:nvGrpSpPr>
-        <p:cNvPr id="325" name="Shape 325"/>
-        <p:cNvGrpSpPr/>
-        <p:nvPr/>
-      </p:nvGrpSpPr>
-      <p:grpSpPr>
-        <a:xfrm>
-          <a:off x="0" y="0"/>
-          <a:ext cx="0" cy="0"/>
-          <a:chOff x="0" y="0"/>
-          <a:chExt cx="0" cy="0"/>
-        </a:xfrm>
-      </p:grpSpPr>
-      <p:sp>
-        <p:nvSpPr>
-          <p:cNvPr id="326" name="Google Shape;326;p20"/>
-          <p:cNvSpPr txBox="1"/>
-          <p:nvPr>
-            <p:ph type="title"/>
-          </p:nvPr>
-        </p:nvSpPr>
-        <p:spPr>
-          <a:xfrm>
-            <a:off x="1303800" y="598575"/>
-            <a:ext cx="7030500" cy="999300"/>
-          </a:xfrm>
-          <a:prstGeom prst="rect">
-            <a:avLst/>
-          </a:prstGeom>
-        </p:spPr>
-        <p:txBody>
-          <a:bodyPr anchorCtr="0" anchor="t" bIns="91425" lIns="91425" spcFirstLastPara="1" rIns="91425" wrap="square" tIns="91425">
-            <a:normAutofit/>
-          </a:bodyPr>
-          <a:lstStyle/>
-          <a:p>
-            <a:pPr indent="0" lvl="0" marL="0" rtl="0" algn="l">
-              <a:spcBef>
-                <a:spcPts val="0"/>
-              </a:spcBef>
-              <a:spcAft>
-                <a:spcPts val="0"/>
-              </a:spcAft>
-              <a:buNone/>
-            </a:pPr>
-            <a:r>
-              <a:rPr lang="en"/>
-              <a:t>Coreference Resolution Model</a:t>
-            </a:r>
-            <a:endParaRPr/>
-          </a:p>
-        </p:txBody>
-      </p:sp>
-      <p:sp>
-        <p:nvSpPr>
-          <p:cNvPr id="327" name="Google Shape;327;p20"/>
-          <p:cNvSpPr txBox="1"/>
-          <p:nvPr>
-            <p:ph idx="1" type="body"/>
-          </p:nvPr>
-        </p:nvSpPr>
-        <p:spPr>
-          <a:xfrm>
-            <a:off x="616050" y="1248275"/>
-            <a:ext cx="4556400" cy="3240900"/>
-          </a:xfrm>
-          <a:prstGeom prst="rect">
-            <a:avLst/>
-          </a:prstGeom>
-        </p:spPr>
-        <p:txBody>
-          <a:bodyPr anchorCtr="0" anchor="t" bIns="91425" lIns="91425" spcFirstLastPara="1" rIns="91425" wrap="square" tIns="91425">
-            <a:normAutofit fontScale="77500" lnSpcReduction="10000"/>
-          </a:bodyPr>
-          <a:lstStyle/>
-          <a:p>
-            <a:pPr indent="-292576" lvl="0" marL="457200" rtl="0" algn="l">
-              <a:spcBef>
-                <a:spcPts val="0"/>
-              </a:spcBef>
-              <a:spcAft>
-                <a:spcPts val="0"/>
-              </a:spcAft>
-              <a:buSzPct val="100000"/>
-              <a:buChar char="-"/>
-            </a:pPr>
-            <a:r>
-              <a:rPr lang="en"/>
-              <a:t>Baruah et al (2023) - Coreference Resolution for Screenplay Format</a:t>
-            </a:r>
-            <a:endParaRPr/>
-          </a:p>
-          <a:p>
-            <a:pPr indent="-282733" lvl="1" marL="914400" rtl="0" algn="l">
-              <a:spcBef>
-                <a:spcPts val="0"/>
-              </a:spcBef>
-              <a:spcAft>
-                <a:spcPts val="0"/>
-              </a:spcAft>
-              <a:buSzPct val="100000"/>
-              <a:buChar char="-"/>
-            </a:pPr>
-            <a:r>
-              <a:rPr lang="en"/>
-              <a:t>Use Coreference Resolution pre-trained on Onto Notes and fine-tuned to 6 screenplays (48 GB A40 NVIDIA GPUs)</a:t>
-            </a:r>
-            <a:endParaRPr/>
-          </a:p>
-          <a:p>
-            <a:pPr indent="-282733" lvl="1" marL="914400" rtl="0" algn="l">
-              <a:spcBef>
-                <a:spcPts val="0"/>
-              </a:spcBef>
-              <a:spcAft>
-                <a:spcPts val="0"/>
-              </a:spcAft>
-              <a:buSzPct val="100000"/>
-              <a:buChar char="-"/>
-            </a:pPr>
-            <a:r>
-              <a:rPr lang="en"/>
-              <a:t>Fusion-based approach that overcomes long document sizes</a:t>
-            </a:r>
-            <a:endParaRPr/>
-          </a:p>
-          <a:p>
-            <a:pPr indent="-282733" lvl="2" marL="1371600" rtl="0" algn="l">
-              <a:spcBef>
-                <a:spcPts val="0"/>
-              </a:spcBef>
-              <a:spcAft>
-                <a:spcPts val="0"/>
-              </a:spcAft>
-              <a:buSzPct val="100000"/>
-              <a:buChar char="-"/>
-            </a:pPr>
-            <a:r>
-              <a:rPr lang="en"/>
-              <a:t>Divide screenplay into overlapping subdocuments. </a:t>
-            </a:r>
-            <a:endParaRPr/>
-          </a:p>
-          <a:p>
-            <a:pPr indent="-282733" lvl="2" marL="1371600" rtl="0" algn="l">
-              <a:spcBef>
-                <a:spcPts val="0"/>
-              </a:spcBef>
-              <a:spcAft>
-                <a:spcPts val="0"/>
-              </a:spcAft>
-              <a:buSzPct val="100000"/>
-              <a:buChar char="-"/>
-            </a:pPr>
-            <a:r>
-              <a:rPr lang="en"/>
-              <a:t>Reference pairs connected to the overlapping region between adjacent documents are linked to form final clusters for character entities of a screenplay.</a:t>
-            </a:r>
-            <a:endParaRPr/>
-          </a:p>
-          <a:p>
-            <a:pPr indent="-282733" lvl="2" marL="1371600" rtl="0" algn="l">
-              <a:spcBef>
-                <a:spcPts val="0"/>
-              </a:spcBef>
-              <a:spcAft>
-                <a:spcPts val="0"/>
-              </a:spcAft>
-              <a:buSzPct val="100000"/>
-              <a:buChar char="-"/>
-            </a:pPr>
-            <a:r>
-              <a:rPr lang="en"/>
-              <a:t>Advantage : Lightweight yet most performant</a:t>
-            </a:r>
-            <a:endParaRPr/>
-          </a:p>
-          <a:p>
-            <a:pPr indent="-282733" lvl="2" marL="1371600" rtl="0" algn="l">
-              <a:spcBef>
-                <a:spcPts val="0"/>
-              </a:spcBef>
-              <a:spcAft>
-                <a:spcPts val="0"/>
-              </a:spcAft>
-              <a:buSzPct val="100000"/>
-              <a:buChar char="-"/>
-            </a:pPr>
-            <a:r>
-              <a:rPr lang="en"/>
-              <a:t>Disadvantage: Can result in broken cluster for the same entity.</a:t>
-            </a:r>
-            <a:endParaRPr/>
-          </a:p>
-          <a:p>
-            <a:pPr indent="-282733" lvl="1" marL="914400" rtl="0" algn="l">
-              <a:spcBef>
-                <a:spcPts val="0"/>
-              </a:spcBef>
-              <a:spcAft>
-                <a:spcPts val="0"/>
-              </a:spcAft>
-              <a:buSzPct val="100000"/>
-              <a:buChar char="-"/>
-            </a:pPr>
-            <a:r>
-              <a:rPr lang="en"/>
-              <a:t>Encode using RoBERTa Model and combined with POS, named entities, and screenplay structural tags embeddings, then fed into bi-directional RNN and FFNN  to give word representations character scores.</a:t>
-            </a:r>
-            <a:endParaRPr/>
-          </a:p>
-          <a:p>
-            <a:pPr indent="-282733" lvl="1" marL="914400" rtl="0" algn="l">
-              <a:spcBef>
-                <a:spcPts val="0"/>
-              </a:spcBef>
-              <a:spcAft>
-                <a:spcPts val="0"/>
-              </a:spcAft>
-              <a:buSzPct val="100000"/>
-              <a:buChar char="-"/>
-            </a:pPr>
-            <a:r>
-              <a:rPr lang="en"/>
-              <a:t>Antecedent with max pairing scores are </a:t>
-            </a:r>
-            <a:r>
-              <a:rPr lang="en"/>
-              <a:t>calculated</a:t>
-            </a:r>
-            <a:r>
-              <a:rPr lang="en"/>
-              <a:t> for each character reference in a subdocument and connected throughout screenplay.</a:t>
-            </a:r>
-            <a:br>
-              <a:rPr lang="en"/>
-            </a:br>
-            <a:endParaRPr/>
-          </a:p>
-          <a:p>
-            <a:pPr indent="-292576" lvl="0" marL="457200" rtl="0" algn="l">
-              <a:spcBef>
-                <a:spcPts val="0"/>
-              </a:spcBef>
-              <a:spcAft>
-                <a:spcPts val="0"/>
-              </a:spcAft>
-              <a:buSzPct val="100000"/>
-              <a:buChar char="-"/>
-            </a:pPr>
-            <a:r>
-              <a:rPr lang="en"/>
-              <a:t>Combined with set of heuristics to determine conversation spans and the Bechdel Test passing criteria 2 and 3.</a:t>
-            </a:r>
-            <a:endParaRPr/>
-          </a:p>
-          <a:p>
-            <a:pPr indent="-282733" lvl="1" marL="914400" rtl="0" algn="l">
-              <a:spcBef>
-                <a:spcPts val="0"/>
-              </a:spcBef>
-              <a:spcAft>
-                <a:spcPts val="0"/>
-              </a:spcAft>
-              <a:buSzPct val="100000"/>
-              <a:buChar char="-"/>
-            </a:pPr>
-            <a:r>
-              <a:rPr lang="en"/>
-              <a:t>Captures nuance details at a scene level</a:t>
-            </a:r>
-            <a:endParaRPr/>
-          </a:p>
-          <a:p>
-            <a:pPr indent="-282733" lvl="1" marL="914400" rtl="0" algn="l">
-              <a:spcBef>
-                <a:spcPts val="0"/>
-              </a:spcBef>
-              <a:spcAft>
-                <a:spcPts val="0"/>
-              </a:spcAft>
-              <a:buSzPct val="100000"/>
-              <a:buChar char="-"/>
-            </a:pPr>
-            <a:r>
-              <a:rPr lang="en"/>
-              <a:t>Approach overcomes long document size of screenplays</a:t>
-            </a:r>
-            <a:endParaRPr/>
-          </a:p>
-        </p:txBody>
-      </p:sp>
-      <p:pic>
-        <p:nvPicPr>
-          <p:cNvPr id="328" name="Google Shape;328;p20"/>
-          <p:cNvPicPr preferRelativeResize="0"/>
-          <p:nvPr/>
-        </p:nvPicPr>
-        <p:blipFill>
-          <a:blip r:embed="rId3">
-            <a:alphaModFix/>
-          </a:blip>
-          <a:stretch>
-            <a:fillRect/>
-          </a:stretch>
-        </p:blipFill>
-        <p:spPr>
-          <a:xfrm>
-            <a:off x="5353900" y="1248263"/>
-            <a:ext cx="2875243" cy="3240824"/>
-          </a:xfrm>
-          <a:prstGeom prst="rect">
-            <a:avLst/>
-          </a:prstGeom>
-          <a:noFill/>
-          <a:ln>
-            <a:noFill/>
-          </a:ln>
-        </p:spPr>
-      </p:pic>
-    </p:spTree>
-  </p:cSld>
-  <p:clrMapOvr>
-    <a:masterClrMapping/>
-  </p:clrMapOvr>
-</p:sld>
-</file>
-
-<file path=ppt/slides/slide9.xml><?xml version="1.0" encoding="utf-8"?>
-<p:sld xmlns:a="http://schemas.openxmlformats.org/drawingml/2006/main" xmlns:r="http://schemas.openxmlformats.org/officeDocument/2006/relationships" xmlns:mc="http://schemas.openxmlformats.org/markup-compatibility/2006" xmlns:mv="urn:schemas-microsoft-com:mac:vml" xmlns:p="http://schemas.openxmlformats.org/presentationml/2006/main" xmlns:c="http://schemas.openxmlformats.org/drawingml/2006/chart" xmlns:dgm="http://schemas.openxmlformats.org/drawingml/2006/diagram" xmlns:o="urn:schemas-microsoft-com:office:office" xmlns:v="urn:schemas-microsoft-com:vml" xmlns:pvml="urn:schemas-microsoft-com:office:powerpoint" xmlns:com="http://schemas.openxmlformats.org/drawingml/2006/compatibility" xmlns:p14="http://schemas.microsoft.com/office/powerpoint/2010/main" xmlns:p15="http://schemas.microsoft.com/office/powerpoint/2012/main" xmlns:ahyp="http://schemas.microsoft.com/office/drawing/2018/hyperlinkcolor">
-  <p:cSld>
-    <p:spTree>
-      <p:nvGrpSpPr>
-        <p:cNvPr id="332" name="Shape 332"/>
-        <p:cNvGrpSpPr/>
-        <p:nvPr/>
-      </p:nvGrpSpPr>
-      <p:grpSpPr>
-        <a:xfrm>
-          <a:off x="0" y="0"/>
-          <a:ext cx="0" cy="0"/>
-          <a:chOff x="0" y="0"/>
-          <a:chExt cx="0" cy="0"/>
-        </a:xfrm>
-      </p:grpSpPr>
-      <p:sp>
-        <p:nvSpPr>
-          <p:cNvPr id="333" name="Google Shape;333;p21"/>
-          <p:cNvSpPr txBox="1"/>
-          <p:nvPr>
-            <p:ph type="title"/>
-          </p:nvPr>
-        </p:nvSpPr>
-        <p:spPr>
-          <a:xfrm>
-            <a:off x="1303800" y="598575"/>
-            <a:ext cx="7030500" cy="999300"/>
-          </a:xfrm>
-          <a:prstGeom prst="rect">
-            <a:avLst/>
-          </a:prstGeom>
-        </p:spPr>
-        <p:txBody>
-          <a:bodyPr anchorCtr="0" anchor="t" bIns="91425" lIns="91425" spcFirstLastPara="1" rIns="91425" wrap="square" tIns="91425">
-            <a:normAutofit/>
-          </a:bodyPr>
-          <a:lstStyle/>
-          <a:p>
-            <a:pPr indent="0" lvl="0" marL="0" rtl="0" algn="l">
-              <a:spcBef>
-                <a:spcPts val="0"/>
-              </a:spcBef>
-              <a:spcAft>
-                <a:spcPts val="0"/>
-              </a:spcAft>
-              <a:buNone/>
-            </a:pPr>
-            <a:r>
               <a:rPr lang="en"/>
               <a:t>Results</a:t>
             </a:r>
@@ -19218,7 +18558,7 @@
       </p:sp>
       <p:graphicFrame>
         <p:nvGraphicFramePr>
-          <p:cNvPr id="334" name="Google Shape;334;p21"/>
+          <p:cNvPr id="347" name="Google Shape;347;p23"/>
           <p:cNvGraphicFramePr/>
           <p:nvPr/>
         </p:nvGraphicFramePr>
@@ -19231,7 +18571,7 @@
             <a:tbl>
               <a:tblPr>
                 <a:noFill/>
-                <a:tableStyleId>{7C9BC84C-9AC5-483B-96E6-13ABAD8258DF}</a:tableStyleId>
+                <a:tableStyleId>{0A40773F-1392-42F7-9483-1D2D2D8A138E}</a:tableStyleId>
               </a:tblPr>
               <a:tblGrid>
                 <a:gridCol w="1809750"/>
@@ -20730,6 +20070,3075 @@
 </p:sld>
 </file>
 
+<file path=ppt/slides/slide12.xml><?xml version="1.0" encoding="utf-8"?>
+<p:sld xmlns:a="http://schemas.openxmlformats.org/drawingml/2006/main" xmlns:r="http://schemas.openxmlformats.org/officeDocument/2006/relationships" xmlns:mc="http://schemas.openxmlformats.org/markup-compatibility/2006" xmlns:mv="urn:schemas-microsoft-com:mac:vml" xmlns:p="http://schemas.openxmlformats.org/presentationml/2006/main" xmlns:c="http://schemas.openxmlformats.org/drawingml/2006/chart" xmlns:dgm="http://schemas.openxmlformats.org/drawingml/2006/diagram" xmlns:o="urn:schemas-microsoft-com:office:office" xmlns:v="urn:schemas-microsoft-com:vml" xmlns:pvml="urn:schemas-microsoft-com:office:powerpoint" xmlns:com="http://schemas.openxmlformats.org/drawingml/2006/compatibility" xmlns:p14="http://schemas.microsoft.com/office/powerpoint/2010/main" xmlns:p15="http://schemas.microsoft.com/office/powerpoint/2012/main" xmlns:ahyp="http://schemas.microsoft.com/office/drawing/2018/hyperlinkcolor">
+  <p:cSld>
+    <p:spTree>
+      <p:nvGrpSpPr>
+        <p:cNvPr id="351" name="Shape 351"/>
+        <p:cNvGrpSpPr/>
+        <p:nvPr/>
+      </p:nvGrpSpPr>
+      <p:grpSpPr>
+        <a:xfrm>
+          <a:off x="0" y="0"/>
+          <a:ext cx="0" cy="0"/>
+          <a:chOff x="0" y="0"/>
+          <a:chExt cx="0" cy="0"/>
+        </a:xfrm>
+      </p:grpSpPr>
+      <p:sp>
+        <p:nvSpPr>
+          <p:cNvPr id="352" name="Google Shape;352;p24"/>
+          <p:cNvSpPr txBox="1"/>
+          <p:nvPr>
+            <p:ph type="title"/>
+          </p:nvPr>
+        </p:nvSpPr>
+        <p:spPr>
+          <a:xfrm>
+            <a:off x="1303800" y="598575"/>
+            <a:ext cx="7030500" cy="999300"/>
+          </a:xfrm>
+          <a:prstGeom prst="rect">
+            <a:avLst/>
+          </a:prstGeom>
+        </p:spPr>
+        <p:txBody>
+          <a:bodyPr anchorCtr="0" anchor="t" bIns="91425" lIns="91425" spcFirstLastPara="1" rIns="91425" wrap="square" tIns="91425">
+            <a:normAutofit/>
+          </a:bodyPr>
+          <a:lstStyle/>
+          <a:p>
+            <a:pPr indent="0" lvl="0" marL="0" rtl="0" algn="l">
+              <a:spcBef>
+                <a:spcPts val="0"/>
+              </a:spcBef>
+              <a:spcAft>
+                <a:spcPts val="0"/>
+              </a:spcAft>
+              <a:buNone/>
+            </a:pPr>
+            <a:r>
+              <a:rPr lang="en"/>
+              <a:t>Summary and Future Directions</a:t>
+            </a:r>
+            <a:endParaRPr/>
+          </a:p>
+        </p:txBody>
+      </p:sp>
+      <p:sp>
+        <p:nvSpPr>
+          <p:cNvPr id="353" name="Google Shape;353;p24"/>
+          <p:cNvSpPr txBox="1"/>
+          <p:nvPr>
+            <p:ph idx="1" type="body"/>
+          </p:nvPr>
+        </p:nvSpPr>
+        <p:spPr>
+          <a:xfrm>
+            <a:off x="805200" y="1338100"/>
+            <a:ext cx="7533600" cy="2933700"/>
+          </a:xfrm>
+          <a:prstGeom prst="rect">
+            <a:avLst/>
+          </a:prstGeom>
+        </p:spPr>
+        <p:txBody>
+          <a:bodyPr anchorCtr="0" anchor="t" bIns="91425" lIns="91425" spcFirstLastPara="1" rIns="91425" wrap="square" tIns="91425">
+            <a:noAutofit/>
+          </a:bodyPr>
+          <a:lstStyle/>
+          <a:p>
+            <a:pPr indent="0" lvl="0" marL="0" rtl="0" algn="l">
+              <a:lnSpc>
+                <a:spcPct val="100000"/>
+              </a:lnSpc>
+              <a:spcBef>
+                <a:spcPts val="0"/>
+              </a:spcBef>
+              <a:spcAft>
+                <a:spcPts val="0"/>
+              </a:spcAft>
+              <a:buSzPts val="688"/>
+              <a:buNone/>
+            </a:pPr>
+            <a:r>
+              <a:rPr b="1" lang="en" sz="1100"/>
+              <a:t>Summary</a:t>
+            </a:r>
+            <a:endParaRPr b="1" sz="1100"/>
+          </a:p>
+          <a:p>
+            <a:pPr indent="-298450" lvl="0" marL="457200" rtl="0" algn="l">
+              <a:lnSpc>
+                <a:spcPct val="100000"/>
+              </a:lnSpc>
+              <a:spcBef>
+                <a:spcPts val="1200"/>
+              </a:spcBef>
+              <a:spcAft>
+                <a:spcPts val="0"/>
+              </a:spcAft>
+              <a:buSzPts val="1100"/>
+              <a:buChar char="-"/>
+            </a:pPr>
+            <a:r>
+              <a:rPr lang="en" sz="1100"/>
+              <a:t>Automated process could contribute to broader analyses about the representation of women in movies</a:t>
+            </a:r>
+            <a:endParaRPr sz="1100"/>
+          </a:p>
+          <a:p>
+            <a:pPr indent="-298450" lvl="0" marL="457200" rtl="0" algn="l">
+              <a:lnSpc>
+                <a:spcPct val="100000"/>
+              </a:lnSpc>
+              <a:spcBef>
+                <a:spcPts val="0"/>
+              </a:spcBef>
+              <a:spcAft>
+                <a:spcPts val="0"/>
+              </a:spcAft>
+              <a:buSzPts val="1100"/>
+              <a:buChar char="-"/>
+            </a:pPr>
+            <a:r>
+              <a:rPr lang="en" sz="1100"/>
+              <a:t>We applied two approaches to automating the Bechdel Test using modern NLP modeling and showed its efficacy. </a:t>
+            </a:r>
+            <a:endParaRPr sz="1100"/>
+          </a:p>
+          <a:p>
+            <a:pPr indent="-298450" lvl="0" marL="457200" rtl="0" algn="l">
+              <a:lnSpc>
+                <a:spcPct val="100000"/>
+              </a:lnSpc>
+              <a:spcBef>
+                <a:spcPts val="0"/>
+              </a:spcBef>
+              <a:spcAft>
+                <a:spcPts val="0"/>
+              </a:spcAft>
+              <a:buSzPts val="1100"/>
+              <a:buChar char="-"/>
+            </a:pPr>
+            <a:r>
+              <a:rPr lang="en" sz="1100"/>
+              <a:t>Requires no additional data points outside of the script, a departure from previous research (Agarwal 2014)</a:t>
+            </a:r>
+            <a:endParaRPr sz="1100"/>
+          </a:p>
+          <a:p>
+            <a:pPr indent="-298450" lvl="0" marL="457200" rtl="0" algn="l">
+              <a:lnSpc>
+                <a:spcPct val="100000"/>
+              </a:lnSpc>
+              <a:spcBef>
+                <a:spcPts val="0"/>
+              </a:spcBef>
+              <a:spcAft>
+                <a:spcPts val="0"/>
+              </a:spcAft>
+              <a:buSzPts val="1100"/>
+              <a:buChar char="-"/>
+            </a:pPr>
+            <a:r>
+              <a:rPr lang="en" sz="1100"/>
+              <a:t>This work can enhance the efficiency and accuracy of human scorers within the BechdelTest.com community</a:t>
+            </a:r>
+            <a:endParaRPr sz="1100"/>
+          </a:p>
+          <a:p>
+            <a:pPr indent="0" lvl="0" marL="0" rtl="0" algn="l">
+              <a:lnSpc>
+                <a:spcPct val="100000"/>
+              </a:lnSpc>
+              <a:spcBef>
+                <a:spcPts val="1200"/>
+              </a:spcBef>
+              <a:spcAft>
+                <a:spcPts val="0"/>
+              </a:spcAft>
+              <a:buSzPts val="688"/>
+              <a:buNone/>
+            </a:pPr>
+            <a:r>
+              <a:rPr b="1" lang="en" sz="1100"/>
+              <a:t>Limitations</a:t>
+            </a:r>
+            <a:endParaRPr b="1" sz="1100"/>
+          </a:p>
+          <a:p>
+            <a:pPr indent="-298450" lvl="0" marL="457200" rtl="0" algn="l">
+              <a:lnSpc>
+                <a:spcPct val="100000"/>
+              </a:lnSpc>
+              <a:spcBef>
+                <a:spcPts val="1200"/>
+              </a:spcBef>
+              <a:spcAft>
+                <a:spcPts val="0"/>
+              </a:spcAft>
+              <a:buSzPts val="1100"/>
+              <a:buChar char="-"/>
+            </a:pPr>
+            <a:r>
+              <a:rPr lang="en" sz="1100"/>
+              <a:t>Long document sizes</a:t>
+            </a:r>
+            <a:endParaRPr sz="1100"/>
+          </a:p>
+          <a:p>
+            <a:pPr indent="-298450" lvl="0" marL="457200" rtl="0" algn="l">
+              <a:lnSpc>
+                <a:spcPct val="100000"/>
+              </a:lnSpc>
+              <a:spcBef>
+                <a:spcPts val="0"/>
+              </a:spcBef>
+              <a:spcAft>
+                <a:spcPts val="0"/>
+              </a:spcAft>
+              <a:buSzPts val="1100"/>
+              <a:buChar char="-"/>
+            </a:pPr>
+            <a:r>
+              <a:rPr lang="en" sz="1100"/>
+              <a:t>Limited labelling : Only 1 score for the entire screenplay!</a:t>
+            </a:r>
+            <a:endParaRPr sz="1100"/>
+          </a:p>
+          <a:p>
+            <a:pPr indent="0" lvl="0" marL="0" rtl="0" algn="l">
+              <a:lnSpc>
+                <a:spcPct val="100000"/>
+              </a:lnSpc>
+              <a:spcBef>
+                <a:spcPts val="1200"/>
+              </a:spcBef>
+              <a:spcAft>
+                <a:spcPts val="0"/>
+              </a:spcAft>
+              <a:buSzPts val="688"/>
+              <a:buNone/>
+            </a:pPr>
+            <a:r>
+              <a:rPr b="1" lang="en" sz="1100"/>
+              <a:t>Future Directions</a:t>
+            </a:r>
+            <a:endParaRPr b="1" sz="1100"/>
+          </a:p>
+          <a:p>
+            <a:pPr indent="-298450" lvl="0" marL="457200" rtl="0" algn="l">
+              <a:lnSpc>
+                <a:spcPct val="100000"/>
+              </a:lnSpc>
+              <a:spcBef>
+                <a:spcPts val="1200"/>
+              </a:spcBef>
+              <a:spcAft>
+                <a:spcPts val="0"/>
+              </a:spcAft>
+              <a:buSzPts val="1100"/>
+              <a:buChar char="-"/>
+            </a:pPr>
+            <a:r>
+              <a:rPr lang="en" sz="1100"/>
+              <a:t>Combine BERT + Coreference Resolution Models for improved performance</a:t>
+            </a:r>
+            <a:endParaRPr sz="1100"/>
+          </a:p>
+          <a:p>
+            <a:pPr indent="-298450" lvl="0" marL="457200" rtl="0" algn="l">
+              <a:lnSpc>
+                <a:spcPct val="100000"/>
+              </a:lnSpc>
+              <a:spcBef>
+                <a:spcPts val="0"/>
+              </a:spcBef>
+              <a:spcAft>
+                <a:spcPts val="0"/>
+              </a:spcAft>
+              <a:buSzPts val="1100"/>
+              <a:buChar char="-"/>
+            </a:pPr>
+            <a:r>
+              <a:rPr lang="en" sz="1100"/>
+              <a:t>Misclassifications for coreference resolution due to our applied set of rules  mis-identifying conversation spans.</a:t>
+            </a:r>
+            <a:endParaRPr sz="1100"/>
+          </a:p>
+          <a:p>
+            <a:pPr indent="-298450" lvl="1" marL="914400" rtl="0" algn="l">
+              <a:lnSpc>
+                <a:spcPct val="100000"/>
+              </a:lnSpc>
+              <a:spcBef>
+                <a:spcPts val="0"/>
+              </a:spcBef>
+              <a:spcAft>
+                <a:spcPts val="0"/>
+              </a:spcAft>
+              <a:buSzPts val="1100"/>
+              <a:buChar char="-"/>
+            </a:pPr>
+            <a:r>
+              <a:rPr lang="en"/>
+              <a:t>Improve approach to Conversation Span Detection</a:t>
+            </a:r>
+            <a:endParaRPr/>
+          </a:p>
+          <a:p>
+            <a:pPr indent="-298450" lvl="2" marL="1371600" rtl="0" algn="l">
+              <a:lnSpc>
+                <a:spcPct val="100000"/>
+              </a:lnSpc>
+              <a:spcBef>
+                <a:spcPts val="0"/>
+              </a:spcBef>
+              <a:spcAft>
+                <a:spcPts val="0"/>
+              </a:spcAft>
+              <a:buSzPts val="1100"/>
+              <a:buChar char="-"/>
+            </a:pPr>
+            <a:r>
+              <a:rPr lang="en"/>
+              <a:t>QA classification with T5 models, directed graph network predictions, and fine-tuning transformer models on the Cornell Movie Corpus.</a:t>
+            </a:r>
+            <a:endParaRPr/>
+          </a:p>
+        </p:txBody>
+      </p:sp>
+    </p:spTree>
+  </p:cSld>
+  <p:clrMapOvr>
+    <a:masterClrMapping/>
+  </p:clrMapOvr>
+</p:sld>
+</file>
+
+<file path=ppt/slides/slide13.xml><?xml version="1.0" encoding="utf-8"?>
+<p:sld xmlns:a="http://schemas.openxmlformats.org/drawingml/2006/main" xmlns:r="http://schemas.openxmlformats.org/officeDocument/2006/relationships" xmlns:mc="http://schemas.openxmlformats.org/markup-compatibility/2006" xmlns:mv="urn:schemas-microsoft-com:mac:vml" xmlns:p="http://schemas.openxmlformats.org/presentationml/2006/main" xmlns:c="http://schemas.openxmlformats.org/drawingml/2006/chart" xmlns:dgm="http://schemas.openxmlformats.org/drawingml/2006/diagram" xmlns:o="urn:schemas-microsoft-com:office:office" xmlns:v="urn:schemas-microsoft-com:vml" xmlns:pvml="urn:schemas-microsoft-com:office:powerpoint" xmlns:com="http://schemas.openxmlformats.org/drawingml/2006/compatibility" xmlns:p14="http://schemas.microsoft.com/office/powerpoint/2010/main" xmlns:p15="http://schemas.microsoft.com/office/powerpoint/2012/main" xmlns:ahyp="http://schemas.microsoft.com/office/drawing/2018/hyperlinkcolor">
+  <p:cSld>
+    <p:spTree>
+      <p:nvGrpSpPr>
+        <p:cNvPr id="357" name="Shape 357"/>
+        <p:cNvGrpSpPr/>
+        <p:nvPr/>
+      </p:nvGrpSpPr>
+      <p:grpSpPr>
+        <a:xfrm>
+          <a:off x="0" y="0"/>
+          <a:ext cx="0" cy="0"/>
+          <a:chOff x="0" y="0"/>
+          <a:chExt cx="0" cy="0"/>
+        </a:xfrm>
+      </p:grpSpPr>
+      <p:sp>
+        <p:nvSpPr>
+          <p:cNvPr id="358" name="Google Shape;358;p25"/>
+          <p:cNvSpPr txBox="1"/>
+          <p:nvPr>
+            <p:ph type="title"/>
+          </p:nvPr>
+        </p:nvSpPr>
+        <p:spPr>
+          <a:xfrm>
+            <a:off x="1303800" y="598575"/>
+            <a:ext cx="7030500" cy="999300"/>
+          </a:xfrm>
+          <a:prstGeom prst="rect">
+            <a:avLst/>
+          </a:prstGeom>
+        </p:spPr>
+        <p:txBody>
+          <a:bodyPr anchorCtr="0" anchor="t" bIns="91425" lIns="91425" spcFirstLastPara="1" rIns="91425" wrap="square" tIns="91425">
+            <a:normAutofit/>
+          </a:bodyPr>
+          <a:lstStyle/>
+          <a:p>
+            <a:pPr indent="0" lvl="0" marL="0" rtl="0" algn="ctr">
+              <a:spcBef>
+                <a:spcPts val="0"/>
+              </a:spcBef>
+              <a:spcAft>
+                <a:spcPts val="0"/>
+              </a:spcAft>
+              <a:buNone/>
+            </a:pPr>
+            <a:r>
+              <a:rPr lang="en" sz="4300"/>
+              <a:t>Thank you!</a:t>
+            </a:r>
+            <a:endParaRPr sz="4300"/>
+          </a:p>
+        </p:txBody>
+      </p:sp>
+    </p:spTree>
+  </p:cSld>
+  <p:clrMapOvr>
+    <a:masterClrMapping/>
+  </p:clrMapOvr>
+</p:sld>
+</file>
+
+<file path=ppt/slides/slide2.xml><?xml version="1.0" encoding="utf-8"?>
+<p:sld xmlns:a="http://schemas.openxmlformats.org/drawingml/2006/main" xmlns:r="http://schemas.openxmlformats.org/officeDocument/2006/relationships" xmlns:mc="http://schemas.openxmlformats.org/markup-compatibility/2006" xmlns:mv="urn:schemas-microsoft-com:mac:vml" xmlns:p="http://schemas.openxmlformats.org/presentationml/2006/main" xmlns:c="http://schemas.openxmlformats.org/drawingml/2006/chart" xmlns:dgm="http://schemas.openxmlformats.org/drawingml/2006/diagram" xmlns:o="urn:schemas-microsoft-com:office:office" xmlns:v="urn:schemas-microsoft-com:vml" xmlns:pvml="urn:schemas-microsoft-com:office:powerpoint" xmlns:com="http://schemas.openxmlformats.org/drawingml/2006/compatibility" xmlns:p14="http://schemas.microsoft.com/office/powerpoint/2010/main" xmlns:p15="http://schemas.microsoft.com/office/powerpoint/2012/main" xmlns:ahyp="http://schemas.microsoft.com/office/drawing/2018/hyperlinkcolor" show="0">
+  <p:cSld>
+    <p:spTree>
+      <p:nvGrpSpPr>
+        <p:cNvPr id="282" name="Shape 282"/>
+        <p:cNvGrpSpPr/>
+        <p:nvPr/>
+      </p:nvGrpSpPr>
+      <p:grpSpPr>
+        <a:xfrm>
+          <a:off x="0" y="0"/>
+          <a:ext cx="0" cy="0"/>
+          <a:chOff x="0" y="0"/>
+          <a:chExt cx="0" cy="0"/>
+        </a:xfrm>
+      </p:grpSpPr>
+      <p:sp>
+        <p:nvSpPr>
+          <p:cNvPr id="283" name="Google Shape;283;p14"/>
+          <p:cNvSpPr txBox="1"/>
+          <p:nvPr>
+            <p:ph type="title"/>
+          </p:nvPr>
+        </p:nvSpPr>
+        <p:spPr>
+          <a:xfrm>
+            <a:off x="1303800" y="598575"/>
+            <a:ext cx="7030500" cy="999300"/>
+          </a:xfrm>
+          <a:prstGeom prst="rect">
+            <a:avLst/>
+          </a:prstGeom>
+        </p:spPr>
+        <p:txBody>
+          <a:bodyPr anchorCtr="0" anchor="t" bIns="91425" lIns="91425" spcFirstLastPara="1" rIns="91425" wrap="square" tIns="91425">
+            <a:normAutofit/>
+          </a:bodyPr>
+          <a:lstStyle/>
+          <a:p>
+            <a:pPr indent="0" lvl="0" marL="0" rtl="0" algn="l">
+              <a:spcBef>
+                <a:spcPts val="0"/>
+              </a:spcBef>
+              <a:spcAft>
+                <a:spcPts val="0"/>
+              </a:spcAft>
+              <a:buNone/>
+            </a:pPr>
+            <a:r>
+              <a:t/>
+            </a:r>
+            <a:endParaRPr/>
+          </a:p>
+        </p:txBody>
+      </p:sp>
+      <p:sp>
+        <p:nvSpPr>
+          <p:cNvPr id="284" name="Google Shape;284;p14"/>
+          <p:cNvSpPr txBox="1"/>
+          <p:nvPr>
+            <p:ph idx="1" type="body"/>
+          </p:nvPr>
+        </p:nvSpPr>
+        <p:spPr>
+          <a:xfrm>
+            <a:off x="1303800" y="1990050"/>
+            <a:ext cx="7030500" cy="2541600"/>
+          </a:xfrm>
+          <a:prstGeom prst="rect">
+            <a:avLst/>
+          </a:prstGeom>
+        </p:spPr>
+        <p:txBody>
+          <a:bodyPr anchorCtr="0" anchor="t" bIns="91425" lIns="91425" spcFirstLastPara="1" rIns="91425" wrap="square" tIns="91425">
+            <a:normAutofit fontScale="85000" lnSpcReduction="20000"/>
+          </a:bodyPr>
+          <a:lstStyle/>
+          <a:p>
+            <a:pPr indent="0" lvl="0" marL="0" rtl="0" algn="l">
+              <a:spcBef>
+                <a:spcPts val="0"/>
+              </a:spcBef>
+              <a:spcAft>
+                <a:spcPts val="0"/>
+              </a:spcAft>
+              <a:buNone/>
+            </a:pPr>
+            <a:r>
+              <a:rPr lang="en"/>
+              <a:t>Intro - Zach</a:t>
+            </a:r>
+            <a:endParaRPr/>
+          </a:p>
+          <a:p>
+            <a:pPr indent="0" lvl="0" marL="0" rtl="0" algn="l">
+              <a:spcBef>
+                <a:spcPts val="1200"/>
+              </a:spcBef>
+              <a:spcAft>
+                <a:spcPts val="0"/>
+              </a:spcAft>
+              <a:buNone/>
+            </a:pPr>
+            <a:r>
+              <a:rPr lang="en"/>
+              <a:t>Background - Alec</a:t>
+            </a:r>
+            <a:endParaRPr/>
+          </a:p>
+          <a:p>
+            <a:pPr indent="0" lvl="0" marL="0" rtl="0" algn="l">
+              <a:spcBef>
+                <a:spcPts val="1200"/>
+              </a:spcBef>
+              <a:spcAft>
+                <a:spcPts val="0"/>
+              </a:spcAft>
+              <a:buNone/>
+            </a:pPr>
+            <a:r>
+              <a:rPr lang="en"/>
+              <a:t>Data - Zach</a:t>
+            </a:r>
+            <a:endParaRPr/>
+          </a:p>
+          <a:p>
+            <a:pPr indent="0" lvl="0" marL="0" rtl="0" algn="l">
+              <a:spcBef>
+                <a:spcPts val="1200"/>
+              </a:spcBef>
+              <a:spcAft>
+                <a:spcPts val="0"/>
+              </a:spcAft>
+              <a:buNone/>
+            </a:pPr>
+            <a:r>
+              <a:rPr lang="en"/>
+              <a:t>motivation/model - Alec  - combining with background to save time - should we skip model intro?</a:t>
+            </a:r>
+            <a:endParaRPr/>
+          </a:p>
+          <a:p>
+            <a:pPr indent="0" lvl="0" marL="0" rtl="0" algn="l">
+              <a:spcBef>
+                <a:spcPts val="1200"/>
+              </a:spcBef>
+              <a:spcAft>
+                <a:spcPts val="0"/>
+              </a:spcAft>
+              <a:buNone/>
+            </a:pPr>
+            <a:r>
+              <a:rPr lang="en"/>
+              <a:t>Bert models - Zach</a:t>
+            </a:r>
+            <a:endParaRPr/>
+          </a:p>
+          <a:p>
+            <a:pPr indent="0" lvl="0" marL="0" rtl="0" algn="l">
+              <a:spcBef>
+                <a:spcPts val="1200"/>
+              </a:spcBef>
+              <a:spcAft>
+                <a:spcPts val="0"/>
+              </a:spcAft>
+              <a:buNone/>
+            </a:pPr>
+            <a:r>
+              <a:rPr lang="en"/>
+              <a:t>Coref - Alec</a:t>
+            </a:r>
+            <a:endParaRPr/>
+          </a:p>
+          <a:p>
+            <a:pPr indent="0" lvl="0" marL="0" rtl="0" algn="l">
+              <a:spcBef>
+                <a:spcPts val="1200"/>
+              </a:spcBef>
+              <a:spcAft>
+                <a:spcPts val="0"/>
+              </a:spcAft>
+              <a:buNone/>
+            </a:pPr>
+            <a:r>
+              <a:rPr lang="en"/>
+              <a:t>results/discussion - Zach</a:t>
+            </a:r>
+            <a:endParaRPr/>
+          </a:p>
+          <a:p>
+            <a:pPr indent="0" lvl="0" marL="0" rtl="0" algn="l">
+              <a:spcBef>
+                <a:spcPts val="1200"/>
+              </a:spcBef>
+              <a:spcAft>
+                <a:spcPts val="1200"/>
+              </a:spcAft>
+              <a:buNone/>
+            </a:pPr>
+            <a:r>
+              <a:rPr lang="en"/>
+              <a:t>Future work/recap - Alec</a:t>
+            </a:r>
+            <a:endParaRPr/>
+          </a:p>
+        </p:txBody>
+      </p:sp>
+    </p:spTree>
+  </p:cSld>
+  <p:clrMapOvr>
+    <a:masterClrMapping/>
+  </p:clrMapOvr>
+</p:sld>
+</file>
+
+<file path=ppt/slides/slide3.xml><?xml version="1.0" encoding="utf-8"?>
+<p:sld xmlns:a="http://schemas.openxmlformats.org/drawingml/2006/main" xmlns:r="http://schemas.openxmlformats.org/officeDocument/2006/relationships" xmlns:mc="http://schemas.openxmlformats.org/markup-compatibility/2006" xmlns:mv="urn:schemas-microsoft-com:mac:vml" xmlns:p="http://schemas.openxmlformats.org/presentationml/2006/main" xmlns:c="http://schemas.openxmlformats.org/drawingml/2006/chart" xmlns:dgm="http://schemas.openxmlformats.org/drawingml/2006/diagram" xmlns:o="urn:schemas-microsoft-com:office:office" xmlns:v="urn:schemas-microsoft-com:vml" xmlns:pvml="urn:schemas-microsoft-com:office:powerpoint" xmlns:com="http://schemas.openxmlformats.org/drawingml/2006/compatibility" xmlns:p14="http://schemas.microsoft.com/office/powerpoint/2010/main" xmlns:p15="http://schemas.microsoft.com/office/powerpoint/2012/main" xmlns:ahyp="http://schemas.microsoft.com/office/drawing/2018/hyperlinkcolor">
+  <p:cSld>
+    <p:spTree>
+      <p:nvGrpSpPr>
+        <p:cNvPr id="288" name="Shape 288"/>
+        <p:cNvGrpSpPr/>
+        <p:nvPr/>
+      </p:nvGrpSpPr>
+      <p:grpSpPr>
+        <a:xfrm>
+          <a:off x="0" y="0"/>
+          <a:ext cx="0" cy="0"/>
+          <a:chOff x="0" y="0"/>
+          <a:chExt cx="0" cy="0"/>
+        </a:xfrm>
+      </p:grpSpPr>
+      <p:sp>
+        <p:nvSpPr>
+          <p:cNvPr id="289" name="Google Shape;289;p15"/>
+          <p:cNvSpPr txBox="1"/>
+          <p:nvPr>
+            <p:ph type="title"/>
+          </p:nvPr>
+        </p:nvSpPr>
+        <p:spPr>
+          <a:xfrm>
+            <a:off x="1303800" y="598575"/>
+            <a:ext cx="3969000" cy="1202100"/>
+          </a:xfrm>
+          <a:prstGeom prst="rect">
+            <a:avLst/>
+          </a:prstGeom>
+        </p:spPr>
+        <p:txBody>
+          <a:bodyPr anchorCtr="0" anchor="t" bIns="91425" lIns="91425" spcFirstLastPara="1" rIns="91425" wrap="square" tIns="91425">
+            <a:normAutofit/>
+          </a:bodyPr>
+          <a:lstStyle/>
+          <a:p>
+            <a:pPr indent="0" lvl="0" marL="0" rtl="0" algn="l">
+              <a:spcBef>
+                <a:spcPts val="0"/>
+              </a:spcBef>
+              <a:spcAft>
+                <a:spcPts val="0"/>
+              </a:spcAft>
+              <a:buNone/>
+            </a:pPr>
+            <a:r>
+              <a:rPr lang="en" sz="3100"/>
+              <a:t>The Bechdel Test</a:t>
+            </a:r>
+            <a:endParaRPr sz="3100"/>
+          </a:p>
+          <a:p>
+            <a:pPr indent="0" lvl="0" marL="0" rtl="0" algn="l">
+              <a:spcBef>
+                <a:spcPts val="0"/>
+              </a:spcBef>
+              <a:spcAft>
+                <a:spcPts val="0"/>
+              </a:spcAft>
+              <a:buNone/>
+            </a:pPr>
+            <a:r>
+              <a:rPr lang="en" sz="800"/>
+              <a:t>-&gt;</a:t>
+            </a:r>
+            <a:r>
+              <a:rPr b="0" lang="en" sz="800">
+                <a:solidFill>
+                  <a:srgbClr val="000000"/>
+                </a:solidFill>
+                <a:latin typeface="Arial"/>
+                <a:ea typeface="Arial"/>
+                <a:cs typeface="Arial"/>
+                <a:sym typeface="Arial"/>
+              </a:rPr>
+              <a:t>Web comic, </a:t>
+            </a:r>
+            <a:r>
+              <a:rPr b="0" lang="en" sz="800" u="sng">
+                <a:solidFill>
+                  <a:srgbClr val="1155CC"/>
+                </a:solidFill>
+                <a:latin typeface="Arial"/>
+                <a:ea typeface="Arial"/>
+                <a:cs typeface="Arial"/>
+                <a:sym typeface="Arial"/>
+                <a:hlinkClick r:id="rId3">
+                  <a:extLst>
+                    <a:ext uri="{A12FA001-AC4F-418D-AE19-62706E023703}">
+                      <ahyp:hlinkClr val="tx"/>
+                    </a:ext>
+                  </a:extLst>
+                </a:hlinkClick>
+              </a:rPr>
+              <a:t>Dykes to Watch Out For</a:t>
+            </a:r>
+            <a:endParaRPr sz="800"/>
+          </a:p>
+        </p:txBody>
+      </p:sp>
+      <p:sp>
+        <p:nvSpPr>
+          <p:cNvPr id="290" name="Google Shape;290;p15"/>
+          <p:cNvSpPr txBox="1"/>
+          <p:nvPr>
+            <p:ph idx="1" type="body"/>
+          </p:nvPr>
+        </p:nvSpPr>
+        <p:spPr>
+          <a:xfrm>
+            <a:off x="1303800" y="1990050"/>
+            <a:ext cx="3268200" cy="2541600"/>
+          </a:xfrm>
+          <a:prstGeom prst="rect">
+            <a:avLst/>
+          </a:prstGeom>
+        </p:spPr>
+        <p:txBody>
+          <a:bodyPr anchorCtr="0" anchor="t" bIns="91425" lIns="91425" spcFirstLastPara="1" rIns="91425" wrap="square" tIns="91425">
+            <a:normAutofit/>
+          </a:bodyPr>
+          <a:lstStyle/>
+          <a:p>
+            <a:pPr indent="457200" lvl="0" marL="0" rtl="0" algn="l">
+              <a:spcBef>
+                <a:spcPts val="0"/>
+              </a:spcBef>
+              <a:spcAft>
+                <a:spcPts val="0"/>
+              </a:spcAft>
+              <a:buNone/>
+            </a:pPr>
+            <a:r>
+              <a:rPr b="1" lang="en"/>
+              <a:t>“</a:t>
+            </a:r>
+            <a:r>
+              <a:rPr b="1" lang="en"/>
+              <a:t>The Rule”</a:t>
+            </a:r>
+            <a:endParaRPr b="1"/>
+          </a:p>
+          <a:p>
+            <a:pPr indent="-311150" lvl="0" marL="457200" rtl="0" algn="l">
+              <a:spcBef>
+                <a:spcPts val="1200"/>
+              </a:spcBef>
+              <a:spcAft>
+                <a:spcPts val="0"/>
+              </a:spcAft>
+              <a:buSzPts val="1300"/>
+              <a:buChar char="-"/>
+            </a:pPr>
+            <a:r>
+              <a:rPr lang="en"/>
+              <a:t>Alison Bechdel</a:t>
+            </a:r>
+            <a:endParaRPr/>
+          </a:p>
+          <a:p>
+            <a:pPr indent="-311150" lvl="0" marL="457200" rtl="0" algn="l">
+              <a:spcBef>
+                <a:spcPts val="0"/>
+              </a:spcBef>
+              <a:spcAft>
+                <a:spcPts val="0"/>
+              </a:spcAft>
+              <a:buSzPts val="1300"/>
+              <a:buChar char="-"/>
+            </a:pPr>
+            <a:r>
+              <a:rPr lang="en"/>
+              <a:t>1985</a:t>
+            </a:r>
+            <a:endParaRPr/>
+          </a:p>
+          <a:p>
+            <a:pPr indent="-311150" lvl="0" marL="457200" rtl="0" algn="l">
+              <a:spcBef>
+                <a:spcPts val="0"/>
+              </a:spcBef>
+              <a:spcAft>
+                <a:spcPts val="0"/>
+              </a:spcAft>
+              <a:buSzPts val="1300"/>
+              <a:buChar char="-"/>
+            </a:pPr>
+            <a:r>
+              <a:rPr lang="en"/>
+              <a:t>3 criteria</a:t>
+            </a:r>
+            <a:endParaRPr/>
+          </a:p>
+          <a:p>
+            <a:pPr indent="-298450" lvl="1" marL="1085850" rtl="0" algn="l">
+              <a:spcBef>
+                <a:spcPts val="0"/>
+              </a:spcBef>
+              <a:spcAft>
+                <a:spcPts val="0"/>
+              </a:spcAft>
+              <a:buSzPts val="1100"/>
+              <a:buChar char="-"/>
+            </a:pPr>
+            <a:r>
+              <a:rPr lang="en"/>
+              <a:t>Must have two named female </a:t>
+            </a:r>
+            <a:r>
+              <a:rPr lang="en"/>
+              <a:t>characters</a:t>
+            </a:r>
+            <a:r>
+              <a:rPr lang="en"/>
+              <a:t>.</a:t>
+            </a:r>
+            <a:endParaRPr/>
+          </a:p>
+          <a:p>
+            <a:pPr indent="-298450" lvl="1" marL="1085850" rtl="0" algn="l">
+              <a:spcBef>
+                <a:spcPts val="0"/>
+              </a:spcBef>
+              <a:spcAft>
+                <a:spcPts val="0"/>
+              </a:spcAft>
+              <a:buSzPts val="1100"/>
+              <a:buChar char="-"/>
+            </a:pPr>
+            <a:r>
+              <a:rPr lang="en"/>
+              <a:t>The two characters have to talk to each other.</a:t>
+            </a:r>
+            <a:endParaRPr/>
+          </a:p>
+          <a:p>
+            <a:pPr indent="-298450" lvl="1" marL="1085850" rtl="0" algn="l">
+              <a:spcBef>
+                <a:spcPts val="0"/>
+              </a:spcBef>
+              <a:spcAft>
+                <a:spcPts val="0"/>
+              </a:spcAft>
+              <a:buSzPts val="1100"/>
+              <a:buChar char="-"/>
+            </a:pPr>
+            <a:r>
+              <a:rPr lang="en"/>
+              <a:t>And they must discuss something other than a man.</a:t>
+            </a:r>
+            <a:endParaRPr/>
+          </a:p>
+        </p:txBody>
+      </p:sp>
+      <p:pic>
+        <p:nvPicPr>
+          <p:cNvPr id="291" name="Google Shape;291;p15"/>
+          <p:cNvPicPr preferRelativeResize="0"/>
+          <p:nvPr/>
+        </p:nvPicPr>
+        <p:blipFill>
+          <a:blip r:embed="rId4">
+            <a:alphaModFix/>
+          </a:blip>
+          <a:stretch>
+            <a:fillRect/>
+          </a:stretch>
+        </p:blipFill>
+        <p:spPr>
+          <a:xfrm>
+            <a:off x="5272725" y="0"/>
+            <a:ext cx="3871284" cy="5143500"/>
+          </a:xfrm>
+          <a:prstGeom prst="rect">
+            <a:avLst/>
+          </a:prstGeom>
+          <a:noFill/>
+          <a:ln>
+            <a:noFill/>
+          </a:ln>
+        </p:spPr>
+      </p:pic>
+    </p:spTree>
+  </p:cSld>
+  <p:clrMapOvr>
+    <a:masterClrMapping/>
+  </p:clrMapOvr>
+</p:sld>
+</file>
+
+<file path=ppt/slides/slide4.xml><?xml version="1.0" encoding="utf-8"?>
+<p:sld xmlns:a="http://schemas.openxmlformats.org/drawingml/2006/main" xmlns:r="http://schemas.openxmlformats.org/officeDocument/2006/relationships" xmlns:mc="http://schemas.openxmlformats.org/markup-compatibility/2006" xmlns:mv="urn:schemas-microsoft-com:mac:vml" xmlns:p="http://schemas.openxmlformats.org/presentationml/2006/main" xmlns:c="http://schemas.openxmlformats.org/drawingml/2006/chart" xmlns:dgm="http://schemas.openxmlformats.org/drawingml/2006/diagram" xmlns:o="urn:schemas-microsoft-com:office:office" xmlns:v="urn:schemas-microsoft-com:vml" xmlns:pvml="urn:schemas-microsoft-com:office:powerpoint" xmlns:com="http://schemas.openxmlformats.org/drawingml/2006/compatibility" xmlns:p14="http://schemas.microsoft.com/office/powerpoint/2010/main" xmlns:p15="http://schemas.microsoft.com/office/powerpoint/2012/main" xmlns:ahyp="http://schemas.microsoft.com/office/drawing/2018/hyperlinkcolor">
+  <p:cSld>
+    <p:spTree>
+      <p:nvGrpSpPr>
+        <p:cNvPr id="295" name="Shape 295"/>
+        <p:cNvGrpSpPr/>
+        <p:nvPr/>
+      </p:nvGrpSpPr>
+      <p:grpSpPr>
+        <a:xfrm>
+          <a:off x="0" y="0"/>
+          <a:ext cx="0" cy="0"/>
+          <a:chOff x="0" y="0"/>
+          <a:chExt cx="0" cy="0"/>
+        </a:xfrm>
+      </p:grpSpPr>
+      <p:sp>
+        <p:nvSpPr>
+          <p:cNvPr id="296" name="Google Shape;296;p16"/>
+          <p:cNvSpPr txBox="1"/>
+          <p:nvPr>
+            <p:ph type="title"/>
+          </p:nvPr>
+        </p:nvSpPr>
+        <p:spPr>
+          <a:xfrm>
+            <a:off x="1303800" y="598575"/>
+            <a:ext cx="7030500" cy="999300"/>
+          </a:xfrm>
+          <a:prstGeom prst="rect">
+            <a:avLst/>
+          </a:prstGeom>
+        </p:spPr>
+        <p:txBody>
+          <a:bodyPr anchorCtr="0" anchor="t" bIns="91425" lIns="91425" spcFirstLastPara="1" rIns="91425" wrap="square" tIns="91425">
+            <a:normAutofit/>
+          </a:bodyPr>
+          <a:lstStyle/>
+          <a:p>
+            <a:pPr indent="0" lvl="0" marL="0" rtl="0" algn="l">
+              <a:spcBef>
+                <a:spcPts val="0"/>
+              </a:spcBef>
+              <a:spcAft>
+                <a:spcPts val="0"/>
+              </a:spcAft>
+              <a:buNone/>
+            </a:pPr>
+            <a:r>
+              <a:rPr lang="en"/>
+              <a:t>Background/Motivation</a:t>
+            </a:r>
+            <a:endParaRPr/>
+          </a:p>
+        </p:txBody>
+      </p:sp>
+      <p:sp>
+        <p:nvSpPr>
+          <p:cNvPr id="297" name="Google Shape;297;p16"/>
+          <p:cNvSpPr txBox="1"/>
+          <p:nvPr>
+            <p:ph idx="1" type="body"/>
+          </p:nvPr>
+        </p:nvSpPr>
+        <p:spPr>
+          <a:xfrm>
+            <a:off x="433000" y="1597875"/>
+            <a:ext cx="4328400" cy="3414300"/>
+          </a:xfrm>
+          <a:prstGeom prst="rect">
+            <a:avLst/>
+          </a:prstGeom>
+        </p:spPr>
+        <p:txBody>
+          <a:bodyPr anchorCtr="0" anchor="t" bIns="91425" lIns="91425" spcFirstLastPara="1" rIns="91425" wrap="square" tIns="91425">
+            <a:normAutofit fontScale="92500" lnSpcReduction="20000"/>
+          </a:bodyPr>
+          <a:lstStyle/>
+          <a:p>
+            <a:pPr indent="0" lvl="0" marL="0" rtl="0" algn="l">
+              <a:spcBef>
+                <a:spcPts val="0"/>
+              </a:spcBef>
+              <a:spcAft>
+                <a:spcPts val="0"/>
+              </a:spcAft>
+              <a:buNone/>
+            </a:pPr>
+            <a:r>
+              <a:rPr lang="en"/>
+              <a:t>Why is the Bechdel Test important?</a:t>
+            </a:r>
+            <a:endParaRPr/>
+          </a:p>
+          <a:p>
+            <a:pPr indent="-304958" lvl="0" marL="457200" rtl="0" algn="l">
+              <a:spcBef>
+                <a:spcPts val="1200"/>
+              </a:spcBef>
+              <a:spcAft>
+                <a:spcPts val="0"/>
+              </a:spcAft>
+              <a:buSzPct val="100000"/>
+              <a:buAutoNum type="arabicPeriod"/>
+            </a:pPr>
+            <a:r>
+              <a:rPr lang="en"/>
+              <a:t>Simple measure of women’s representation in film</a:t>
+            </a:r>
+            <a:endParaRPr/>
+          </a:p>
+          <a:p>
+            <a:pPr indent="-304958" lvl="0" marL="457200" rtl="0" algn="l">
+              <a:spcBef>
+                <a:spcPts val="0"/>
+              </a:spcBef>
+              <a:spcAft>
+                <a:spcPts val="0"/>
+              </a:spcAft>
+              <a:buSzPct val="100000"/>
+              <a:buAutoNum type="arabicPeriod"/>
+            </a:pPr>
+            <a:r>
+              <a:rPr lang="en"/>
+              <a:t>Tracks gender equity in film over time</a:t>
+            </a:r>
+            <a:endParaRPr/>
+          </a:p>
+          <a:p>
+            <a:pPr indent="-304958" lvl="0" marL="914400" rtl="0" algn="l">
+              <a:spcBef>
+                <a:spcPts val="0"/>
+              </a:spcBef>
+              <a:spcAft>
+                <a:spcPts val="0"/>
+              </a:spcAft>
+              <a:buSzPct val="100000"/>
+              <a:buChar char="-"/>
+            </a:pPr>
+            <a:r>
+              <a:rPr lang="en"/>
+              <a:t>Reverse Bechdel Test passes 95% (2023)</a:t>
+            </a:r>
+            <a:endParaRPr/>
+          </a:p>
+          <a:p>
+            <a:pPr indent="-304958" lvl="0" marL="457200" rtl="0" algn="l">
+              <a:spcBef>
+                <a:spcPts val="0"/>
+              </a:spcBef>
+              <a:spcAft>
+                <a:spcPts val="0"/>
+              </a:spcAft>
+              <a:buSzPct val="100000"/>
+              <a:buAutoNum type="arabicPeriod"/>
+            </a:pPr>
+            <a:r>
+              <a:rPr lang="en"/>
+              <a:t>High association with ROI + IMDb Scores- </a:t>
+            </a:r>
+            <a:endParaRPr/>
+          </a:p>
+          <a:p>
+            <a:pPr indent="-304958" lvl="0" marL="914400" rtl="0" algn="l">
+              <a:spcBef>
+                <a:spcPts val="0"/>
+              </a:spcBef>
+              <a:spcAft>
+                <a:spcPts val="0"/>
+              </a:spcAft>
+              <a:buSzPct val="100000"/>
+              <a:buChar char="-"/>
+            </a:pPr>
+            <a:r>
+              <a:rPr lang="en"/>
+              <a:t>Hickey (2014) and Appel, Gnambs (2023)</a:t>
+            </a:r>
+            <a:endParaRPr/>
+          </a:p>
+          <a:p>
+            <a:pPr indent="0" lvl="0" marL="0" rtl="0" algn="l">
+              <a:spcBef>
+                <a:spcPts val="1200"/>
+              </a:spcBef>
+              <a:spcAft>
+                <a:spcPts val="0"/>
+              </a:spcAft>
+              <a:buNone/>
+            </a:pPr>
+            <a:br>
+              <a:rPr lang="en"/>
+            </a:br>
+            <a:r>
+              <a:rPr b="1" lang="en"/>
+              <a:t>Automation can improve the efficiency and accuracy for humans scoring the criteria</a:t>
+            </a:r>
+            <a:endParaRPr b="1"/>
+          </a:p>
+          <a:p>
+            <a:pPr indent="0" lvl="0" marL="0" rtl="0" algn="l">
+              <a:spcBef>
+                <a:spcPts val="1200"/>
+              </a:spcBef>
+              <a:spcAft>
+                <a:spcPts val="0"/>
+              </a:spcAft>
+              <a:buNone/>
+            </a:pPr>
+            <a:r>
+              <a:rPr lang="en"/>
+              <a:t>Disclaimers: </a:t>
+            </a:r>
+            <a:endParaRPr/>
+          </a:p>
+          <a:p>
+            <a:pPr indent="-304958" lvl="0" marL="457200" rtl="0" algn="l">
+              <a:spcBef>
+                <a:spcPts val="1200"/>
+              </a:spcBef>
+              <a:spcAft>
+                <a:spcPts val="0"/>
+              </a:spcAft>
+              <a:buSzPct val="100000"/>
+              <a:buAutoNum type="arabicPeriod"/>
+            </a:pPr>
+            <a:r>
+              <a:rPr lang="en"/>
+              <a:t>This test categories gender into a binary, which is not representative of non-binary and other gender diverse individuals</a:t>
+            </a:r>
+            <a:endParaRPr/>
+          </a:p>
+          <a:p>
+            <a:pPr indent="-304958" lvl="0" marL="457200" rtl="0" algn="l">
+              <a:spcBef>
+                <a:spcPts val="0"/>
+              </a:spcBef>
+              <a:spcAft>
+                <a:spcPts val="0"/>
+              </a:spcAft>
+              <a:buSzPct val="100000"/>
+              <a:buAutoNum type="arabicPeriod"/>
+            </a:pPr>
+            <a:r>
+              <a:rPr lang="en"/>
+              <a:t>This test is only one metric of women’s representation in film, and is not all encompassing </a:t>
+            </a:r>
+            <a:endParaRPr/>
+          </a:p>
+        </p:txBody>
+      </p:sp>
+      <p:pic>
+        <p:nvPicPr>
+          <p:cNvPr id="298" name="Google Shape;298;p16"/>
+          <p:cNvPicPr preferRelativeResize="0"/>
+          <p:nvPr/>
+        </p:nvPicPr>
+        <p:blipFill>
+          <a:blip r:embed="rId3">
+            <a:alphaModFix/>
+          </a:blip>
+          <a:stretch>
+            <a:fillRect/>
+          </a:stretch>
+        </p:blipFill>
+        <p:spPr>
+          <a:xfrm>
+            <a:off x="4913700" y="1436650"/>
+            <a:ext cx="3862701" cy="3143900"/>
+          </a:xfrm>
+          <a:prstGeom prst="rect">
+            <a:avLst/>
+          </a:prstGeom>
+          <a:noFill/>
+          <a:ln>
+            <a:noFill/>
+          </a:ln>
+        </p:spPr>
+      </p:pic>
+    </p:spTree>
+  </p:cSld>
+  <p:clrMapOvr>
+    <a:masterClrMapping/>
+  </p:clrMapOvr>
+</p:sld>
+</file>
+
+<file path=ppt/slides/slide5.xml><?xml version="1.0" encoding="utf-8"?>
+<p:sld xmlns:a="http://schemas.openxmlformats.org/drawingml/2006/main" xmlns:r="http://schemas.openxmlformats.org/officeDocument/2006/relationships" xmlns:mc="http://schemas.openxmlformats.org/markup-compatibility/2006" xmlns:mv="urn:schemas-microsoft-com:mac:vml" xmlns:p="http://schemas.openxmlformats.org/presentationml/2006/main" xmlns:c="http://schemas.openxmlformats.org/drawingml/2006/chart" xmlns:dgm="http://schemas.openxmlformats.org/drawingml/2006/diagram" xmlns:o="urn:schemas-microsoft-com:office:office" xmlns:v="urn:schemas-microsoft-com:vml" xmlns:pvml="urn:schemas-microsoft-com:office:powerpoint" xmlns:com="http://schemas.openxmlformats.org/drawingml/2006/compatibility" xmlns:p14="http://schemas.microsoft.com/office/powerpoint/2010/main" xmlns:p15="http://schemas.microsoft.com/office/powerpoint/2012/main" xmlns:ahyp="http://schemas.microsoft.com/office/drawing/2018/hyperlinkcolor">
+  <p:cSld>
+    <p:spTree>
+      <p:nvGrpSpPr>
+        <p:cNvPr id="302" name="Shape 302"/>
+        <p:cNvGrpSpPr/>
+        <p:nvPr/>
+      </p:nvGrpSpPr>
+      <p:grpSpPr>
+        <a:xfrm>
+          <a:off x="0" y="0"/>
+          <a:ext cx="0" cy="0"/>
+          <a:chOff x="0" y="0"/>
+          <a:chExt cx="0" cy="0"/>
+        </a:xfrm>
+      </p:grpSpPr>
+      <p:sp>
+        <p:nvSpPr>
+          <p:cNvPr id="303" name="Google Shape;303;p17"/>
+          <p:cNvSpPr txBox="1"/>
+          <p:nvPr>
+            <p:ph type="title"/>
+          </p:nvPr>
+        </p:nvSpPr>
+        <p:spPr>
+          <a:xfrm>
+            <a:off x="1303800" y="598575"/>
+            <a:ext cx="7030500" cy="999300"/>
+          </a:xfrm>
+          <a:prstGeom prst="rect">
+            <a:avLst/>
+          </a:prstGeom>
+        </p:spPr>
+        <p:txBody>
+          <a:bodyPr anchorCtr="0" anchor="t" bIns="91425" lIns="91425" spcFirstLastPara="1" rIns="91425" wrap="square" tIns="91425">
+            <a:normAutofit/>
+          </a:bodyPr>
+          <a:lstStyle/>
+          <a:p>
+            <a:pPr indent="0" lvl="0" marL="0" rtl="0" algn="l">
+              <a:spcBef>
+                <a:spcPts val="0"/>
+              </a:spcBef>
+              <a:spcAft>
+                <a:spcPts val="0"/>
+              </a:spcAft>
+              <a:buNone/>
+            </a:pPr>
+            <a:r>
+              <a:rPr lang="en"/>
+              <a:t>Data</a:t>
+            </a:r>
+            <a:endParaRPr/>
+          </a:p>
+          <a:p>
+            <a:pPr indent="0" lvl="0" marL="0" rtl="0" algn="l">
+              <a:spcBef>
+                <a:spcPts val="0"/>
+              </a:spcBef>
+              <a:spcAft>
+                <a:spcPts val="0"/>
+              </a:spcAft>
+              <a:buNone/>
+            </a:pPr>
+            <a:r>
+              <a:rPr lang="en" sz="850"/>
+              <a:t>-&gt; Original Data: </a:t>
+            </a:r>
+            <a:r>
+              <a:rPr b="0" lang="en" sz="1100" u="sng">
+                <a:solidFill>
+                  <a:schemeClr val="hlink"/>
+                </a:solidFill>
+                <a:latin typeface="Arial"/>
+                <a:ea typeface="Arial"/>
+                <a:cs typeface="Arial"/>
+                <a:sym typeface="Arial"/>
+                <a:hlinkClick r:id="rId3"/>
+              </a:rPr>
+              <a:t>https://huggingface.co/datasets/mocboch/movie_scripts/tree/main</a:t>
+            </a:r>
+            <a:endParaRPr sz="850"/>
+          </a:p>
+        </p:txBody>
+      </p:sp>
+      <p:sp>
+        <p:nvSpPr>
+          <p:cNvPr id="304" name="Google Shape;304;p17"/>
+          <p:cNvSpPr txBox="1"/>
+          <p:nvPr>
+            <p:ph idx="1" type="body"/>
+          </p:nvPr>
+        </p:nvSpPr>
+        <p:spPr>
+          <a:xfrm>
+            <a:off x="1303800" y="1990050"/>
+            <a:ext cx="3942900" cy="3153300"/>
+          </a:xfrm>
+          <a:prstGeom prst="rect">
+            <a:avLst/>
+          </a:prstGeom>
+        </p:spPr>
+        <p:txBody>
+          <a:bodyPr anchorCtr="0" anchor="t" bIns="91425" lIns="91425" spcFirstLastPara="1" rIns="91425" wrap="square" tIns="91425">
+            <a:normAutofit/>
+          </a:bodyPr>
+          <a:lstStyle/>
+          <a:p>
+            <a:pPr indent="-311150" lvl="0" marL="457200" rtl="0" algn="l">
+              <a:spcBef>
+                <a:spcPts val="0"/>
+              </a:spcBef>
+              <a:spcAft>
+                <a:spcPts val="0"/>
+              </a:spcAft>
+              <a:buSzPts val="1300"/>
+              <a:buChar char="-"/>
+            </a:pPr>
+            <a:r>
+              <a:rPr lang="en"/>
+              <a:t>Raw Data:</a:t>
+            </a:r>
+            <a:endParaRPr/>
+          </a:p>
+          <a:p>
+            <a:pPr indent="-298450" lvl="1" marL="914400" rtl="0" algn="l">
+              <a:spcBef>
+                <a:spcPts val="0"/>
+              </a:spcBef>
+              <a:spcAft>
+                <a:spcPts val="0"/>
+              </a:spcAft>
+              <a:buSzPts val="1100"/>
+              <a:buChar char="-"/>
+            </a:pPr>
+            <a:r>
+              <a:rPr lang="en"/>
+              <a:t>426 movie scripts, each with a corresponding rating (0 to 3)</a:t>
+            </a:r>
+            <a:endParaRPr/>
+          </a:p>
+          <a:p>
+            <a:pPr indent="-298450" lvl="1" marL="914400" rtl="0" algn="l">
+              <a:spcBef>
+                <a:spcPts val="0"/>
+              </a:spcBef>
+              <a:spcAft>
+                <a:spcPts val="0"/>
+              </a:spcAft>
+              <a:buSzPts val="1100"/>
+              <a:buChar char="-"/>
+            </a:pPr>
+            <a:r>
+              <a:rPr lang="en"/>
+              <a:t>Movie scripts pulled from IMSDb (</a:t>
+            </a:r>
+            <a:r>
+              <a:rPr lang="en" u="sng">
+                <a:solidFill>
+                  <a:schemeClr val="hlink"/>
+                </a:solidFill>
+                <a:hlinkClick r:id="rId4"/>
+              </a:rPr>
+              <a:t>Internet Movie Script Database</a:t>
+            </a:r>
+            <a:r>
+              <a:rPr lang="en"/>
+              <a:t>)</a:t>
+            </a:r>
+            <a:endParaRPr/>
+          </a:p>
+          <a:p>
+            <a:pPr indent="-298450" lvl="1" marL="914400" rtl="0" algn="l">
+              <a:spcBef>
+                <a:spcPts val="0"/>
+              </a:spcBef>
+              <a:spcAft>
+                <a:spcPts val="0"/>
+              </a:spcAft>
+              <a:buSzPts val="1100"/>
+              <a:buChar char="-"/>
+            </a:pPr>
+            <a:r>
+              <a:rPr lang="en"/>
+              <a:t>Ratings are pulled from </a:t>
+            </a:r>
+            <a:r>
+              <a:rPr lang="en" u="sng">
+                <a:solidFill>
+                  <a:schemeClr val="hlink"/>
+                </a:solidFill>
+                <a:hlinkClick r:id="rId5"/>
+              </a:rPr>
+              <a:t>bechdeltest.com</a:t>
+            </a:r>
+            <a:endParaRPr/>
+          </a:p>
+          <a:p>
+            <a:pPr indent="-311150" lvl="0" marL="457200" rtl="0" algn="l">
+              <a:spcBef>
+                <a:spcPts val="0"/>
+              </a:spcBef>
+              <a:spcAft>
+                <a:spcPts val="0"/>
+              </a:spcAft>
+              <a:buSzPts val="1300"/>
+              <a:buChar char="-"/>
+            </a:pPr>
+            <a:r>
+              <a:rPr lang="en"/>
+              <a:t>Parser</a:t>
+            </a:r>
+            <a:endParaRPr/>
+          </a:p>
+          <a:p>
+            <a:pPr indent="-298450" lvl="1" marL="914400" rtl="0" algn="l">
+              <a:spcBef>
+                <a:spcPts val="0"/>
+              </a:spcBef>
+              <a:spcAft>
+                <a:spcPts val="0"/>
+              </a:spcAft>
+              <a:buSzPts val="1100"/>
+              <a:buChar char="-"/>
+            </a:pPr>
+            <a:r>
+              <a:rPr lang="en"/>
+              <a:t>Consistent</a:t>
+            </a:r>
+            <a:r>
+              <a:rPr lang="en"/>
+              <a:t> screenplay format issues</a:t>
+            </a:r>
+            <a:endParaRPr/>
+          </a:p>
+          <a:p>
+            <a:pPr indent="-298450" lvl="1" marL="914400" rtl="0" algn="l">
+              <a:spcBef>
+                <a:spcPts val="0"/>
+              </a:spcBef>
+              <a:spcAft>
+                <a:spcPts val="0"/>
+              </a:spcAft>
+              <a:buSzPts val="1100"/>
+              <a:buChar char="-"/>
+            </a:pPr>
+            <a:r>
+              <a:rPr lang="en"/>
+              <a:t>Standardize screenplays</a:t>
+            </a:r>
+            <a:endParaRPr/>
+          </a:p>
+          <a:p>
+            <a:pPr indent="-298450" lvl="2" marL="1371600" rtl="0" algn="l">
+              <a:spcBef>
+                <a:spcPts val="0"/>
+              </a:spcBef>
+              <a:spcAft>
+                <a:spcPts val="0"/>
+              </a:spcAft>
+              <a:buSzPts val="1100"/>
+              <a:buChar char="-"/>
+            </a:pPr>
+            <a:r>
+              <a:rPr lang="en"/>
+              <a:t>Focus on dialogue</a:t>
+            </a:r>
+            <a:endParaRPr/>
+          </a:p>
+          <a:p>
+            <a:pPr indent="-298450" lvl="2" marL="1371600" rtl="0" algn="l">
+              <a:spcBef>
+                <a:spcPts val="0"/>
+              </a:spcBef>
+              <a:spcAft>
+                <a:spcPts val="0"/>
+              </a:spcAft>
+              <a:buSzPts val="1100"/>
+              <a:buChar char="-"/>
+            </a:pPr>
+            <a:r>
+              <a:rPr lang="en"/>
+              <a:t>Scene detection. </a:t>
+            </a:r>
+            <a:endParaRPr/>
+          </a:p>
+          <a:p>
+            <a:pPr indent="0" lvl="0" marL="0" rtl="0" algn="l">
+              <a:spcBef>
+                <a:spcPts val="1200"/>
+              </a:spcBef>
+              <a:spcAft>
+                <a:spcPts val="0"/>
+              </a:spcAft>
+              <a:buNone/>
+            </a:pPr>
+            <a:r>
+              <a:t/>
+            </a:r>
+            <a:endParaRPr/>
+          </a:p>
+          <a:p>
+            <a:pPr indent="0" lvl="0" marL="0" rtl="0" algn="l">
+              <a:spcBef>
+                <a:spcPts val="1200"/>
+              </a:spcBef>
+              <a:spcAft>
+                <a:spcPts val="1200"/>
+              </a:spcAft>
+              <a:buNone/>
+            </a:pPr>
+            <a:r>
+              <a:t/>
+            </a:r>
+            <a:endParaRPr/>
+          </a:p>
+        </p:txBody>
+      </p:sp>
+      <p:pic>
+        <p:nvPicPr>
+          <p:cNvPr id="305" name="Google Shape;305;p17"/>
+          <p:cNvPicPr preferRelativeResize="0"/>
+          <p:nvPr/>
+        </p:nvPicPr>
+        <p:blipFill>
+          <a:blip r:embed="rId6">
+            <a:alphaModFix/>
+          </a:blip>
+          <a:stretch>
+            <a:fillRect/>
+          </a:stretch>
+        </p:blipFill>
+        <p:spPr>
+          <a:xfrm>
+            <a:off x="6201050" y="1416825"/>
+            <a:ext cx="2133250" cy="3387200"/>
+          </a:xfrm>
+          <a:prstGeom prst="rect">
+            <a:avLst/>
+          </a:prstGeom>
+          <a:noFill/>
+          <a:ln cap="flat" cmpd="sng" w="9525">
+            <a:solidFill>
+              <a:schemeClr val="dk2"/>
+            </a:solidFill>
+            <a:prstDash val="solid"/>
+            <a:round/>
+            <a:headEnd len="sm" w="sm" type="none"/>
+            <a:tailEnd len="sm" w="sm" type="none"/>
+          </a:ln>
+        </p:spPr>
+      </p:pic>
+    </p:spTree>
+  </p:cSld>
+  <p:clrMapOvr>
+    <a:masterClrMapping/>
+  </p:clrMapOvr>
+</p:sld>
+</file>
+
+<file path=ppt/slides/slide6.xml><?xml version="1.0" encoding="utf-8"?>
+<p:sld xmlns:a="http://schemas.openxmlformats.org/drawingml/2006/main" xmlns:r="http://schemas.openxmlformats.org/officeDocument/2006/relationships" xmlns:mc="http://schemas.openxmlformats.org/markup-compatibility/2006" xmlns:mv="urn:schemas-microsoft-com:mac:vml" xmlns:p="http://schemas.openxmlformats.org/presentationml/2006/main" xmlns:c="http://schemas.openxmlformats.org/drawingml/2006/chart" xmlns:dgm="http://schemas.openxmlformats.org/drawingml/2006/diagram" xmlns:o="urn:schemas-microsoft-com:office:office" xmlns:v="urn:schemas-microsoft-com:vml" xmlns:pvml="urn:schemas-microsoft-com:office:powerpoint" xmlns:com="http://schemas.openxmlformats.org/drawingml/2006/compatibility" xmlns:p14="http://schemas.microsoft.com/office/powerpoint/2010/main" xmlns:p15="http://schemas.microsoft.com/office/powerpoint/2012/main" xmlns:ahyp="http://schemas.microsoft.com/office/drawing/2018/hyperlinkcolor">
+  <p:cSld>
+    <p:spTree>
+      <p:nvGrpSpPr>
+        <p:cNvPr id="309" name="Shape 309"/>
+        <p:cNvGrpSpPr/>
+        <p:nvPr/>
+      </p:nvGrpSpPr>
+      <p:grpSpPr>
+        <a:xfrm>
+          <a:off x="0" y="0"/>
+          <a:ext cx="0" cy="0"/>
+          <a:chOff x="0" y="0"/>
+          <a:chExt cx="0" cy="0"/>
+        </a:xfrm>
+      </p:grpSpPr>
+      <p:sp>
+        <p:nvSpPr>
+          <p:cNvPr id="310" name="Google Shape;310;p18"/>
+          <p:cNvSpPr txBox="1"/>
+          <p:nvPr>
+            <p:ph type="title"/>
+          </p:nvPr>
+        </p:nvSpPr>
+        <p:spPr>
+          <a:xfrm>
+            <a:off x="1303800" y="598575"/>
+            <a:ext cx="7030500" cy="999300"/>
+          </a:xfrm>
+          <a:prstGeom prst="rect">
+            <a:avLst/>
+          </a:prstGeom>
+        </p:spPr>
+        <p:txBody>
+          <a:bodyPr anchorCtr="0" anchor="t" bIns="91425" lIns="91425" spcFirstLastPara="1" rIns="91425" wrap="square" tIns="91425">
+            <a:normAutofit/>
+          </a:bodyPr>
+          <a:lstStyle/>
+          <a:p>
+            <a:pPr indent="0" lvl="0" marL="0" rtl="0" algn="l">
+              <a:spcBef>
+                <a:spcPts val="0"/>
+              </a:spcBef>
+              <a:spcAft>
+                <a:spcPts val="0"/>
+              </a:spcAft>
+              <a:buNone/>
+            </a:pPr>
+            <a:r>
+              <a:rPr lang="en"/>
+              <a:t>Parser</a:t>
+            </a:r>
+            <a:endParaRPr/>
+          </a:p>
+        </p:txBody>
+      </p:sp>
+      <p:sp>
+        <p:nvSpPr>
+          <p:cNvPr id="311" name="Google Shape;311;p18"/>
+          <p:cNvSpPr txBox="1"/>
+          <p:nvPr>
+            <p:ph idx="1" type="body"/>
+          </p:nvPr>
+        </p:nvSpPr>
+        <p:spPr>
+          <a:xfrm>
+            <a:off x="1303800" y="1990050"/>
+            <a:ext cx="7030500" cy="2541600"/>
+          </a:xfrm>
+          <a:prstGeom prst="rect">
+            <a:avLst/>
+          </a:prstGeom>
+        </p:spPr>
+        <p:txBody>
+          <a:bodyPr anchorCtr="0" anchor="t" bIns="91425" lIns="91425" spcFirstLastPara="1" rIns="91425" wrap="square" tIns="91425">
+            <a:normAutofit/>
+          </a:bodyPr>
+          <a:lstStyle/>
+          <a:p>
+            <a:pPr indent="-311150" lvl="0" marL="457200" rtl="0" algn="l">
+              <a:spcBef>
+                <a:spcPts val="0"/>
+              </a:spcBef>
+              <a:spcAft>
+                <a:spcPts val="0"/>
+              </a:spcAft>
+              <a:buSzPts val="1300"/>
+              <a:buChar char="-"/>
+            </a:pPr>
+            <a:r>
+              <a:rPr lang="en"/>
+              <a:t>Work of Baruah et al.</a:t>
+            </a:r>
+            <a:endParaRPr/>
+          </a:p>
+          <a:p>
+            <a:pPr indent="-298450" lvl="1" marL="914400" rtl="0" algn="l">
+              <a:spcBef>
+                <a:spcPts val="0"/>
+              </a:spcBef>
+              <a:spcAft>
+                <a:spcPts val="0"/>
+              </a:spcAft>
+              <a:buSzPts val="1100"/>
+              <a:buChar char="-"/>
+            </a:pPr>
+            <a:r>
+              <a:rPr lang="en"/>
+              <a:t>Two types of parsers are developed:</a:t>
+            </a:r>
+            <a:endParaRPr/>
+          </a:p>
+          <a:p>
+            <a:pPr indent="-298450" lvl="2" marL="1371600" rtl="0" algn="l">
+              <a:spcBef>
+                <a:spcPts val="0"/>
+              </a:spcBef>
+              <a:spcAft>
+                <a:spcPts val="0"/>
+              </a:spcAft>
+              <a:buSzPts val="1100"/>
+              <a:buChar char="-"/>
+            </a:pPr>
+            <a:r>
+              <a:rPr lang="en"/>
+              <a:t>Rules based</a:t>
+            </a:r>
+            <a:endParaRPr/>
+          </a:p>
+          <a:p>
+            <a:pPr indent="-298450" lvl="2" marL="1371600" rtl="0" algn="l">
+              <a:spcBef>
+                <a:spcPts val="0"/>
+              </a:spcBef>
+              <a:spcAft>
+                <a:spcPts val="0"/>
+              </a:spcAft>
+              <a:buSzPts val="1100"/>
+              <a:buChar char="-"/>
+            </a:pPr>
+            <a:r>
+              <a:rPr lang="en"/>
+              <a:t>Robust</a:t>
+            </a:r>
+            <a:endParaRPr/>
+          </a:p>
+          <a:p>
+            <a:pPr indent="-298450" lvl="1" marL="914400" rtl="0" algn="l">
+              <a:spcBef>
+                <a:spcPts val="0"/>
+              </a:spcBef>
+              <a:spcAft>
+                <a:spcPts val="0"/>
+              </a:spcAft>
+              <a:buSzPts val="1100"/>
+              <a:buChar char="-"/>
+            </a:pPr>
+            <a:r>
+              <a:rPr lang="en"/>
+              <a:t>Robust utilized machine learning</a:t>
+            </a:r>
+            <a:endParaRPr/>
+          </a:p>
+        </p:txBody>
+      </p:sp>
+      <p:pic>
+        <p:nvPicPr>
+          <p:cNvPr id="312" name="Google Shape;312;p18"/>
+          <p:cNvPicPr preferRelativeResize="0"/>
+          <p:nvPr/>
+        </p:nvPicPr>
+        <p:blipFill>
+          <a:blip r:embed="rId3">
+            <a:alphaModFix/>
+          </a:blip>
+          <a:stretch>
+            <a:fillRect/>
+          </a:stretch>
+        </p:blipFill>
+        <p:spPr>
+          <a:xfrm>
+            <a:off x="1143800" y="1121675"/>
+            <a:ext cx="3037074" cy="3697124"/>
+          </a:xfrm>
+          <a:prstGeom prst="rect">
+            <a:avLst/>
+          </a:prstGeom>
+          <a:noFill/>
+          <a:ln cap="flat" cmpd="sng" w="9525">
+            <a:solidFill>
+              <a:schemeClr val="dk2"/>
+            </a:solidFill>
+            <a:prstDash val="solid"/>
+            <a:round/>
+            <a:headEnd len="sm" w="sm" type="none"/>
+            <a:tailEnd len="sm" w="sm" type="none"/>
+          </a:ln>
+        </p:spPr>
+      </p:pic>
+      <p:pic>
+        <p:nvPicPr>
+          <p:cNvPr id="313" name="Google Shape;313;p18"/>
+          <p:cNvPicPr preferRelativeResize="0"/>
+          <p:nvPr/>
+        </p:nvPicPr>
+        <p:blipFill rotWithShape="1">
+          <a:blip r:embed="rId4">
+            <a:alphaModFix/>
+          </a:blip>
+          <a:srcRect b="0" l="0" r="46606" t="0"/>
+          <a:stretch/>
+        </p:blipFill>
+        <p:spPr>
+          <a:xfrm>
+            <a:off x="5291050" y="1121675"/>
+            <a:ext cx="3428201" cy="3697126"/>
+          </a:xfrm>
+          <a:prstGeom prst="rect">
+            <a:avLst/>
+          </a:prstGeom>
+          <a:noFill/>
+          <a:ln cap="flat" cmpd="sng" w="9525">
+            <a:solidFill>
+              <a:schemeClr val="dk2"/>
+            </a:solidFill>
+            <a:prstDash val="solid"/>
+            <a:round/>
+            <a:headEnd len="sm" w="sm" type="none"/>
+            <a:tailEnd len="sm" w="sm" type="none"/>
+          </a:ln>
+        </p:spPr>
+      </p:pic>
+      <p:sp>
+        <p:nvSpPr>
+          <p:cNvPr id="314" name="Google Shape;314;p18"/>
+          <p:cNvSpPr/>
+          <p:nvPr/>
+        </p:nvSpPr>
+        <p:spPr>
+          <a:xfrm>
+            <a:off x="5239425" y="1151200"/>
+            <a:ext cx="243600" cy="3667500"/>
+          </a:xfrm>
+          <a:prstGeom prst="rect">
+            <a:avLst/>
+          </a:prstGeom>
+          <a:noFill/>
+          <a:ln cap="flat" cmpd="sng" w="28575">
+            <a:solidFill>
+              <a:srgbClr val="000000"/>
+            </a:solidFill>
+            <a:prstDash val="solid"/>
+            <a:round/>
+            <a:headEnd len="sm" w="sm" type="none"/>
+            <a:tailEnd len="sm" w="sm" type="none"/>
+          </a:ln>
+        </p:spPr>
+        <p:txBody>
+          <a:bodyPr anchorCtr="0" anchor="ctr" bIns="91425" lIns="91425" spcFirstLastPara="1" rIns="91425" wrap="square" tIns="91425">
+            <a:noAutofit/>
+          </a:bodyPr>
+          <a:lstStyle/>
+          <a:p>
+            <a:pPr indent="0" lvl="0" marL="0" rtl="0" algn="ctr">
+              <a:spcBef>
+                <a:spcPts val="0"/>
+              </a:spcBef>
+              <a:spcAft>
+                <a:spcPts val="0"/>
+              </a:spcAft>
+              <a:buNone/>
+            </a:pPr>
+            <a:r>
+              <a:t/>
+            </a:r>
+            <a:endParaRPr>
+              <a:latin typeface="Nunito"/>
+              <a:ea typeface="Nunito"/>
+              <a:cs typeface="Nunito"/>
+              <a:sym typeface="Nunito"/>
+            </a:endParaRPr>
+          </a:p>
+        </p:txBody>
+      </p:sp>
+    </p:spTree>
+  </p:cSld>
+  <p:clrMapOvr>
+    <a:masterClrMapping/>
+  </p:clrMapOvr>
+  <p:timing>
+    <p:tnLst>
+      <p:par>
+        <p:cTn dur="indefinite" nodeType="tmRoot" restart="never">
+          <p:childTnLst>
+            <p:seq concurrent="1" nextAc="seek">
+              <p:cTn dur="indefinite" id="2" nodeType="mainSeq">
+                <p:childTnLst>
+                  <p:par>
+                    <p:cTn fill="hold">
+                      <p:stCondLst>
+                        <p:cond delay="indefinite"/>
+                      </p:stCondLst>
+                      <p:childTnLst>
+                        <p:par>
+                          <p:cTn fill="hold">
+                            <p:stCondLst>
+                              <p:cond delay="0"/>
+                            </p:stCondLst>
+                            <p:childTnLst>
+                              <p:par>
+                                <p:cTn fill="hold" nodeType="clickEffect" presetClass="exit" presetID="10" presetSubtype="0">
+                                  <p:stCondLst>
+                                    <p:cond delay="0"/>
+                                  </p:stCondLst>
+                                  <p:childTnLst>
+                                    <p:animEffect filter="fade" transition="out">
+                                      <p:cBhvr>
+                                        <p:cTn dur="1000"/>
+                                        <p:tgtEl>
+                                          <p:spTgt spid="311"/>
+                                        </p:tgtEl>
+                                      </p:cBhvr>
+                                    </p:animEffect>
+                                    <p:set>
+                                      <p:cBhvr>
+                                        <p:cTn dur="1" fill="hold">
+                                          <p:stCondLst>
+                                            <p:cond delay="1000"/>
+                                          </p:stCondLst>
+                                        </p:cTn>
+                                        <p:tgtEl>
+                                          <p:spTgt spid="311"/>
+                                        </p:tgtEl>
+                                        <p:attrNameLst>
+                                          <p:attrName>style.visibility</p:attrName>
+                                        </p:attrNameLst>
+                                      </p:cBhvr>
+                                      <p:to>
+                                        <p:strVal val="hidden"/>
+                                      </p:to>
+                                    </p:set>
+                                  </p:childTnLst>
+                                </p:cTn>
+                              </p:par>
+                              <p:par>
+                                <p:cTn fill="hold" nodeType="withEffect" presetClass="entr" presetID="10" presetSubtype="0">
+                                  <p:stCondLst>
+                                    <p:cond delay="0"/>
+                                  </p:stCondLst>
+                                  <p:childTnLst>
+                                    <p:set>
+                                      <p:cBhvr>
+                                        <p:cTn dur="1" fill="hold">
+                                          <p:stCondLst>
+                                            <p:cond delay="0"/>
+                                          </p:stCondLst>
+                                        </p:cTn>
+                                        <p:tgtEl>
+                                          <p:spTgt spid="312"/>
+                                        </p:tgtEl>
+                                        <p:attrNameLst>
+                                          <p:attrName>style.visibility</p:attrName>
+                                        </p:attrNameLst>
+                                      </p:cBhvr>
+                                      <p:to>
+                                        <p:strVal val="visible"/>
+                                      </p:to>
+                                    </p:set>
+                                    <p:animEffect filter="fade" transition="in">
+                                      <p:cBhvr>
+                                        <p:cTn dur="1000"/>
+                                        <p:tgtEl>
+                                          <p:spTgt spid="312"/>
+                                        </p:tgtEl>
+                                      </p:cBhvr>
+                                    </p:animEffect>
+                                  </p:childTnLst>
+                                </p:cTn>
+                              </p:par>
+                            </p:childTnLst>
+                          </p:cTn>
+                        </p:par>
+                      </p:childTnLst>
+                    </p:cTn>
+                  </p:par>
+                  <p:par>
+                    <p:cTn fill="hold">
+                      <p:stCondLst>
+                        <p:cond delay="indefinite"/>
+                      </p:stCondLst>
+                      <p:childTnLst>
+                        <p:par>
+                          <p:cTn fill="hold">
+                            <p:stCondLst>
+                              <p:cond delay="0"/>
+                            </p:stCondLst>
+                            <p:childTnLst>
+                              <p:par>
+                                <p:cTn fill="hold" nodeType="clickEffect" presetClass="entr" presetID="10" presetSubtype="0">
+                                  <p:stCondLst>
+                                    <p:cond delay="0"/>
+                                  </p:stCondLst>
+                                  <p:childTnLst>
+                                    <p:set>
+                                      <p:cBhvr>
+                                        <p:cTn dur="1" fill="hold">
+                                          <p:stCondLst>
+                                            <p:cond delay="0"/>
+                                          </p:stCondLst>
+                                        </p:cTn>
+                                        <p:tgtEl>
+                                          <p:spTgt spid="313"/>
+                                        </p:tgtEl>
+                                        <p:attrNameLst>
+                                          <p:attrName>style.visibility</p:attrName>
+                                        </p:attrNameLst>
+                                      </p:cBhvr>
+                                      <p:to>
+                                        <p:strVal val="visible"/>
+                                      </p:to>
+                                    </p:set>
+                                    <p:animEffect filter="fade" transition="in">
+                                      <p:cBhvr>
+                                        <p:cTn dur="1000"/>
+                                        <p:tgtEl>
+                                          <p:spTgt spid="313"/>
+                                        </p:tgtEl>
+                                      </p:cBhvr>
+                                    </p:animEffect>
+                                  </p:childTnLst>
+                                </p:cTn>
+                              </p:par>
+                            </p:childTnLst>
+                          </p:cTn>
+                        </p:par>
+                      </p:childTnLst>
+                    </p:cTn>
+                  </p:par>
+                  <p:par>
+                    <p:cTn fill="hold">
+                      <p:stCondLst>
+                        <p:cond delay="indefinite"/>
+                      </p:stCondLst>
+                      <p:childTnLst>
+                        <p:par>
+                          <p:cTn fill="hold">
+                            <p:stCondLst>
+                              <p:cond delay="0"/>
+                            </p:stCondLst>
+                            <p:childTnLst>
+                              <p:par>
+                                <p:cTn fill="hold" nodeType="clickEffect" presetClass="entr" presetID="23" presetSubtype="16">
+                                  <p:stCondLst>
+                                    <p:cond delay="0"/>
+                                  </p:stCondLst>
+                                  <p:childTnLst>
+                                    <p:set>
+                                      <p:cBhvr>
+                                        <p:cTn dur="1" fill="hold">
+                                          <p:stCondLst>
+                                            <p:cond delay="0"/>
+                                          </p:stCondLst>
+                                        </p:cTn>
+                                        <p:tgtEl>
+                                          <p:spTgt spid="314"/>
+                                        </p:tgtEl>
+                                        <p:attrNameLst>
+                                          <p:attrName>style.visibility</p:attrName>
+                                        </p:attrNameLst>
+                                      </p:cBhvr>
+                                      <p:to>
+                                        <p:strVal val="visible"/>
+                                      </p:to>
+                                    </p:set>
+                                    <p:anim calcmode="lin" valueType="num">
+                                      <p:cBhvr additive="base">
+                                        <p:cTn dur="1000"/>
+                                        <p:tgtEl>
+                                          <p:spTgt spid="314"/>
+                                        </p:tgtEl>
+                                        <p:attrNameLst>
+                                          <p:attrName>ppt_w</p:attrName>
+                                        </p:attrNameLst>
+                                      </p:cBhvr>
+                                      <p:tavLst>
+                                        <p:tav fmla="" tm="0">
+                                          <p:val>
+                                            <p:strVal val="0"/>
+                                          </p:val>
+                                        </p:tav>
+                                        <p:tav fmla="" tm="100000">
+                                          <p:val>
+                                            <p:strVal val="#ppt_w"/>
+                                          </p:val>
+                                        </p:tav>
+                                      </p:tavLst>
+                                    </p:anim>
+                                    <p:anim calcmode="lin" valueType="num">
+                                      <p:cBhvr additive="base">
+                                        <p:cTn dur="1000"/>
+                                        <p:tgtEl>
+                                          <p:spTgt spid="314"/>
+                                        </p:tgtEl>
+                                        <p:attrNameLst>
+                                          <p:attrName>ppt_h</p:attrName>
+                                        </p:attrNameLst>
+                                      </p:cBhvr>
+                                      <p:tavLst>
+                                        <p:tav fmla="" tm="0">
+                                          <p:val>
+                                            <p:strVal val="0"/>
+                                          </p:val>
+                                        </p:tav>
+                                        <p:tav fmla="" tm="100000">
+                                          <p:val>
+                                            <p:strVal val="#ppt_h"/>
+                                          </p:val>
+                                        </p:tav>
+                                      </p:tavLst>
+                                    </p:anim>
+                                  </p:childTnLst>
+                                </p:cTn>
+                              </p:par>
+                            </p:childTnLst>
+                          </p:cTn>
+                        </p:par>
+                      </p:childTnLst>
+                    </p:cTn>
+                  </p:par>
+                </p:childTnLst>
+              </p:cTn>
+              <p:prevCondLst>
+                <p:cond evt="onPrev">
+                  <p:tgtEl>
+                    <p:sldTgt/>
+                  </p:tgtEl>
+                </p:cond>
+              </p:prevCondLst>
+              <p:nextCondLst>
+                <p:cond evt="onNext">
+                  <p:tgtEl>
+                    <p:sldTgt/>
+                  </p:tgtEl>
+                </p:cond>
+              </p:nextCondLst>
+            </p:seq>
+          </p:childTnLst>
+        </p:cTn>
+      </p:par>
+    </p:tnLst>
+  </p:timing>
+</p:sld>
+</file>
+
+<file path=ppt/slides/slide7.xml><?xml version="1.0" encoding="utf-8"?>
+<p:sld xmlns:a="http://schemas.openxmlformats.org/drawingml/2006/main" xmlns:r="http://schemas.openxmlformats.org/officeDocument/2006/relationships" xmlns:mc="http://schemas.openxmlformats.org/markup-compatibility/2006" xmlns:mv="urn:schemas-microsoft-com:mac:vml" xmlns:p="http://schemas.openxmlformats.org/presentationml/2006/main" xmlns:c="http://schemas.openxmlformats.org/drawingml/2006/chart" xmlns:dgm="http://schemas.openxmlformats.org/drawingml/2006/diagram" xmlns:o="urn:schemas-microsoft-com:office:office" xmlns:v="urn:schemas-microsoft-com:vml" xmlns:pvml="urn:schemas-microsoft-com:office:powerpoint" xmlns:com="http://schemas.openxmlformats.org/drawingml/2006/compatibility" xmlns:p14="http://schemas.microsoft.com/office/powerpoint/2010/main" xmlns:p15="http://schemas.microsoft.com/office/powerpoint/2012/main" xmlns:ahyp="http://schemas.microsoft.com/office/drawing/2018/hyperlinkcolor">
+  <p:cSld>
+    <p:spTree>
+      <p:nvGrpSpPr>
+        <p:cNvPr id="318" name="Shape 318"/>
+        <p:cNvGrpSpPr/>
+        <p:nvPr/>
+      </p:nvGrpSpPr>
+      <p:grpSpPr>
+        <a:xfrm>
+          <a:off x="0" y="0"/>
+          <a:ext cx="0" cy="0"/>
+          <a:chOff x="0" y="0"/>
+          <a:chExt cx="0" cy="0"/>
+        </a:xfrm>
+      </p:grpSpPr>
+      <p:sp>
+        <p:nvSpPr>
+          <p:cNvPr id="319" name="Google Shape;319;p19"/>
+          <p:cNvSpPr txBox="1"/>
+          <p:nvPr>
+            <p:ph type="title"/>
+          </p:nvPr>
+        </p:nvSpPr>
+        <p:spPr>
+          <a:xfrm>
+            <a:off x="1303800" y="598575"/>
+            <a:ext cx="7030500" cy="999300"/>
+          </a:xfrm>
+          <a:prstGeom prst="rect">
+            <a:avLst/>
+          </a:prstGeom>
+        </p:spPr>
+        <p:txBody>
+          <a:bodyPr anchorCtr="0" anchor="t" bIns="91425" lIns="91425" spcFirstLastPara="1" rIns="91425" wrap="square" tIns="91425">
+            <a:normAutofit/>
+          </a:bodyPr>
+          <a:lstStyle/>
+          <a:p>
+            <a:pPr indent="0" lvl="0" marL="0" rtl="0" algn="l">
+              <a:spcBef>
+                <a:spcPts val="0"/>
+              </a:spcBef>
+              <a:spcAft>
+                <a:spcPts val="0"/>
+              </a:spcAft>
+              <a:buNone/>
+            </a:pPr>
+            <a:r>
+              <a:rPr lang="en"/>
+              <a:t>BERT Models with Chunking</a:t>
+            </a:r>
+            <a:endParaRPr/>
+          </a:p>
+        </p:txBody>
+      </p:sp>
+      <p:graphicFrame>
+        <p:nvGraphicFramePr>
+          <p:cNvPr id="320" name="Google Shape;320;p19"/>
+          <p:cNvGraphicFramePr/>
+          <p:nvPr/>
+        </p:nvGraphicFramePr>
+        <p:xfrm>
+          <a:off x="952500" y="1848175"/>
+          <a:ext cx="3000000" cy="3000000"/>
+        </p:xfrm>
+        <a:graphic>
+          <a:graphicData uri="http://schemas.openxmlformats.org/drawingml/2006/table">
+            <a:tbl>
+              <a:tblPr>
+                <a:noFill/>
+                <a:tableStyleId>{0A40773F-1392-42F7-9483-1D2D2D8A138E}</a:tableStyleId>
+              </a:tblPr>
+              <a:tblGrid>
+                <a:gridCol w="1447800"/>
+                <a:gridCol w="1447800"/>
+                <a:gridCol w="1447800"/>
+                <a:gridCol w="1447800"/>
+                <a:gridCol w="1447800"/>
+              </a:tblGrid>
+              <a:tr h="381000">
+                <a:tc>
+                  <a:txBody>
+                    <a:bodyPr/>
+                    <a:lstStyle/>
+                    <a:p>
+                      <a:pPr indent="0" lvl="0" marL="0" rtl="0" algn="l">
+                        <a:spcBef>
+                          <a:spcPts val="0"/>
+                        </a:spcBef>
+                        <a:spcAft>
+                          <a:spcPts val="0"/>
+                        </a:spcAft>
+                        <a:buNone/>
+                      </a:pPr>
+                      <a:r>
+                        <a:rPr lang="en"/>
+                        <a:t>Model</a:t>
+                      </a:r>
+                      <a:endParaRPr/>
+                    </a:p>
+                  </a:txBody>
+                  <a:tcPr marT="91425" marB="91425" marR="91425" marL="91425">
+                    <a:solidFill>
+                      <a:srgbClr val="CCCCCC"/>
+                    </a:solidFill>
+                  </a:tcPr>
+                </a:tc>
+                <a:tc>
+                  <a:txBody>
+                    <a:bodyPr/>
+                    <a:lstStyle/>
+                    <a:p>
+                      <a:pPr indent="0" lvl="0" marL="0" rtl="0" algn="l">
+                        <a:spcBef>
+                          <a:spcPts val="0"/>
+                        </a:spcBef>
+                        <a:spcAft>
+                          <a:spcPts val="0"/>
+                        </a:spcAft>
+                        <a:buNone/>
+                      </a:pPr>
+                      <a:r>
+                        <a:rPr lang="en"/>
+                        <a:t>Parameters</a:t>
+                      </a:r>
+                      <a:endParaRPr/>
+                    </a:p>
+                  </a:txBody>
+                  <a:tcPr marT="91425" marB="91425" marR="91425" marL="91425">
+                    <a:solidFill>
+                      <a:srgbClr val="CCCCCC"/>
+                    </a:solidFill>
+                  </a:tcPr>
+                </a:tc>
+                <a:tc>
+                  <a:txBody>
+                    <a:bodyPr/>
+                    <a:lstStyle/>
+                    <a:p>
+                      <a:pPr indent="0" lvl="0" marL="0" rtl="0" algn="l">
+                        <a:spcBef>
+                          <a:spcPts val="0"/>
+                        </a:spcBef>
+                        <a:spcAft>
+                          <a:spcPts val="0"/>
+                        </a:spcAft>
+                        <a:buNone/>
+                      </a:pPr>
+                      <a:r>
+                        <a:rPr lang="en"/>
+                        <a:t>Layer</a:t>
+                      </a:r>
+                      <a:endParaRPr/>
+                    </a:p>
+                  </a:txBody>
+                  <a:tcPr marT="91425" marB="91425" marR="91425" marL="91425">
+                    <a:solidFill>
+                      <a:srgbClr val="CCCCCC"/>
+                    </a:solidFill>
+                  </a:tcPr>
+                </a:tc>
+                <a:tc>
+                  <a:txBody>
+                    <a:bodyPr/>
+                    <a:lstStyle/>
+                    <a:p>
+                      <a:pPr indent="0" lvl="0" marL="0" rtl="0" algn="l">
+                        <a:spcBef>
+                          <a:spcPts val="0"/>
+                        </a:spcBef>
+                        <a:spcAft>
+                          <a:spcPts val="0"/>
+                        </a:spcAft>
+                        <a:buNone/>
+                      </a:pPr>
+                      <a:r>
+                        <a:rPr lang="en"/>
+                        <a:t>Hidden</a:t>
+                      </a:r>
+                      <a:endParaRPr/>
+                    </a:p>
+                  </a:txBody>
+                  <a:tcPr marT="91425" marB="91425" marR="91425" marL="91425">
+                    <a:solidFill>
+                      <a:srgbClr val="CCCCCC"/>
+                    </a:solidFill>
+                  </a:tcPr>
+                </a:tc>
+                <a:tc>
+                  <a:txBody>
+                    <a:bodyPr/>
+                    <a:lstStyle/>
+                    <a:p>
+                      <a:pPr indent="0" lvl="0" marL="0" rtl="0" algn="l">
+                        <a:spcBef>
+                          <a:spcPts val="0"/>
+                        </a:spcBef>
+                        <a:spcAft>
+                          <a:spcPts val="0"/>
+                        </a:spcAft>
+                        <a:buNone/>
+                      </a:pPr>
+                      <a:r>
+                        <a:rPr lang="en"/>
+                        <a:t>Reasoning</a:t>
+                      </a:r>
+                      <a:endParaRPr/>
+                    </a:p>
+                  </a:txBody>
+                  <a:tcPr marT="91425" marB="91425" marR="91425" marL="91425">
+                    <a:solidFill>
+                      <a:srgbClr val="CCCCCC"/>
+                    </a:solidFill>
+                  </a:tcPr>
+                </a:tc>
+              </a:tr>
+              <a:tr h="381000">
+                <a:tc>
+                  <a:txBody>
+                    <a:bodyPr/>
+                    <a:lstStyle/>
+                    <a:p>
+                      <a:pPr indent="0" lvl="0" marL="0" rtl="0" algn="ctr">
+                        <a:spcBef>
+                          <a:spcPts val="0"/>
+                        </a:spcBef>
+                        <a:spcAft>
+                          <a:spcPts val="0"/>
+                        </a:spcAft>
+                        <a:buNone/>
+                      </a:pPr>
+                      <a:r>
+                        <a:rPr lang="en" sz="1200"/>
+                        <a:t>bert-base-cased</a:t>
+                      </a:r>
+                      <a:endParaRPr sz="1200"/>
+                    </a:p>
+                  </a:txBody>
+                  <a:tcPr marT="91425" marB="91425" marR="91425" marL="91425" anchor="ctr"/>
+                </a:tc>
+                <a:tc>
+                  <a:txBody>
+                    <a:bodyPr/>
+                    <a:lstStyle/>
+                    <a:p>
+                      <a:pPr indent="0" lvl="0" marL="0" rtl="0" algn="ctr">
+                        <a:spcBef>
+                          <a:spcPts val="0"/>
+                        </a:spcBef>
+                        <a:spcAft>
+                          <a:spcPts val="0"/>
+                        </a:spcAft>
+                        <a:buNone/>
+                      </a:pPr>
+                      <a:r>
+                        <a:rPr lang="en" sz="1200"/>
+                        <a:t>110 million</a:t>
+                      </a:r>
+                      <a:endParaRPr sz="1200"/>
+                    </a:p>
+                  </a:txBody>
+                  <a:tcPr marT="91425" marB="91425" marR="91425" marL="91425" anchor="ctr"/>
+                </a:tc>
+                <a:tc>
+                  <a:txBody>
+                    <a:bodyPr/>
+                    <a:lstStyle/>
+                    <a:p>
+                      <a:pPr indent="0" lvl="0" marL="0" rtl="0" algn="ctr">
+                        <a:spcBef>
+                          <a:spcPts val="0"/>
+                        </a:spcBef>
+                        <a:spcAft>
+                          <a:spcPts val="0"/>
+                        </a:spcAft>
+                        <a:buNone/>
+                      </a:pPr>
+                      <a:r>
+                        <a:rPr lang="en" sz="1200"/>
+                        <a:t>12-layer</a:t>
+                      </a:r>
+                      <a:endParaRPr sz="1200"/>
+                    </a:p>
+                  </a:txBody>
+                  <a:tcPr marT="91425" marB="91425" marR="91425" marL="91425" anchor="ctr"/>
+                </a:tc>
+                <a:tc>
+                  <a:txBody>
+                    <a:bodyPr/>
+                    <a:lstStyle/>
+                    <a:p>
+                      <a:pPr indent="0" lvl="0" marL="0" rtl="0" algn="ctr">
+                        <a:spcBef>
+                          <a:spcPts val="0"/>
+                        </a:spcBef>
+                        <a:spcAft>
+                          <a:spcPts val="0"/>
+                        </a:spcAft>
+                        <a:buNone/>
+                      </a:pPr>
+                      <a:r>
+                        <a:rPr lang="en" sz="1200"/>
+                        <a:t>768-hidden</a:t>
+                      </a:r>
+                      <a:endParaRPr sz="1200"/>
+                    </a:p>
+                  </a:txBody>
+                  <a:tcPr marT="91425" marB="91425" marR="91425" marL="91425" anchor="ctr"/>
+                </a:tc>
+                <a:tc>
+                  <a:txBody>
+                    <a:bodyPr/>
+                    <a:lstStyle/>
+                    <a:p>
+                      <a:pPr indent="-279400" lvl="0" marL="285750" rtl="0" algn="l">
+                        <a:spcBef>
+                          <a:spcPts val="0"/>
+                        </a:spcBef>
+                        <a:spcAft>
+                          <a:spcPts val="0"/>
+                        </a:spcAft>
+                        <a:buSzPts val="800"/>
+                        <a:buChar char="-"/>
+                      </a:pPr>
+                      <a:r>
+                        <a:rPr lang="en" sz="800"/>
+                        <a:t>Proof of concept</a:t>
+                      </a:r>
+                      <a:endParaRPr sz="800"/>
+                    </a:p>
+                    <a:p>
+                      <a:pPr indent="-279400" lvl="0" marL="285750" rtl="0" algn="l">
+                        <a:spcBef>
+                          <a:spcPts val="0"/>
+                        </a:spcBef>
+                        <a:spcAft>
+                          <a:spcPts val="0"/>
+                        </a:spcAft>
+                        <a:buSzPts val="800"/>
+                        <a:buChar char="-"/>
+                      </a:pPr>
+                      <a:r>
+                        <a:rPr lang="en" sz="800"/>
+                        <a:t>Standard BERT model for classification</a:t>
+                      </a:r>
+                      <a:endParaRPr sz="800"/>
+                    </a:p>
+                  </a:txBody>
+                  <a:tcPr marT="91425" marB="91425" marR="91425" marL="91425"/>
+                </a:tc>
+              </a:tr>
+              <a:tr h="381000">
+                <a:tc>
+                  <a:txBody>
+                    <a:bodyPr/>
+                    <a:lstStyle/>
+                    <a:p>
+                      <a:pPr indent="0" lvl="0" marL="0" rtl="0" algn="ctr">
+                        <a:spcBef>
+                          <a:spcPts val="0"/>
+                        </a:spcBef>
+                        <a:spcAft>
+                          <a:spcPts val="0"/>
+                        </a:spcAft>
+                        <a:buNone/>
+                      </a:pPr>
+                      <a:r>
+                        <a:rPr lang="en" sz="1200"/>
+                        <a:t>bert-large-cased</a:t>
+                      </a:r>
+                      <a:endParaRPr sz="1200"/>
+                    </a:p>
+                  </a:txBody>
+                  <a:tcPr marT="91425" marB="91425" marR="91425" marL="91425" anchor="ctr"/>
+                </a:tc>
+                <a:tc>
+                  <a:txBody>
+                    <a:bodyPr/>
+                    <a:lstStyle/>
+                    <a:p>
+                      <a:pPr indent="0" lvl="0" marL="0" rtl="0" algn="ctr">
+                        <a:spcBef>
+                          <a:spcPts val="0"/>
+                        </a:spcBef>
+                        <a:spcAft>
+                          <a:spcPts val="0"/>
+                        </a:spcAft>
+                        <a:buNone/>
+                      </a:pPr>
+                      <a:r>
+                        <a:rPr lang="en" sz="1200"/>
+                        <a:t>340 million</a:t>
+                      </a:r>
+                      <a:endParaRPr sz="1200"/>
+                    </a:p>
+                  </a:txBody>
+                  <a:tcPr marT="91425" marB="91425" marR="91425" marL="91425" anchor="ctr"/>
+                </a:tc>
+                <a:tc>
+                  <a:txBody>
+                    <a:bodyPr/>
+                    <a:lstStyle/>
+                    <a:p>
+                      <a:pPr indent="0" lvl="0" marL="0" rtl="0" algn="ctr">
+                        <a:spcBef>
+                          <a:spcPts val="0"/>
+                        </a:spcBef>
+                        <a:spcAft>
+                          <a:spcPts val="0"/>
+                        </a:spcAft>
+                        <a:buNone/>
+                      </a:pPr>
+                      <a:r>
+                        <a:rPr lang="en" sz="1200"/>
+                        <a:t>24-layer</a:t>
+                      </a:r>
+                      <a:endParaRPr sz="1200"/>
+                    </a:p>
+                  </a:txBody>
+                  <a:tcPr marT="91425" marB="91425" marR="91425" marL="91425" anchor="ctr"/>
+                </a:tc>
+                <a:tc>
+                  <a:txBody>
+                    <a:bodyPr/>
+                    <a:lstStyle/>
+                    <a:p>
+                      <a:pPr indent="0" lvl="0" marL="0" rtl="0" algn="ctr">
+                        <a:spcBef>
+                          <a:spcPts val="0"/>
+                        </a:spcBef>
+                        <a:spcAft>
+                          <a:spcPts val="0"/>
+                        </a:spcAft>
+                        <a:buNone/>
+                      </a:pPr>
+                      <a:r>
+                        <a:rPr lang="en" sz="1200"/>
+                        <a:t>1024-hidden</a:t>
+                      </a:r>
+                      <a:endParaRPr sz="1200"/>
+                    </a:p>
+                  </a:txBody>
+                  <a:tcPr marT="91425" marB="91425" marR="91425" marL="91425" anchor="ctr"/>
+                </a:tc>
+                <a:tc>
+                  <a:txBody>
+                    <a:bodyPr/>
+                    <a:lstStyle/>
+                    <a:p>
+                      <a:pPr indent="-279400" lvl="0" marL="285750" rtl="0" algn="l">
+                        <a:spcBef>
+                          <a:spcPts val="0"/>
+                        </a:spcBef>
+                        <a:spcAft>
+                          <a:spcPts val="0"/>
+                        </a:spcAft>
+                        <a:buSzPts val="800"/>
+                        <a:buChar char="-"/>
+                      </a:pPr>
+                      <a:r>
+                        <a:rPr lang="en" sz="800"/>
+                        <a:t>Able to handle more complex tasks</a:t>
+                      </a:r>
+                      <a:endParaRPr sz="800"/>
+                    </a:p>
+                  </a:txBody>
+                  <a:tcPr marT="91425" marB="91425" marR="91425" marL="91425"/>
+                </a:tc>
+              </a:tr>
+              <a:tr h="358850">
+                <a:tc>
+                  <a:txBody>
+                    <a:bodyPr/>
+                    <a:lstStyle/>
+                    <a:p>
+                      <a:pPr indent="0" lvl="0" marL="0" rtl="0" algn="ctr">
+                        <a:spcBef>
+                          <a:spcPts val="0"/>
+                        </a:spcBef>
+                        <a:spcAft>
+                          <a:spcPts val="0"/>
+                        </a:spcAft>
+                        <a:buNone/>
+                      </a:pPr>
+                      <a:r>
+                        <a:rPr lang="en" sz="1200"/>
+                        <a:t>b</a:t>
+                      </a:r>
+                      <a:r>
+                        <a:rPr lang="en" sz="1200"/>
+                        <a:t>ert-base-cased- finetuned-mrpc</a:t>
+                      </a:r>
+                      <a:endParaRPr sz="1200"/>
+                    </a:p>
+                  </a:txBody>
+                  <a:tcPr marT="91425" marB="91425" marR="91425" marL="91425" anchor="ctr"/>
+                </a:tc>
+                <a:tc>
+                  <a:txBody>
+                    <a:bodyPr/>
+                    <a:lstStyle/>
+                    <a:p>
+                      <a:pPr indent="0" lvl="0" marL="0" rtl="0" algn="ctr">
+                        <a:spcBef>
+                          <a:spcPts val="0"/>
+                        </a:spcBef>
+                        <a:spcAft>
+                          <a:spcPts val="0"/>
+                        </a:spcAft>
+                        <a:buNone/>
+                      </a:pPr>
+                      <a:r>
+                        <a:rPr lang="en" sz="1200"/>
+                        <a:t>110M</a:t>
+                      </a:r>
+                      <a:endParaRPr sz="1200"/>
+                    </a:p>
+                  </a:txBody>
+                  <a:tcPr marT="91425" marB="91425" marR="91425" marL="91425" anchor="ctr"/>
+                </a:tc>
+                <a:tc>
+                  <a:txBody>
+                    <a:bodyPr/>
+                    <a:lstStyle/>
+                    <a:p>
+                      <a:pPr indent="0" lvl="0" marL="0" rtl="0" algn="ctr">
+                        <a:spcBef>
+                          <a:spcPts val="0"/>
+                        </a:spcBef>
+                        <a:spcAft>
+                          <a:spcPts val="0"/>
+                        </a:spcAft>
+                        <a:buNone/>
+                      </a:pPr>
+                      <a:r>
+                        <a:rPr lang="en" sz="1200"/>
+                        <a:t>12-layer</a:t>
+                      </a:r>
+                      <a:endParaRPr sz="1200"/>
+                    </a:p>
+                  </a:txBody>
+                  <a:tcPr marT="91425" marB="91425" marR="91425" marL="91425" anchor="ctr"/>
+                </a:tc>
+                <a:tc>
+                  <a:txBody>
+                    <a:bodyPr/>
+                    <a:lstStyle/>
+                    <a:p>
+                      <a:pPr indent="0" lvl="0" marL="0" rtl="0" algn="ctr">
+                        <a:spcBef>
+                          <a:spcPts val="0"/>
+                        </a:spcBef>
+                        <a:spcAft>
+                          <a:spcPts val="0"/>
+                        </a:spcAft>
+                        <a:buNone/>
+                      </a:pPr>
+                      <a:r>
+                        <a:rPr lang="en" sz="1200"/>
+                        <a:t>768-hidden</a:t>
+                      </a:r>
+                      <a:endParaRPr sz="1200"/>
+                    </a:p>
+                  </a:txBody>
+                  <a:tcPr marT="91425" marB="91425" marR="91425" marL="91425" anchor="ctr"/>
+                </a:tc>
+                <a:tc>
+                  <a:txBody>
+                    <a:bodyPr/>
+                    <a:lstStyle/>
+                    <a:p>
+                      <a:pPr indent="-279400" lvl="0" marL="285750" rtl="0" algn="l">
+                        <a:spcBef>
+                          <a:spcPts val="0"/>
+                        </a:spcBef>
+                        <a:spcAft>
+                          <a:spcPts val="0"/>
+                        </a:spcAft>
+                        <a:buSzPts val="800"/>
+                        <a:buChar char="-"/>
+                      </a:pPr>
+                      <a:r>
+                        <a:rPr lang="en" sz="800"/>
+                        <a:t>Sentence </a:t>
+                      </a:r>
+                      <a:r>
+                        <a:rPr lang="en" sz="800"/>
+                        <a:t>similarities</a:t>
+                      </a:r>
+                      <a:r>
+                        <a:rPr lang="en" sz="800"/>
+                        <a:t> (paraphrase / semantic)</a:t>
+                      </a:r>
+                      <a:endParaRPr sz="800"/>
+                    </a:p>
+                  </a:txBody>
+                  <a:tcPr marT="91425" marB="91425" marR="91425" marL="91425"/>
+                </a:tc>
+              </a:tr>
+            </a:tbl>
+          </a:graphicData>
+        </a:graphic>
+      </p:graphicFrame>
+    </p:spTree>
+  </p:cSld>
+  <p:clrMapOvr>
+    <a:masterClrMapping/>
+  </p:clrMapOvr>
+</p:sld>
+</file>
+
+<file path=ppt/slides/slide8.xml><?xml version="1.0" encoding="utf-8"?>
+<p:sld xmlns:a="http://schemas.openxmlformats.org/drawingml/2006/main" xmlns:r="http://schemas.openxmlformats.org/officeDocument/2006/relationships" xmlns:mc="http://schemas.openxmlformats.org/markup-compatibility/2006" xmlns:mv="urn:schemas-microsoft-com:mac:vml" xmlns:p="http://schemas.openxmlformats.org/presentationml/2006/main" xmlns:c="http://schemas.openxmlformats.org/drawingml/2006/chart" xmlns:dgm="http://schemas.openxmlformats.org/drawingml/2006/diagram" xmlns:o="urn:schemas-microsoft-com:office:office" xmlns:v="urn:schemas-microsoft-com:vml" xmlns:pvml="urn:schemas-microsoft-com:office:powerpoint" xmlns:com="http://schemas.openxmlformats.org/drawingml/2006/compatibility" xmlns:p14="http://schemas.microsoft.com/office/powerpoint/2010/main" xmlns:p15="http://schemas.microsoft.com/office/powerpoint/2012/main" xmlns:ahyp="http://schemas.microsoft.com/office/drawing/2018/hyperlinkcolor">
+  <p:cSld>
+    <p:spTree>
+      <p:nvGrpSpPr>
+        <p:cNvPr id="324" name="Shape 324"/>
+        <p:cNvGrpSpPr/>
+        <p:nvPr/>
+      </p:nvGrpSpPr>
+      <p:grpSpPr>
+        <a:xfrm>
+          <a:off x="0" y="0"/>
+          <a:ext cx="0" cy="0"/>
+          <a:chOff x="0" y="0"/>
+          <a:chExt cx="0" cy="0"/>
+        </a:xfrm>
+      </p:grpSpPr>
+      <p:sp>
+        <p:nvSpPr>
+          <p:cNvPr id="325" name="Google Shape;325;p20"/>
+          <p:cNvSpPr txBox="1"/>
+          <p:nvPr>
+            <p:ph type="title"/>
+          </p:nvPr>
+        </p:nvSpPr>
+        <p:spPr>
+          <a:xfrm>
+            <a:off x="1303800" y="598575"/>
+            <a:ext cx="7030500" cy="999300"/>
+          </a:xfrm>
+          <a:prstGeom prst="rect">
+            <a:avLst/>
+          </a:prstGeom>
+        </p:spPr>
+        <p:txBody>
+          <a:bodyPr anchorCtr="0" anchor="t" bIns="91425" lIns="91425" spcFirstLastPara="1" rIns="91425" wrap="square" tIns="91425">
+            <a:normAutofit/>
+          </a:bodyPr>
+          <a:lstStyle/>
+          <a:p>
+            <a:pPr indent="0" lvl="0" marL="0" rtl="0" algn="l">
+              <a:spcBef>
+                <a:spcPts val="0"/>
+              </a:spcBef>
+              <a:spcAft>
+                <a:spcPts val="0"/>
+              </a:spcAft>
+              <a:buNone/>
+            </a:pPr>
+            <a:r>
+              <a:rPr lang="en"/>
+              <a:t>Coreference Resolution Model</a:t>
+            </a:r>
+            <a:endParaRPr/>
+          </a:p>
+        </p:txBody>
+      </p:sp>
+      <p:pic>
+        <p:nvPicPr>
+          <p:cNvPr id="326" name="Google Shape;326;p20"/>
+          <p:cNvPicPr preferRelativeResize="0"/>
+          <p:nvPr/>
+        </p:nvPicPr>
+        <p:blipFill>
+          <a:blip r:embed="rId3">
+            <a:alphaModFix/>
+          </a:blip>
+          <a:stretch>
+            <a:fillRect/>
+          </a:stretch>
+        </p:blipFill>
+        <p:spPr>
+          <a:xfrm>
+            <a:off x="2936687" y="1255650"/>
+            <a:ext cx="3270625" cy="3686449"/>
+          </a:xfrm>
+          <a:prstGeom prst="rect">
+            <a:avLst/>
+          </a:prstGeom>
+          <a:noFill/>
+          <a:ln>
+            <a:noFill/>
+          </a:ln>
+        </p:spPr>
+      </p:pic>
+    </p:spTree>
+  </p:cSld>
+  <p:clrMapOvr>
+    <a:masterClrMapping/>
+  </p:clrMapOvr>
+</p:sld>
+</file>
+
+<file path=ppt/slides/slide9.xml><?xml version="1.0" encoding="utf-8"?>
+<p:sld xmlns:a="http://schemas.openxmlformats.org/drawingml/2006/main" xmlns:r="http://schemas.openxmlformats.org/officeDocument/2006/relationships" xmlns:mc="http://schemas.openxmlformats.org/markup-compatibility/2006" xmlns:mv="urn:schemas-microsoft-com:mac:vml" xmlns:p="http://schemas.openxmlformats.org/presentationml/2006/main" xmlns:c="http://schemas.openxmlformats.org/drawingml/2006/chart" xmlns:dgm="http://schemas.openxmlformats.org/drawingml/2006/diagram" xmlns:o="urn:schemas-microsoft-com:office:office" xmlns:v="urn:schemas-microsoft-com:vml" xmlns:pvml="urn:schemas-microsoft-com:office:powerpoint" xmlns:com="http://schemas.openxmlformats.org/drawingml/2006/compatibility" xmlns:p14="http://schemas.microsoft.com/office/powerpoint/2010/main" xmlns:p15="http://schemas.microsoft.com/office/powerpoint/2012/main" xmlns:ahyp="http://schemas.microsoft.com/office/drawing/2018/hyperlinkcolor">
+  <p:cSld>
+    <p:spTree>
+      <p:nvGrpSpPr>
+        <p:cNvPr id="330" name="Shape 330"/>
+        <p:cNvGrpSpPr/>
+        <p:nvPr/>
+      </p:nvGrpSpPr>
+      <p:grpSpPr>
+        <a:xfrm>
+          <a:off x="0" y="0"/>
+          <a:ext cx="0" cy="0"/>
+          <a:chOff x="0" y="0"/>
+          <a:chExt cx="0" cy="0"/>
+        </a:xfrm>
+      </p:grpSpPr>
+      <p:sp>
+        <p:nvSpPr>
+          <p:cNvPr id="331" name="Google Shape;331;p21"/>
+          <p:cNvSpPr txBox="1"/>
+          <p:nvPr>
+            <p:ph type="title"/>
+          </p:nvPr>
+        </p:nvSpPr>
+        <p:spPr>
+          <a:xfrm>
+            <a:off x="1303800" y="598575"/>
+            <a:ext cx="7030500" cy="999300"/>
+          </a:xfrm>
+          <a:prstGeom prst="rect">
+            <a:avLst/>
+          </a:prstGeom>
+        </p:spPr>
+        <p:txBody>
+          <a:bodyPr anchorCtr="0" anchor="t" bIns="91425" lIns="91425" spcFirstLastPara="1" rIns="91425" wrap="square" tIns="91425">
+            <a:normAutofit/>
+          </a:bodyPr>
+          <a:lstStyle/>
+          <a:p>
+            <a:pPr indent="0" lvl="0" marL="0" rtl="0" algn="l">
+              <a:spcBef>
+                <a:spcPts val="0"/>
+              </a:spcBef>
+              <a:spcAft>
+                <a:spcPts val="0"/>
+              </a:spcAft>
+              <a:buNone/>
+            </a:pPr>
+            <a:r>
+              <a:rPr lang="en"/>
+              <a:t>Coreference Resolution Model</a:t>
+            </a:r>
+            <a:endParaRPr/>
+          </a:p>
+        </p:txBody>
+      </p:sp>
+      <p:sp>
+        <p:nvSpPr>
+          <p:cNvPr id="332" name="Google Shape;332;p21"/>
+          <p:cNvSpPr txBox="1"/>
+          <p:nvPr>
+            <p:ph idx="1" type="body"/>
+          </p:nvPr>
+        </p:nvSpPr>
+        <p:spPr>
+          <a:xfrm>
+            <a:off x="616050" y="1248275"/>
+            <a:ext cx="4556400" cy="3240900"/>
+          </a:xfrm>
+          <a:prstGeom prst="rect">
+            <a:avLst/>
+          </a:prstGeom>
+        </p:spPr>
+        <p:txBody>
+          <a:bodyPr anchorCtr="0" anchor="t" bIns="91425" lIns="91425" spcFirstLastPara="1" rIns="91425" wrap="square" tIns="91425">
+            <a:normAutofit/>
+          </a:bodyPr>
+          <a:lstStyle/>
+          <a:p>
+            <a:pPr indent="-311150" lvl="0" marL="457200" rtl="0" algn="l">
+              <a:spcBef>
+                <a:spcPts val="0"/>
+              </a:spcBef>
+              <a:spcAft>
+                <a:spcPts val="0"/>
+              </a:spcAft>
+              <a:buSzPts val="1300"/>
+              <a:buChar char="-"/>
+            </a:pPr>
+            <a:r>
+              <a:rPr lang="en"/>
+              <a:t>Approach : Combine Coreference Resolution and set of heuristics to answer Bechdel Criteria</a:t>
+            </a:r>
+            <a:endParaRPr/>
+          </a:p>
+          <a:p>
+            <a:pPr indent="-311150" lvl="0" marL="457200" rtl="0" algn="l">
+              <a:spcBef>
+                <a:spcPts val="0"/>
+              </a:spcBef>
+              <a:spcAft>
+                <a:spcPts val="0"/>
+              </a:spcAft>
+              <a:buSzPts val="1300"/>
+              <a:buChar char="-"/>
+            </a:pPr>
+            <a:r>
+              <a:rPr lang="en"/>
+              <a:t>Criteria 1 : Are there two named women in the film?</a:t>
+            </a:r>
+            <a:endParaRPr/>
+          </a:p>
+          <a:p>
+            <a:pPr indent="-298450" lvl="1" marL="914400" rtl="0" algn="l">
+              <a:spcBef>
+                <a:spcPts val="0"/>
+              </a:spcBef>
+              <a:spcAft>
+                <a:spcPts val="0"/>
+              </a:spcAft>
+              <a:buSzPts val="1100"/>
+              <a:buChar char="-"/>
+            </a:pPr>
+            <a:r>
+              <a:rPr lang="en"/>
+              <a:t>Identify Character Entities with Model and their pronouns</a:t>
+            </a:r>
+            <a:endParaRPr/>
+          </a:p>
+          <a:p>
+            <a:pPr indent="-311150" lvl="0" marL="457200" rtl="0" algn="l">
+              <a:spcBef>
+                <a:spcPts val="0"/>
+              </a:spcBef>
+              <a:spcAft>
+                <a:spcPts val="0"/>
+              </a:spcAft>
+              <a:buSzPts val="1300"/>
+              <a:buChar char="-"/>
+            </a:pPr>
+            <a:r>
+              <a:rPr lang="en"/>
+              <a:t>Criteria 2: Do two women in the film have a conversation together?</a:t>
+            </a:r>
+            <a:endParaRPr/>
+          </a:p>
+          <a:p>
+            <a:pPr indent="-298450" lvl="1" marL="914400" rtl="0" algn="l">
+              <a:spcBef>
+                <a:spcPts val="0"/>
+              </a:spcBef>
+              <a:spcAft>
+                <a:spcPts val="0"/>
+              </a:spcAft>
+              <a:buSzPts val="1100"/>
+              <a:buChar char="-"/>
+            </a:pPr>
+            <a:r>
+              <a:rPr lang="en"/>
+              <a:t>We find two women with dialogue</a:t>
+            </a:r>
+            <a:endParaRPr/>
+          </a:p>
+          <a:p>
+            <a:pPr indent="-311150" lvl="0" marL="457200" rtl="0" algn="l">
+              <a:spcBef>
+                <a:spcPts val="0"/>
+              </a:spcBef>
+              <a:spcAft>
+                <a:spcPts val="0"/>
+              </a:spcAft>
+              <a:buSzPts val="1300"/>
+              <a:buChar char="-"/>
+            </a:pPr>
+            <a:r>
+              <a:rPr lang="en"/>
+              <a:t>Criteria 3: Is the conversation about something other than a man?</a:t>
+            </a:r>
+            <a:endParaRPr/>
+          </a:p>
+          <a:p>
+            <a:pPr indent="-298450" lvl="1" marL="914400" rtl="0" algn="l">
+              <a:spcBef>
+                <a:spcPts val="0"/>
+              </a:spcBef>
+              <a:spcAft>
+                <a:spcPts val="0"/>
+              </a:spcAft>
+              <a:buSzPts val="1100"/>
+              <a:buChar char="-"/>
+            </a:pPr>
+            <a:r>
+              <a:rPr lang="en"/>
+              <a:t>We find coreferences of men in that dialogue, and if not, it passes.</a:t>
+            </a:r>
+            <a:endParaRPr/>
+          </a:p>
+        </p:txBody>
+      </p:sp>
+      <p:pic>
+        <p:nvPicPr>
+          <p:cNvPr id="333" name="Google Shape;333;p21"/>
+          <p:cNvPicPr preferRelativeResize="0"/>
+          <p:nvPr/>
+        </p:nvPicPr>
+        <p:blipFill>
+          <a:blip r:embed="rId3">
+            <a:alphaModFix/>
+          </a:blip>
+          <a:stretch>
+            <a:fillRect/>
+          </a:stretch>
+        </p:blipFill>
+        <p:spPr>
+          <a:xfrm>
+            <a:off x="5353900" y="1248263"/>
+            <a:ext cx="2875243" cy="3240824"/>
+          </a:xfrm>
+          <a:prstGeom prst="rect">
+            <a:avLst/>
+          </a:prstGeom>
+          <a:noFill/>
+          <a:ln>
+            <a:noFill/>
+          </a:ln>
+        </p:spPr>
+      </p:pic>
+    </p:spTree>
+  </p:cSld>
+  <p:clrMapOvr>
+    <a:masterClrMapping/>
+  </p:clrMapOvr>
+</p:sld>
+</file>
+
 <file path=ppt/theme/theme1.xml><?xml version="1.0" encoding="utf-8"?>
 <a:theme xmlns:a="http://schemas.openxmlformats.org/drawingml/2006/main" xmlns:r="http://schemas.openxmlformats.org/officeDocument/2006/relationships">
   <a:themeElements>
